--- a/Final_project_DataAnalytics-D.Ivashchenko.pptx
+++ b/Final_project_DataAnalytics-D.Ivashchenko.pptx
@@ -5968,39 +5968,6 @@
           </a:p>
         </p:txBody>
       </p:sp>
-      <p:pic>
-        <p:nvPicPr>
-          <p:cNvPr id="145" name="Google Shape;145;p22">
-            <a:extLst>
-              <a:ext uri="{FF2B5EF4-FFF2-40B4-BE49-F238E27FC236}">
-                <a16:creationId xmlns:a16="http://schemas.microsoft.com/office/drawing/2014/main" id="{EA1F1DD2-6169-A5E4-1DE4-8F9EFDD8BA64}"/>
-              </a:ext>
-            </a:extLst>
-          </p:cNvPr>
-          <p:cNvPicPr preferRelativeResize="0"/>
-          <p:nvPr/>
-        </p:nvPicPr>
-        <p:blipFill rotWithShape="1">
-          <a:blip r:embed="rId3">
-            <a:alphaModFix/>
-          </a:blip>
-          <a:srcRect/>
-          <a:stretch/>
-        </p:blipFill>
-        <p:spPr>
-          <a:xfrm>
-            <a:off x="6697892" y="3833495"/>
-            <a:ext cx="2134414" cy="829011"/>
-          </a:xfrm>
-          <a:prstGeom prst="rect">
-            <a:avLst/>
-          </a:prstGeom>
-          <a:noFill/>
-          <a:ln>
-            <a:noFill/>
-          </a:ln>
-        </p:spPr>
-      </p:pic>
       <p:sp>
         <p:nvSpPr>
           <p:cNvPr id="147" name="Google Shape;147;p22">
@@ -6400,6 +6367,40 @@
           </a:p>
         </p:txBody>
       </p:sp>
+      <p:pic>
+        <p:nvPicPr>
+          <p:cNvPr id="2" name="Google Shape;342;p31">
+            <a:extLst>
+              <a:ext uri="{FF2B5EF4-FFF2-40B4-BE49-F238E27FC236}">
+                <a16:creationId xmlns:a16="http://schemas.microsoft.com/office/drawing/2014/main" id="{310DB476-F495-137D-83F4-4D7C10BAFCEE}"/>
+              </a:ext>
+            </a:extLst>
+          </p:cNvPr>
+          <p:cNvPicPr preferRelativeResize="0"/>
+          <p:nvPr/>
+        </p:nvPicPr>
+        <p:blipFill>
+          <a:blip r:embed="rId3">
+            <a:alphaModFix/>
+          </a:blip>
+          <a:stretch>
+            <a:fillRect/>
+          </a:stretch>
+        </p:blipFill>
+        <p:spPr>
+          <a:xfrm>
+            <a:off x="7021238" y="2775749"/>
+            <a:ext cx="1811075" cy="1922726"/>
+          </a:xfrm>
+          <a:prstGeom prst="rect">
+            <a:avLst/>
+          </a:prstGeom>
+          <a:noFill/>
+          <a:ln>
+            <a:noFill/>
+          </a:ln>
+        </p:spPr>
+      </p:pic>
     </p:spTree>
     <p:extLst>
       <p:ext uri="{BB962C8B-B14F-4D97-AF65-F5344CB8AC3E}">
@@ -6764,39 +6765,6 @@
           </a:p>
         </p:txBody>
       </p:sp>
-      <p:pic>
-        <p:nvPicPr>
-          <p:cNvPr id="145" name="Google Shape;145;p22">
-            <a:extLst>
-              <a:ext uri="{FF2B5EF4-FFF2-40B4-BE49-F238E27FC236}">
-                <a16:creationId xmlns:a16="http://schemas.microsoft.com/office/drawing/2014/main" id="{BB24BCFF-7207-E30A-BFBF-7BD1D9646DDC}"/>
-              </a:ext>
-            </a:extLst>
-          </p:cNvPr>
-          <p:cNvPicPr preferRelativeResize="0"/>
-          <p:nvPr/>
-        </p:nvPicPr>
-        <p:blipFill rotWithShape="1">
-          <a:blip r:embed="rId3">
-            <a:alphaModFix/>
-          </a:blip>
-          <a:srcRect/>
-          <a:stretch/>
-        </p:blipFill>
-        <p:spPr>
-          <a:xfrm>
-            <a:off x="6697892" y="3833495"/>
-            <a:ext cx="2134414" cy="829011"/>
-          </a:xfrm>
-          <a:prstGeom prst="rect">
-            <a:avLst/>
-          </a:prstGeom>
-          <a:noFill/>
-          <a:ln>
-            <a:noFill/>
-          </a:ln>
-        </p:spPr>
-      </p:pic>
       <p:sp>
         <p:nvSpPr>
           <p:cNvPr id="147" name="Google Shape;147;p22">
@@ -7033,6 +7001,40 @@
           </a:p>
         </p:txBody>
       </p:sp>
+      <p:pic>
+        <p:nvPicPr>
+          <p:cNvPr id="2" name="Google Shape;340;p31">
+            <a:extLst>
+              <a:ext uri="{FF2B5EF4-FFF2-40B4-BE49-F238E27FC236}">
+                <a16:creationId xmlns:a16="http://schemas.microsoft.com/office/drawing/2014/main" id="{4E61053A-00E9-8118-EE7E-081D4B13C91C}"/>
+              </a:ext>
+            </a:extLst>
+          </p:cNvPr>
+          <p:cNvPicPr preferRelativeResize="0"/>
+          <p:nvPr/>
+        </p:nvPicPr>
+        <p:blipFill>
+          <a:blip r:embed="rId3">
+            <a:alphaModFix/>
+          </a:blip>
+          <a:stretch>
+            <a:fillRect/>
+          </a:stretch>
+        </p:blipFill>
+        <p:spPr>
+          <a:xfrm>
+            <a:off x="7543320" y="3648782"/>
+            <a:ext cx="1083308" cy="972040"/>
+          </a:xfrm>
+          <a:prstGeom prst="rect">
+            <a:avLst/>
+          </a:prstGeom>
+          <a:noFill/>
+          <a:ln>
+            <a:noFill/>
+          </a:ln>
+        </p:spPr>
+      </p:pic>
     </p:spTree>
     <p:extLst>
       <p:ext uri="{BB962C8B-B14F-4D97-AF65-F5344CB8AC3E}">
@@ -7125,39 +7127,6 @@
           </a:p>
         </p:txBody>
       </p:sp>
-      <p:pic>
-        <p:nvPicPr>
-          <p:cNvPr id="145" name="Google Shape;145;p22">
-            <a:extLst>
-              <a:ext uri="{FF2B5EF4-FFF2-40B4-BE49-F238E27FC236}">
-                <a16:creationId xmlns:a16="http://schemas.microsoft.com/office/drawing/2014/main" id="{79EE4C4A-A26B-872C-87BF-8151C0D6BC71}"/>
-              </a:ext>
-            </a:extLst>
-          </p:cNvPr>
-          <p:cNvPicPr preferRelativeResize="0"/>
-          <p:nvPr/>
-        </p:nvPicPr>
-        <p:blipFill rotWithShape="1">
-          <a:blip r:embed="rId3">
-            <a:alphaModFix/>
-          </a:blip>
-          <a:srcRect/>
-          <a:stretch/>
-        </p:blipFill>
-        <p:spPr>
-          <a:xfrm>
-            <a:off x="6697892" y="3833495"/>
-            <a:ext cx="2134414" cy="829011"/>
-          </a:xfrm>
-          <a:prstGeom prst="rect">
-            <a:avLst/>
-          </a:prstGeom>
-          <a:noFill/>
-          <a:ln>
-            <a:noFill/>
-          </a:ln>
-        </p:spPr>
-      </p:pic>
       <p:sp>
         <p:nvSpPr>
           <p:cNvPr id="146" name="Google Shape;146;p22">
@@ -7472,6 +7441,40 @@
           </a:p>
         </p:txBody>
       </p:sp>
+      <p:pic>
+        <p:nvPicPr>
+          <p:cNvPr id="2" name="Google Shape;338;p31">
+            <a:extLst>
+              <a:ext uri="{FF2B5EF4-FFF2-40B4-BE49-F238E27FC236}">
+                <a16:creationId xmlns:a16="http://schemas.microsoft.com/office/drawing/2014/main" id="{4F70190C-0FA6-7452-269B-064E960983CC}"/>
+              </a:ext>
+            </a:extLst>
+          </p:cNvPr>
+          <p:cNvPicPr preferRelativeResize="0"/>
+          <p:nvPr/>
+        </p:nvPicPr>
+        <p:blipFill>
+          <a:blip r:embed="rId3">
+            <a:alphaModFix/>
+          </a:blip>
+          <a:stretch>
+            <a:fillRect/>
+          </a:stretch>
+        </p:blipFill>
+        <p:spPr>
+          <a:xfrm>
+            <a:off x="7418424" y="3051950"/>
+            <a:ext cx="1580118" cy="1677547"/>
+          </a:xfrm>
+          <a:prstGeom prst="rect">
+            <a:avLst/>
+          </a:prstGeom>
+          <a:noFill/>
+          <a:ln>
+            <a:noFill/>
+          </a:ln>
+        </p:spPr>
+      </p:pic>
     </p:spTree>
     <p:extLst>
       <p:ext uri="{BB962C8B-B14F-4D97-AF65-F5344CB8AC3E}">

--- a/Final_project_DataAnalytics-D.Ivashchenko.pptx
+++ b/Final_project_DataAnalytics-D.Ivashchenko.pptx
@@ -5,24 +5,29 @@
     <p:sldMasterId id="2147483667" r:id="rId1"/>
   </p:sldMasterIdLst>
   <p:notesMasterIdLst>
-    <p:notesMasterId r:id="rId9"/>
+    <p:notesMasterId r:id="rId14"/>
   </p:notesMasterIdLst>
   <p:sldIdLst>
     <p:sldId id="273" r:id="rId2"/>
     <p:sldId id="318" r:id="rId3"/>
     <p:sldId id="268" r:id="rId4"/>
-    <p:sldId id="269" r:id="rId5"/>
-    <p:sldId id="270" r:id="rId6"/>
-    <p:sldId id="271" r:id="rId7"/>
-    <p:sldId id="297" r:id="rId8"/>
+    <p:sldId id="322" r:id="rId5"/>
+    <p:sldId id="324" r:id="rId6"/>
+    <p:sldId id="320" r:id="rId7"/>
+    <p:sldId id="323" r:id="rId8"/>
+    <p:sldId id="321" r:id="rId9"/>
+    <p:sldId id="269" r:id="rId10"/>
+    <p:sldId id="270" r:id="rId11"/>
+    <p:sldId id="271" r:id="rId12"/>
+    <p:sldId id="297" r:id="rId13"/>
   </p:sldIdLst>
   <p:sldSz cx="9144000" cy="5143500" type="screen16x9"/>
   <p:notesSz cx="6858000" cy="9144000"/>
   <p:embeddedFontLst>
     <p:embeddedFont>
       <p:font typeface="Assistant" pitchFamily="2" charset="-79"/>
-      <p:regular r:id="rId10"/>
-      <p:bold r:id="rId11"/>
+      <p:regular r:id="rId15"/>
+      <p:bold r:id="rId16"/>
     </p:embeddedFont>
   </p:embeddedFontLst>
   <p:defaultTextStyle>
@@ -807,6 +812,387 @@
 </p:notes>
 </file>
 
+<file path=ppt/notesSlides/notesSlide10.xml><?xml version="1.0" encoding="utf-8"?>
+<p:notes xmlns:a="http://schemas.openxmlformats.org/drawingml/2006/main" xmlns:r="http://schemas.openxmlformats.org/officeDocument/2006/relationships" xmlns:p="http://schemas.openxmlformats.org/presentationml/2006/main" showMasterSp="0" showMasterPhAnim="0">
+  <p:cSld>
+    <p:spTree>
+      <p:nvGrpSpPr>
+        <p:cNvPr id="1" name="Shape 139">
+          <a:extLst>
+            <a:ext uri="{FF2B5EF4-FFF2-40B4-BE49-F238E27FC236}">
+              <a16:creationId xmlns:a16="http://schemas.microsoft.com/office/drawing/2014/main" id="{7BE3BC4A-7F14-2645-55D4-3ABD57591EE6}"/>
+            </a:ext>
+          </a:extLst>
+        </p:cNvPr>
+        <p:cNvGrpSpPr/>
+        <p:nvPr/>
+      </p:nvGrpSpPr>
+      <p:grpSpPr>
+        <a:xfrm>
+          <a:off x="0" y="0"/>
+          <a:ext cx="0" cy="0"/>
+          <a:chOff x="0" y="0"/>
+          <a:chExt cx="0" cy="0"/>
+        </a:xfrm>
+      </p:grpSpPr>
+      <p:sp>
+        <p:nvSpPr>
+          <p:cNvPr id="140" name="Google Shape;140;p20:notes">
+            <a:extLst>
+              <a:ext uri="{FF2B5EF4-FFF2-40B4-BE49-F238E27FC236}">
+                <a16:creationId xmlns:a16="http://schemas.microsoft.com/office/drawing/2014/main" id="{5FD55A7A-BEC3-17B3-195F-D9C690E268A7}"/>
+              </a:ext>
+            </a:extLst>
+          </p:cNvPr>
+          <p:cNvSpPr>
+            <a:spLocks noGrp="1" noRot="1" noChangeAspect="1"/>
+          </p:cNvSpPr>
+          <p:nvPr>
+            <p:ph type="sldImg" idx="2"/>
+          </p:nvPr>
+        </p:nvSpPr>
+        <p:spPr>
+          <a:xfrm>
+            <a:off x="381000" y="685800"/>
+            <a:ext cx="6096000" cy="3429000"/>
+          </a:xfrm>
+          <a:custGeom>
+            <a:avLst/>
+            <a:gdLst/>
+            <a:ahLst/>
+            <a:cxnLst/>
+            <a:rect l="l" t="t" r="r" b="b"/>
+            <a:pathLst>
+              <a:path w="120000" h="120000" extrusionOk="0">
+                <a:moveTo>
+                  <a:pt x="0" y="0"/>
+                </a:moveTo>
+                <a:lnTo>
+                  <a:pt x="120000" y="0"/>
+                </a:lnTo>
+                <a:lnTo>
+                  <a:pt x="120000" y="120000"/>
+                </a:lnTo>
+                <a:lnTo>
+                  <a:pt x="0" y="120000"/>
+                </a:lnTo>
+                <a:close/>
+              </a:path>
+            </a:pathLst>
+          </a:custGeom>
+          <a:noFill/>
+          <a:ln w="9525" cap="flat" cmpd="sng">
+            <a:solidFill>
+              <a:srgbClr val="000000"/>
+            </a:solidFill>
+            <a:prstDash val="solid"/>
+            <a:round/>
+            <a:headEnd type="none" w="sm" len="sm"/>
+            <a:tailEnd type="none" w="sm" len="sm"/>
+          </a:ln>
+        </p:spPr>
+      </p:sp>
+      <p:sp>
+        <p:nvSpPr>
+          <p:cNvPr id="141" name="Google Shape;141;p20:notes">
+            <a:extLst>
+              <a:ext uri="{FF2B5EF4-FFF2-40B4-BE49-F238E27FC236}">
+                <a16:creationId xmlns:a16="http://schemas.microsoft.com/office/drawing/2014/main" id="{5AC5B900-DA6F-9A78-F01C-5A65359AC817}"/>
+              </a:ext>
+            </a:extLst>
+          </p:cNvPr>
+          <p:cNvSpPr txBox="1">
+            <a:spLocks noGrp="1"/>
+          </p:cNvSpPr>
+          <p:nvPr>
+            <p:ph type="body" idx="1"/>
+          </p:nvPr>
+        </p:nvSpPr>
+        <p:spPr>
+          <a:xfrm>
+            <a:off x="685800" y="4343400"/>
+            <a:ext cx="5486400" cy="4114800"/>
+          </a:xfrm>
+          <a:prstGeom prst="rect">
+            <a:avLst/>
+          </a:prstGeom>
+          <a:noFill/>
+          <a:ln>
+            <a:noFill/>
+          </a:ln>
+        </p:spPr>
+        <p:txBody>
+          <a:bodyPr spcFirstLastPara="1" wrap="square" lIns="91425" tIns="91425" rIns="91425" bIns="91425" anchor="t" anchorCtr="0">
+            <a:noAutofit/>
+          </a:bodyPr>
+          <a:lstStyle/>
+          <a:p>
+            <a:pPr marL="0" lvl="0" indent="0" algn="l" rtl="0">
+              <a:lnSpc>
+                <a:spcPct val="100000"/>
+              </a:lnSpc>
+              <a:spcBef>
+                <a:spcPts val="0"/>
+              </a:spcBef>
+              <a:spcAft>
+                <a:spcPts val="0"/>
+              </a:spcAft>
+              <a:buSzPts val="1100"/>
+              <a:buNone/>
+            </a:pPr>
+            <a:endParaRPr dirty="0"/>
+          </a:p>
+        </p:txBody>
+      </p:sp>
+    </p:spTree>
+    <p:extLst>
+      <p:ext uri="{BB962C8B-B14F-4D97-AF65-F5344CB8AC3E}">
+        <p14:creationId xmlns:p14="http://schemas.microsoft.com/office/powerpoint/2010/main" val="429745012"/>
+      </p:ext>
+    </p:extLst>
+  </p:cSld>
+  <p:clrMapOvr>
+    <a:masterClrMapping/>
+  </p:clrMapOvr>
+</p:notes>
+</file>
+
+<file path=ppt/notesSlides/notesSlide11.xml><?xml version="1.0" encoding="utf-8"?>
+<p:notes xmlns:a="http://schemas.openxmlformats.org/drawingml/2006/main" xmlns:r="http://schemas.openxmlformats.org/officeDocument/2006/relationships" xmlns:p="http://schemas.openxmlformats.org/presentationml/2006/main" showMasterSp="0" showMasterPhAnim="0">
+  <p:cSld>
+    <p:spTree>
+      <p:nvGrpSpPr>
+        <p:cNvPr id="1" name="Shape 139">
+          <a:extLst>
+            <a:ext uri="{FF2B5EF4-FFF2-40B4-BE49-F238E27FC236}">
+              <a16:creationId xmlns:a16="http://schemas.microsoft.com/office/drawing/2014/main" id="{0B20A677-F0D1-A9DD-DC56-C62D3717686F}"/>
+            </a:ext>
+          </a:extLst>
+        </p:cNvPr>
+        <p:cNvGrpSpPr/>
+        <p:nvPr/>
+      </p:nvGrpSpPr>
+      <p:grpSpPr>
+        <a:xfrm>
+          <a:off x="0" y="0"/>
+          <a:ext cx="0" cy="0"/>
+          <a:chOff x="0" y="0"/>
+          <a:chExt cx="0" cy="0"/>
+        </a:xfrm>
+      </p:grpSpPr>
+      <p:sp>
+        <p:nvSpPr>
+          <p:cNvPr id="140" name="Google Shape;140;p20:notes">
+            <a:extLst>
+              <a:ext uri="{FF2B5EF4-FFF2-40B4-BE49-F238E27FC236}">
+                <a16:creationId xmlns:a16="http://schemas.microsoft.com/office/drawing/2014/main" id="{09E304E5-F5D2-CDE7-1009-33E6C568AACA}"/>
+              </a:ext>
+            </a:extLst>
+          </p:cNvPr>
+          <p:cNvSpPr>
+            <a:spLocks noGrp="1" noRot="1" noChangeAspect="1"/>
+          </p:cNvSpPr>
+          <p:nvPr>
+            <p:ph type="sldImg" idx="2"/>
+          </p:nvPr>
+        </p:nvSpPr>
+        <p:spPr>
+          <a:xfrm>
+            <a:off x="381000" y="685800"/>
+            <a:ext cx="6096000" cy="3429000"/>
+          </a:xfrm>
+          <a:custGeom>
+            <a:avLst/>
+            <a:gdLst/>
+            <a:ahLst/>
+            <a:cxnLst/>
+            <a:rect l="l" t="t" r="r" b="b"/>
+            <a:pathLst>
+              <a:path w="120000" h="120000" extrusionOk="0">
+                <a:moveTo>
+                  <a:pt x="0" y="0"/>
+                </a:moveTo>
+                <a:lnTo>
+                  <a:pt x="120000" y="0"/>
+                </a:lnTo>
+                <a:lnTo>
+                  <a:pt x="120000" y="120000"/>
+                </a:lnTo>
+                <a:lnTo>
+                  <a:pt x="0" y="120000"/>
+                </a:lnTo>
+                <a:close/>
+              </a:path>
+            </a:pathLst>
+          </a:custGeom>
+          <a:noFill/>
+          <a:ln w="9525" cap="flat" cmpd="sng">
+            <a:solidFill>
+              <a:srgbClr val="000000"/>
+            </a:solidFill>
+            <a:prstDash val="solid"/>
+            <a:round/>
+            <a:headEnd type="none" w="sm" len="sm"/>
+            <a:tailEnd type="none" w="sm" len="sm"/>
+          </a:ln>
+        </p:spPr>
+      </p:sp>
+      <p:sp>
+        <p:nvSpPr>
+          <p:cNvPr id="141" name="Google Shape;141;p20:notes">
+            <a:extLst>
+              <a:ext uri="{FF2B5EF4-FFF2-40B4-BE49-F238E27FC236}">
+                <a16:creationId xmlns:a16="http://schemas.microsoft.com/office/drawing/2014/main" id="{4BB35EF6-4234-E2EA-46ED-01C589913FF2}"/>
+              </a:ext>
+            </a:extLst>
+          </p:cNvPr>
+          <p:cNvSpPr txBox="1">
+            <a:spLocks noGrp="1"/>
+          </p:cNvSpPr>
+          <p:nvPr>
+            <p:ph type="body" idx="1"/>
+          </p:nvPr>
+        </p:nvSpPr>
+        <p:spPr>
+          <a:xfrm>
+            <a:off x="685800" y="4343400"/>
+            <a:ext cx="5486400" cy="4114800"/>
+          </a:xfrm>
+          <a:prstGeom prst="rect">
+            <a:avLst/>
+          </a:prstGeom>
+          <a:noFill/>
+          <a:ln>
+            <a:noFill/>
+          </a:ln>
+        </p:spPr>
+        <p:txBody>
+          <a:bodyPr spcFirstLastPara="1" wrap="square" lIns="91425" tIns="91425" rIns="91425" bIns="91425" anchor="t" anchorCtr="0">
+            <a:noAutofit/>
+          </a:bodyPr>
+          <a:lstStyle/>
+          <a:p>
+            <a:endParaRPr lang="en-GB" dirty="0"/>
+          </a:p>
+        </p:txBody>
+      </p:sp>
+    </p:spTree>
+    <p:extLst>
+      <p:ext uri="{BB962C8B-B14F-4D97-AF65-F5344CB8AC3E}">
+        <p14:creationId xmlns:p14="http://schemas.microsoft.com/office/powerpoint/2010/main" val="1391970890"/>
+      </p:ext>
+    </p:extLst>
+  </p:cSld>
+  <p:clrMapOvr>
+    <a:masterClrMapping/>
+  </p:clrMapOvr>
+</p:notes>
+</file>
+
+<file path=ppt/notesSlides/notesSlide12.xml><?xml version="1.0" encoding="utf-8"?>
+<p:notes xmlns:a="http://schemas.openxmlformats.org/drawingml/2006/main" xmlns:r="http://schemas.openxmlformats.org/officeDocument/2006/relationships" xmlns:p="http://schemas.openxmlformats.org/presentationml/2006/main" showMasterSp="0" showMasterPhAnim="0">
+  <p:cSld>
+    <p:spTree>
+      <p:nvGrpSpPr>
+        <p:cNvPr id="1" name="Shape 655"/>
+        <p:cNvGrpSpPr/>
+        <p:nvPr/>
+      </p:nvGrpSpPr>
+      <p:grpSpPr>
+        <a:xfrm>
+          <a:off x="0" y="0"/>
+          <a:ext cx="0" cy="0"/>
+          <a:chOff x="0" y="0"/>
+          <a:chExt cx="0" cy="0"/>
+        </a:xfrm>
+      </p:grpSpPr>
+      <p:sp>
+        <p:nvSpPr>
+          <p:cNvPr id="656" name="Google Shape;656;gb647448be2_1_484:notes"/>
+          <p:cNvSpPr>
+            <a:spLocks noGrp="1" noRot="1" noChangeAspect="1"/>
+          </p:cNvSpPr>
+          <p:nvPr>
+            <p:ph type="sldImg" idx="2"/>
+          </p:nvPr>
+        </p:nvSpPr>
+        <p:spPr>
+          <a:xfrm>
+            <a:off x="381000" y="685800"/>
+            <a:ext cx="6096000" cy="3429000"/>
+          </a:xfrm>
+          <a:custGeom>
+            <a:avLst/>
+            <a:gdLst/>
+            <a:ahLst/>
+            <a:cxnLst/>
+            <a:rect l="l" t="t" r="r" b="b"/>
+            <a:pathLst>
+              <a:path w="120000" h="120000" extrusionOk="0">
+                <a:moveTo>
+                  <a:pt x="0" y="0"/>
+                </a:moveTo>
+                <a:lnTo>
+                  <a:pt x="120000" y="0"/>
+                </a:lnTo>
+                <a:lnTo>
+                  <a:pt x="120000" y="120000"/>
+                </a:lnTo>
+                <a:lnTo>
+                  <a:pt x="0" y="120000"/>
+                </a:lnTo>
+                <a:close/>
+              </a:path>
+            </a:pathLst>
+          </a:custGeom>
+        </p:spPr>
+      </p:sp>
+      <p:sp>
+        <p:nvSpPr>
+          <p:cNvPr id="657" name="Google Shape;657;gb647448be2_1_484:notes"/>
+          <p:cNvSpPr txBox="1">
+            <a:spLocks noGrp="1"/>
+          </p:cNvSpPr>
+          <p:nvPr>
+            <p:ph type="body" idx="1"/>
+          </p:nvPr>
+        </p:nvSpPr>
+        <p:spPr>
+          <a:xfrm>
+            <a:off x="685800" y="4343400"/>
+            <a:ext cx="5486400" cy="4114800"/>
+          </a:xfrm>
+          <a:prstGeom prst="rect">
+            <a:avLst/>
+          </a:prstGeom>
+        </p:spPr>
+        <p:txBody>
+          <a:bodyPr spcFirstLastPara="1" wrap="square" lIns="91425" tIns="91425" rIns="91425" bIns="91425" anchor="t" anchorCtr="0">
+            <a:noAutofit/>
+          </a:bodyPr>
+          <a:lstStyle/>
+          <a:p>
+            <a:pPr marL="0" lvl="0" indent="0" algn="l" rtl="0">
+              <a:spcBef>
+                <a:spcPts val="0"/>
+              </a:spcBef>
+              <a:spcAft>
+                <a:spcPts val="0"/>
+              </a:spcAft>
+              <a:buNone/>
+            </a:pPr>
+            <a:endParaRPr dirty="0"/>
+          </a:p>
+        </p:txBody>
+      </p:sp>
+    </p:spTree>
+  </p:cSld>
+  <p:clrMapOvr>
+    <a:masterClrMapping/>
+  </p:clrMapOvr>
+</p:notes>
+</file>
+
 <file path=ppt/notesSlides/notesSlide2.xml><?xml version="1.0" encoding="utf-8"?>
 <p:notes xmlns:a="http://schemas.openxmlformats.org/drawingml/2006/main" xmlns:r="http://schemas.openxmlformats.org/officeDocument/2006/relationships" xmlns:p="http://schemas.openxmlformats.org/presentationml/2006/main" showMasterSp="0" showMasterPhAnim="0">
   <p:cSld>
@@ -922,57 +1308,7 @@
           </a:bodyPr>
           <a:lstStyle/>
           <a:p>
-            <a:r>
-              <a:rPr lang="en-GB" b="1" dirty="0"/>
-              <a:t>Why you chose this project/idea/dataset?</a:t>
-            </a:r>
-          </a:p>
-          <a:p>
-            <a:pPr>
-              <a:buFont typeface="Arial" panose="020B0604020202020204" pitchFamily="34" charset="0"/>
-              <a:buChar char="•"/>
-            </a:pPr>
-            <a:r>
-              <a:rPr lang="en-GB" dirty="0"/>
-              <a:t>This project </a:t>
-            </a:r>
-            <a:r>
-              <a:rPr lang="en-GB" dirty="0" err="1"/>
-              <a:t>analyzes</a:t>
-            </a:r>
-            <a:r>
-              <a:rPr lang="en-GB" dirty="0"/>
-              <a:t> customer attrition in the credit card sector using the “Credit Card User Behaviour Dataset”.</a:t>
-            </a:r>
-            <a:br>
-              <a:rPr lang="en-GB" dirty="0"/>
-            </a:br>
-            <a:r>
-              <a:rPr lang="en-GB" dirty="0"/>
-              <a:t>The main objective is to understand which demographic, </a:t>
-            </a:r>
-            <a:r>
-              <a:rPr lang="en-GB" dirty="0" err="1"/>
-              <a:t>behavioral</a:t>
-            </a:r>
-            <a:r>
-              <a:rPr lang="en-GB" dirty="0"/>
-              <a:t>, and financial factors contribute most strongly to customer churn.</a:t>
-            </a:r>
-            <a:br>
-              <a:rPr lang="en-GB" dirty="0"/>
-            </a:br>
-            <a:r>
-              <a:rPr lang="en-GB" dirty="0"/>
-              <a:t>The dataset contains over 10,000 credit card users with detailed information on their spending patterns and account characteristics.</a:t>
-            </a:r>
-            <a:br>
-              <a:rPr lang="en-GB" dirty="0"/>
-            </a:br>
-            <a:r>
-              <a:rPr lang="en-GB" dirty="0"/>
-              <a:t>By examining these patterns, the project aims to identify high-risk customer groups and provide insights that could help financial institutions improve retention strategies.</a:t>
-            </a:r>
+            <a:endParaRPr lang="en-GB" sz="1600" dirty="0"/>
           </a:p>
         </p:txBody>
       </p:sp>
@@ -1104,70 +1440,7 @@
           </a:bodyPr>
           <a:lstStyle/>
           <a:p>
-            <a:r>
-              <a:rPr lang="en-GB" b="1" dirty="0"/>
-              <a:t>What did you do? What was the process you followed?</a:t>
-            </a:r>
-          </a:p>
-          <a:p>
-            <a:pPr>
-              <a:buFont typeface="Arial" panose="020B0604020202020204" pitchFamily="34" charset="0"/>
-              <a:buChar char="•"/>
-            </a:pPr>
-            <a:r>
-              <a:rPr lang="en-GB" dirty="0"/>
-              <a:t>Cleaned and </a:t>
-            </a:r>
-            <a:r>
-              <a:rPr lang="en-GB" dirty="0" err="1"/>
-              <a:t>preprocessed</a:t>
-            </a:r>
-            <a:r>
-              <a:rPr lang="en-GB" dirty="0"/>
-              <a:t> data: handled missing values, encoded categorical features, checked for outliers.</a:t>
-            </a:r>
-          </a:p>
-          <a:p>
-            <a:pPr>
-              <a:buFont typeface="Arial" panose="020B0604020202020204" pitchFamily="34" charset="0"/>
-              <a:buChar char="•"/>
-            </a:pPr>
-            <a:r>
-              <a:rPr lang="en-GB" dirty="0"/>
-              <a:t>Performed EDA: descriptive statistics, visualizations (age distribution, transaction </a:t>
-            </a:r>
-            <a:r>
-              <a:rPr lang="en-GB" dirty="0" err="1"/>
-              <a:t>behavior</a:t>
-            </a:r>
-            <a:r>
-              <a:rPr lang="en-GB" dirty="0"/>
-              <a:t>, utilization, correlations).</a:t>
-            </a:r>
-          </a:p>
-          <a:p>
-            <a:pPr>
-              <a:buFont typeface="Arial" panose="020B0604020202020204" pitchFamily="34" charset="0"/>
-              <a:buChar char="•"/>
-            </a:pPr>
-            <a:r>
-              <a:rPr lang="en-GB" dirty="0" err="1"/>
-              <a:t>Analyzed</a:t>
-            </a:r>
-            <a:r>
-              <a:rPr lang="en-GB" dirty="0"/>
-              <a:t> patterns influencing churn and identified key predictors.</a:t>
-            </a:r>
-          </a:p>
-          <a:p>
-            <a:pPr>
-              <a:buFont typeface="Arial" panose="020B0604020202020204" pitchFamily="34" charset="0"/>
-              <a:buChar char="•"/>
-            </a:pPr>
-            <a:r>
-              <a:rPr lang="en-GB" dirty="0"/>
-              <a:t>Considered ethical implications and dataset limitations throughout the process.</a:t>
-            </a:r>
+            <a:endParaRPr lang="en-GB" dirty="0"/>
           </a:p>
         </p:txBody>
       </p:sp>
@@ -1185,6 +1458,746 @@
 </file>
 
 <file path=ppt/notesSlides/notesSlide4.xml><?xml version="1.0" encoding="utf-8"?>
+<p:notes xmlns:a="http://schemas.openxmlformats.org/drawingml/2006/main" xmlns:r="http://schemas.openxmlformats.org/officeDocument/2006/relationships" xmlns:p="http://schemas.openxmlformats.org/presentationml/2006/main" showMasterSp="0" showMasterPhAnim="0">
+  <p:cSld>
+    <p:spTree>
+      <p:nvGrpSpPr>
+        <p:cNvPr id="1" name="Shape 139">
+          <a:extLst>
+            <a:ext uri="{FF2B5EF4-FFF2-40B4-BE49-F238E27FC236}">
+              <a16:creationId xmlns:a16="http://schemas.microsoft.com/office/drawing/2014/main" id="{F6ADCBB7-CEDD-85FD-6D69-D801D3BCF576}"/>
+            </a:ext>
+          </a:extLst>
+        </p:cNvPr>
+        <p:cNvGrpSpPr/>
+        <p:nvPr/>
+      </p:nvGrpSpPr>
+      <p:grpSpPr>
+        <a:xfrm>
+          <a:off x="0" y="0"/>
+          <a:ext cx="0" cy="0"/>
+          <a:chOff x="0" y="0"/>
+          <a:chExt cx="0" cy="0"/>
+        </a:xfrm>
+      </p:grpSpPr>
+      <p:sp>
+        <p:nvSpPr>
+          <p:cNvPr id="140" name="Google Shape;140;p20:notes">
+            <a:extLst>
+              <a:ext uri="{FF2B5EF4-FFF2-40B4-BE49-F238E27FC236}">
+                <a16:creationId xmlns:a16="http://schemas.microsoft.com/office/drawing/2014/main" id="{B5374D3E-5896-187D-3C4F-52DCD6E19318}"/>
+              </a:ext>
+            </a:extLst>
+          </p:cNvPr>
+          <p:cNvSpPr>
+            <a:spLocks noGrp="1" noRot="1" noChangeAspect="1"/>
+          </p:cNvSpPr>
+          <p:nvPr>
+            <p:ph type="sldImg" idx="2"/>
+          </p:nvPr>
+        </p:nvSpPr>
+        <p:spPr>
+          <a:xfrm>
+            <a:off x="381000" y="685800"/>
+            <a:ext cx="6096000" cy="3429000"/>
+          </a:xfrm>
+          <a:custGeom>
+            <a:avLst/>
+            <a:gdLst/>
+            <a:ahLst/>
+            <a:cxnLst/>
+            <a:rect l="l" t="t" r="r" b="b"/>
+            <a:pathLst>
+              <a:path w="120000" h="120000" extrusionOk="0">
+                <a:moveTo>
+                  <a:pt x="0" y="0"/>
+                </a:moveTo>
+                <a:lnTo>
+                  <a:pt x="120000" y="0"/>
+                </a:lnTo>
+                <a:lnTo>
+                  <a:pt x="120000" y="120000"/>
+                </a:lnTo>
+                <a:lnTo>
+                  <a:pt x="0" y="120000"/>
+                </a:lnTo>
+                <a:close/>
+              </a:path>
+            </a:pathLst>
+          </a:custGeom>
+          <a:noFill/>
+          <a:ln w="9525" cap="flat" cmpd="sng">
+            <a:solidFill>
+              <a:srgbClr val="000000"/>
+            </a:solidFill>
+            <a:prstDash val="solid"/>
+            <a:round/>
+            <a:headEnd type="none" w="sm" len="sm"/>
+            <a:tailEnd type="none" w="sm" len="sm"/>
+          </a:ln>
+        </p:spPr>
+      </p:sp>
+      <p:sp>
+        <p:nvSpPr>
+          <p:cNvPr id="141" name="Google Shape;141;p20:notes">
+            <a:extLst>
+              <a:ext uri="{FF2B5EF4-FFF2-40B4-BE49-F238E27FC236}">
+                <a16:creationId xmlns:a16="http://schemas.microsoft.com/office/drawing/2014/main" id="{0466A4C7-9EC8-7DEA-7DB7-BA4F9E30B609}"/>
+              </a:ext>
+            </a:extLst>
+          </p:cNvPr>
+          <p:cNvSpPr txBox="1">
+            <a:spLocks noGrp="1"/>
+          </p:cNvSpPr>
+          <p:nvPr>
+            <p:ph type="body" idx="1"/>
+          </p:nvPr>
+        </p:nvSpPr>
+        <p:spPr>
+          <a:xfrm>
+            <a:off x="685800" y="4343400"/>
+            <a:ext cx="5486400" cy="4114800"/>
+          </a:xfrm>
+          <a:prstGeom prst="rect">
+            <a:avLst/>
+          </a:prstGeom>
+          <a:noFill/>
+          <a:ln>
+            <a:noFill/>
+          </a:ln>
+        </p:spPr>
+        <p:txBody>
+          <a:bodyPr spcFirstLastPara="1" wrap="square" lIns="91425" tIns="91425" rIns="91425" bIns="91425" anchor="t" anchorCtr="0">
+            <a:noAutofit/>
+          </a:bodyPr>
+          <a:lstStyle/>
+          <a:p>
+            <a:pPr>
+              <a:lnSpc>
+                <a:spcPts val="1350"/>
+              </a:lnSpc>
+            </a:pPr>
+            <a:endParaRPr lang="en-GB" dirty="0"/>
+          </a:p>
+        </p:txBody>
+      </p:sp>
+    </p:spTree>
+    <p:extLst>
+      <p:ext uri="{BB962C8B-B14F-4D97-AF65-F5344CB8AC3E}">
+        <p14:creationId xmlns:p14="http://schemas.microsoft.com/office/powerpoint/2010/main" val="2947682073"/>
+      </p:ext>
+    </p:extLst>
+  </p:cSld>
+  <p:clrMapOvr>
+    <a:masterClrMapping/>
+  </p:clrMapOvr>
+</p:notes>
+</file>
+
+<file path=ppt/notesSlides/notesSlide5.xml><?xml version="1.0" encoding="utf-8"?>
+<p:notes xmlns:a="http://schemas.openxmlformats.org/drawingml/2006/main" xmlns:r="http://schemas.openxmlformats.org/officeDocument/2006/relationships" xmlns:p="http://schemas.openxmlformats.org/presentationml/2006/main" showMasterSp="0" showMasterPhAnim="0">
+  <p:cSld>
+    <p:spTree>
+      <p:nvGrpSpPr>
+        <p:cNvPr id="1" name="Shape 139">
+          <a:extLst>
+            <a:ext uri="{FF2B5EF4-FFF2-40B4-BE49-F238E27FC236}">
+              <a16:creationId xmlns:a16="http://schemas.microsoft.com/office/drawing/2014/main" id="{9DE05764-B93A-BCD4-FFC0-88AB0D31B4FB}"/>
+            </a:ext>
+          </a:extLst>
+        </p:cNvPr>
+        <p:cNvGrpSpPr/>
+        <p:nvPr/>
+      </p:nvGrpSpPr>
+      <p:grpSpPr>
+        <a:xfrm>
+          <a:off x="0" y="0"/>
+          <a:ext cx="0" cy="0"/>
+          <a:chOff x="0" y="0"/>
+          <a:chExt cx="0" cy="0"/>
+        </a:xfrm>
+      </p:grpSpPr>
+      <p:sp>
+        <p:nvSpPr>
+          <p:cNvPr id="140" name="Google Shape;140;p20:notes">
+            <a:extLst>
+              <a:ext uri="{FF2B5EF4-FFF2-40B4-BE49-F238E27FC236}">
+                <a16:creationId xmlns:a16="http://schemas.microsoft.com/office/drawing/2014/main" id="{95D9A121-25AE-70C4-4C0E-4ED79477529A}"/>
+              </a:ext>
+            </a:extLst>
+          </p:cNvPr>
+          <p:cNvSpPr>
+            <a:spLocks noGrp="1" noRot="1" noChangeAspect="1"/>
+          </p:cNvSpPr>
+          <p:nvPr>
+            <p:ph type="sldImg" idx="2"/>
+          </p:nvPr>
+        </p:nvSpPr>
+        <p:spPr>
+          <a:xfrm>
+            <a:off x="381000" y="685800"/>
+            <a:ext cx="6096000" cy="3429000"/>
+          </a:xfrm>
+          <a:custGeom>
+            <a:avLst/>
+            <a:gdLst/>
+            <a:ahLst/>
+            <a:cxnLst/>
+            <a:rect l="l" t="t" r="r" b="b"/>
+            <a:pathLst>
+              <a:path w="120000" h="120000" extrusionOk="0">
+                <a:moveTo>
+                  <a:pt x="0" y="0"/>
+                </a:moveTo>
+                <a:lnTo>
+                  <a:pt x="120000" y="0"/>
+                </a:lnTo>
+                <a:lnTo>
+                  <a:pt x="120000" y="120000"/>
+                </a:lnTo>
+                <a:lnTo>
+                  <a:pt x="0" y="120000"/>
+                </a:lnTo>
+                <a:close/>
+              </a:path>
+            </a:pathLst>
+          </a:custGeom>
+          <a:noFill/>
+          <a:ln w="9525" cap="flat" cmpd="sng">
+            <a:solidFill>
+              <a:srgbClr val="000000"/>
+            </a:solidFill>
+            <a:prstDash val="solid"/>
+            <a:round/>
+            <a:headEnd type="none" w="sm" len="sm"/>
+            <a:tailEnd type="none" w="sm" len="sm"/>
+          </a:ln>
+        </p:spPr>
+      </p:sp>
+      <p:sp>
+        <p:nvSpPr>
+          <p:cNvPr id="141" name="Google Shape;141;p20:notes">
+            <a:extLst>
+              <a:ext uri="{FF2B5EF4-FFF2-40B4-BE49-F238E27FC236}">
+                <a16:creationId xmlns:a16="http://schemas.microsoft.com/office/drawing/2014/main" id="{F1084EBD-597E-8B06-4B7D-2B70BF0EE8E0}"/>
+              </a:ext>
+            </a:extLst>
+          </p:cNvPr>
+          <p:cNvSpPr txBox="1">
+            <a:spLocks noGrp="1"/>
+          </p:cNvSpPr>
+          <p:nvPr>
+            <p:ph type="body" idx="1"/>
+          </p:nvPr>
+        </p:nvSpPr>
+        <p:spPr>
+          <a:xfrm>
+            <a:off x="685800" y="4343400"/>
+            <a:ext cx="5486400" cy="4114800"/>
+          </a:xfrm>
+          <a:prstGeom prst="rect">
+            <a:avLst/>
+          </a:prstGeom>
+          <a:noFill/>
+          <a:ln>
+            <a:noFill/>
+          </a:ln>
+        </p:spPr>
+        <p:txBody>
+          <a:bodyPr spcFirstLastPara="1" wrap="square" lIns="91425" tIns="91425" rIns="91425" bIns="91425" anchor="t" anchorCtr="0">
+            <a:noAutofit/>
+          </a:bodyPr>
+          <a:lstStyle/>
+          <a:p>
+            <a:pPr>
+              <a:lnSpc>
+                <a:spcPts val="1350"/>
+              </a:lnSpc>
+            </a:pPr>
+            <a:endParaRPr lang="en-GB" dirty="0"/>
+          </a:p>
+        </p:txBody>
+      </p:sp>
+    </p:spTree>
+    <p:extLst>
+      <p:ext uri="{BB962C8B-B14F-4D97-AF65-F5344CB8AC3E}">
+        <p14:creationId xmlns:p14="http://schemas.microsoft.com/office/powerpoint/2010/main" val="186859318"/>
+      </p:ext>
+    </p:extLst>
+  </p:cSld>
+  <p:clrMapOvr>
+    <a:masterClrMapping/>
+  </p:clrMapOvr>
+</p:notes>
+</file>
+
+<file path=ppt/notesSlides/notesSlide6.xml><?xml version="1.0" encoding="utf-8"?>
+<p:notes xmlns:a="http://schemas.openxmlformats.org/drawingml/2006/main" xmlns:r="http://schemas.openxmlformats.org/officeDocument/2006/relationships" xmlns:p="http://schemas.openxmlformats.org/presentationml/2006/main" showMasterSp="0" showMasterPhAnim="0">
+  <p:cSld>
+    <p:spTree>
+      <p:nvGrpSpPr>
+        <p:cNvPr id="1" name="Shape 139">
+          <a:extLst>
+            <a:ext uri="{FF2B5EF4-FFF2-40B4-BE49-F238E27FC236}">
+              <a16:creationId xmlns:a16="http://schemas.microsoft.com/office/drawing/2014/main" id="{8D301F02-00AD-FCD3-D0F1-7FD0C649174B}"/>
+            </a:ext>
+          </a:extLst>
+        </p:cNvPr>
+        <p:cNvGrpSpPr/>
+        <p:nvPr/>
+      </p:nvGrpSpPr>
+      <p:grpSpPr>
+        <a:xfrm>
+          <a:off x="0" y="0"/>
+          <a:ext cx="0" cy="0"/>
+          <a:chOff x="0" y="0"/>
+          <a:chExt cx="0" cy="0"/>
+        </a:xfrm>
+      </p:grpSpPr>
+      <p:sp>
+        <p:nvSpPr>
+          <p:cNvPr id="140" name="Google Shape;140;p20:notes">
+            <a:extLst>
+              <a:ext uri="{FF2B5EF4-FFF2-40B4-BE49-F238E27FC236}">
+                <a16:creationId xmlns:a16="http://schemas.microsoft.com/office/drawing/2014/main" id="{A4C3EE6E-E037-CBA4-A75B-5F508952B47C}"/>
+              </a:ext>
+            </a:extLst>
+          </p:cNvPr>
+          <p:cNvSpPr>
+            <a:spLocks noGrp="1" noRot="1" noChangeAspect="1"/>
+          </p:cNvSpPr>
+          <p:nvPr>
+            <p:ph type="sldImg" idx="2"/>
+          </p:nvPr>
+        </p:nvSpPr>
+        <p:spPr>
+          <a:xfrm>
+            <a:off x="381000" y="685800"/>
+            <a:ext cx="6096000" cy="3429000"/>
+          </a:xfrm>
+          <a:custGeom>
+            <a:avLst/>
+            <a:gdLst/>
+            <a:ahLst/>
+            <a:cxnLst/>
+            <a:rect l="l" t="t" r="r" b="b"/>
+            <a:pathLst>
+              <a:path w="120000" h="120000" extrusionOk="0">
+                <a:moveTo>
+                  <a:pt x="0" y="0"/>
+                </a:moveTo>
+                <a:lnTo>
+                  <a:pt x="120000" y="0"/>
+                </a:lnTo>
+                <a:lnTo>
+                  <a:pt x="120000" y="120000"/>
+                </a:lnTo>
+                <a:lnTo>
+                  <a:pt x="0" y="120000"/>
+                </a:lnTo>
+                <a:close/>
+              </a:path>
+            </a:pathLst>
+          </a:custGeom>
+          <a:noFill/>
+          <a:ln w="9525" cap="flat" cmpd="sng">
+            <a:solidFill>
+              <a:srgbClr val="000000"/>
+            </a:solidFill>
+            <a:prstDash val="solid"/>
+            <a:round/>
+            <a:headEnd type="none" w="sm" len="sm"/>
+            <a:tailEnd type="none" w="sm" len="sm"/>
+          </a:ln>
+        </p:spPr>
+      </p:sp>
+      <p:sp>
+        <p:nvSpPr>
+          <p:cNvPr id="141" name="Google Shape;141;p20:notes">
+            <a:extLst>
+              <a:ext uri="{FF2B5EF4-FFF2-40B4-BE49-F238E27FC236}">
+                <a16:creationId xmlns:a16="http://schemas.microsoft.com/office/drawing/2014/main" id="{7CCEE95E-3B6B-C08D-5435-E575B2FA809B}"/>
+              </a:ext>
+            </a:extLst>
+          </p:cNvPr>
+          <p:cNvSpPr txBox="1">
+            <a:spLocks noGrp="1"/>
+          </p:cNvSpPr>
+          <p:nvPr>
+            <p:ph type="body" idx="1"/>
+          </p:nvPr>
+        </p:nvSpPr>
+        <p:spPr>
+          <a:xfrm>
+            <a:off x="685800" y="4343400"/>
+            <a:ext cx="5486400" cy="4114800"/>
+          </a:xfrm>
+          <a:prstGeom prst="rect">
+            <a:avLst/>
+          </a:prstGeom>
+          <a:noFill/>
+          <a:ln>
+            <a:noFill/>
+          </a:ln>
+        </p:spPr>
+        <p:txBody>
+          <a:bodyPr spcFirstLastPara="1" wrap="square" lIns="91425" tIns="91425" rIns="91425" bIns="91425" anchor="t" anchorCtr="0">
+            <a:noAutofit/>
+          </a:bodyPr>
+          <a:lstStyle/>
+          <a:p>
+            <a:pPr>
+              <a:buFont typeface="Arial" panose="020B0604020202020204" pitchFamily="34" charset="0"/>
+              <a:buChar char="•"/>
+            </a:pPr>
+            <a:r>
+              <a:rPr lang="en-GB" dirty="0"/>
+              <a:t>In Pearson correlation is no correlation between </a:t>
+            </a:r>
+            <a:r>
+              <a:rPr lang="en-GB" dirty="0" err="1"/>
+              <a:t>Attrition_Flag</a:t>
+            </a:r>
+            <a:r>
+              <a:rPr lang="en-GB" dirty="0"/>
+              <a:t> </a:t>
+            </a:r>
+            <a:r>
+              <a:rPr lang="en-US" dirty="0"/>
+              <a:t>and metrics </a:t>
+            </a:r>
+            <a:r>
+              <a:rPr lang="en-GB" dirty="0" err="1"/>
+              <a:t>Total_Trans_Ct</a:t>
+            </a:r>
+            <a:r>
+              <a:rPr lang="en-GB" dirty="0"/>
+              <a:t> </a:t>
+            </a:r>
+            <a:r>
+              <a:rPr lang="en-US" dirty="0"/>
+              <a:t>&amp;</a:t>
+            </a:r>
+            <a:r>
+              <a:rPr lang="ru-RU" dirty="0"/>
+              <a:t> </a:t>
+            </a:r>
+            <a:r>
+              <a:rPr lang="en-GB" dirty="0" err="1"/>
+              <a:t>Avg_Utilization_Ratio</a:t>
+            </a:r>
+            <a:r>
+              <a:rPr lang="en-GB" dirty="0"/>
+              <a:t> because of  non lineal values in </a:t>
+            </a:r>
+            <a:r>
+              <a:rPr lang="en-GB" dirty="0" err="1"/>
+              <a:t>Attrition_Flag</a:t>
+            </a:r>
+            <a:r>
+              <a:rPr lang="en-GB" dirty="0"/>
+              <a:t>. </a:t>
+            </a:r>
+            <a:r>
+              <a:rPr lang="en-US" dirty="0"/>
+              <a:t>That’s why I use </a:t>
+            </a:r>
+            <a:r>
+              <a:rPr lang="en-GB" dirty="0"/>
+              <a:t>Box &amp; Violin plot next.</a:t>
+            </a:r>
+          </a:p>
+        </p:txBody>
+      </p:sp>
+    </p:spTree>
+    <p:extLst>
+      <p:ext uri="{BB962C8B-B14F-4D97-AF65-F5344CB8AC3E}">
+        <p14:creationId xmlns:p14="http://schemas.microsoft.com/office/powerpoint/2010/main" val="834927949"/>
+      </p:ext>
+    </p:extLst>
+  </p:cSld>
+  <p:clrMapOvr>
+    <a:masterClrMapping/>
+  </p:clrMapOvr>
+</p:notes>
+</file>
+
+<file path=ppt/notesSlides/notesSlide7.xml><?xml version="1.0" encoding="utf-8"?>
+<p:notes xmlns:a="http://schemas.openxmlformats.org/drawingml/2006/main" xmlns:r="http://schemas.openxmlformats.org/officeDocument/2006/relationships" xmlns:p="http://schemas.openxmlformats.org/presentationml/2006/main" showMasterSp="0" showMasterPhAnim="0">
+  <p:cSld>
+    <p:spTree>
+      <p:nvGrpSpPr>
+        <p:cNvPr id="1" name="Shape 139">
+          <a:extLst>
+            <a:ext uri="{FF2B5EF4-FFF2-40B4-BE49-F238E27FC236}">
+              <a16:creationId xmlns:a16="http://schemas.microsoft.com/office/drawing/2014/main" id="{B4441D6D-3F85-14FA-4D15-FD63A78CDE39}"/>
+            </a:ext>
+          </a:extLst>
+        </p:cNvPr>
+        <p:cNvGrpSpPr/>
+        <p:nvPr/>
+      </p:nvGrpSpPr>
+      <p:grpSpPr>
+        <a:xfrm>
+          <a:off x="0" y="0"/>
+          <a:ext cx="0" cy="0"/>
+          <a:chOff x="0" y="0"/>
+          <a:chExt cx="0" cy="0"/>
+        </a:xfrm>
+      </p:grpSpPr>
+      <p:sp>
+        <p:nvSpPr>
+          <p:cNvPr id="140" name="Google Shape;140;p20:notes">
+            <a:extLst>
+              <a:ext uri="{FF2B5EF4-FFF2-40B4-BE49-F238E27FC236}">
+                <a16:creationId xmlns:a16="http://schemas.microsoft.com/office/drawing/2014/main" id="{EFD7A526-0610-3122-F6F3-F6EA7360E5D6}"/>
+              </a:ext>
+            </a:extLst>
+          </p:cNvPr>
+          <p:cNvSpPr>
+            <a:spLocks noGrp="1" noRot="1" noChangeAspect="1"/>
+          </p:cNvSpPr>
+          <p:nvPr>
+            <p:ph type="sldImg" idx="2"/>
+          </p:nvPr>
+        </p:nvSpPr>
+        <p:spPr>
+          <a:xfrm>
+            <a:off x="381000" y="685800"/>
+            <a:ext cx="6096000" cy="3429000"/>
+          </a:xfrm>
+          <a:custGeom>
+            <a:avLst/>
+            <a:gdLst/>
+            <a:ahLst/>
+            <a:cxnLst/>
+            <a:rect l="l" t="t" r="r" b="b"/>
+            <a:pathLst>
+              <a:path w="120000" h="120000" extrusionOk="0">
+                <a:moveTo>
+                  <a:pt x="0" y="0"/>
+                </a:moveTo>
+                <a:lnTo>
+                  <a:pt x="120000" y="0"/>
+                </a:lnTo>
+                <a:lnTo>
+                  <a:pt x="120000" y="120000"/>
+                </a:lnTo>
+                <a:lnTo>
+                  <a:pt x="0" y="120000"/>
+                </a:lnTo>
+                <a:close/>
+              </a:path>
+            </a:pathLst>
+          </a:custGeom>
+          <a:noFill/>
+          <a:ln w="9525" cap="flat" cmpd="sng">
+            <a:solidFill>
+              <a:srgbClr val="000000"/>
+            </a:solidFill>
+            <a:prstDash val="solid"/>
+            <a:round/>
+            <a:headEnd type="none" w="sm" len="sm"/>
+            <a:tailEnd type="none" w="sm" len="sm"/>
+          </a:ln>
+        </p:spPr>
+      </p:sp>
+      <p:sp>
+        <p:nvSpPr>
+          <p:cNvPr id="141" name="Google Shape;141;p20:notes">
+            <a:extLst>
+              <a:ext uri="{FF2B5EF4-FFF2-40B4-BE49-F238E27FC236}">
+                <a16:creationId xmlns:a16="http://schemas.microsoft.com/office/drawing/2014/main" id="{D0493A69-3DED-FE8E-C65D-56EFEFD3A9E7}"/>
+              </a:ext>
+            </a:extLst>
+          </p:cNvPr>
+          <p:cNvSpPr txBox="1">
+            <a:spLocks noGrp="1"/>
+          </p:cNvSpPr>
+          <p:nvPr>
+            <p:ph type="body" idx="1"/>
+          </p:nvPr>
+        </p:nvSpPr>
+        <p:spPr>
+          <a:xfrm>
+            <a:off x="685800" y="4343400"/>
+            <a:ext cx="5486400" cy="4114800"/>
+          </a:xfrm>
+          <a:prstGeom prst="rect">
+            <a:avLst/>
+          </a:prstGeom>
+          <a:noFill/>
+          <a:ln>
+            <a:noFill/>
+          </a:ln>
+        </p:spPr>
+        <p:txBody>
+          <a:bodyPr spcFirstLastPara="1" wrap="square" lIns="91425" tIns="91425" rIns="91425" bIns="91425" anchor="t" anchorCtr="0">
+            <a:noAutofit/>
+          </a:bodyPr>
+          <a:lstStyle/>
+          <a:p>
+            <a:endParaRPr lang="en-GB" dirty="0"/>
+          </a:p>
+        </p:txBody>
+      </p:sp>
+    </p:spTree>
+    <p:extLst>
+      <p:ext uri="{BB962C8B-B14F-4D97-AF65-F5344CB8AC3E}">
+        <p14:creationId xmlns:p14="http://schemas.microsoft.com/office/powerpoint/2010/main" val="85117428"/>
+      </p:ext>
+    </p:extLst>
+  </p:cSld>
+  <p:clrMapOvr>
+    <a:masterClrMapping/>
+  </p:clrMapOvr>
+</p:notes>
+</file>
+
+<file path=ppt/notesSlides/notesSlide8.xml><?xml version="1.0" encoding="utf-8"?>
+<p:notes xmlns:a="http://schemas.openxmlformats.org/drawingml/2006/main" xmlns:r="http://schemas.openxmlformats.org/officeDocument/2006/relationships" xmlns:p="http://schemas.openxmlformats.org/presentationml/2006/main" showMasterSp="0" showMasterPhAnim="0">
+  <p:cSld>
+    <p:spTree>
+      <p:nvGrpSpPr>
+        <p:cNvPr id="1" name="Shape 139">
+          <a:extLst>
+            <a:ext uri="{FF2B5EF4-FFF2-40B4-BE49-F238E27FC236}">
+              <a16:creationId xmlns:a16="http://schemas.microsoft.com/office/drawing/2014/main" id="{87BB5302-CD38-6A52-D755-A7699CBAF88E}"/>
+            </a:ext>
+          </a:extLst>
+        </p:cNvPr>
+        <p:cNvGrpSpPr/>
+        <p:nvPr/>
+      </p:nvGrpSpPr>
+      <p:grpSpPr>
+        <a:xfrm>
+          <a:off x="0" y="0"/>
+          <a:ext cx="0" cy="0"/>
+          <a:chOff x="0" y="0"/>
+          <a:chExt cx="0" cy="0"/>
+        </a:xfrm>
+      </p:grpSpPr>
+      <p:sp>
+        <p:nvSpPr>
+          <p:cNvPr id="140" name="Google Shape;140;p20:notes">
+            <a:extLst>
+              <a:ext uri="{FF2B5EF4-FFF2-40B4-BE49-F238E27FC236}">
+                <a16:creationId xmlns:a16="http://schemas.microsoft.com/office/drawing/2014/main" id="{5FE2D91C-F252-B429-C83E-E6511CC69A9A}"/>
+              </a:ext>
+            </a:extLst>
+          </p:cNvPr>
+          <p:cNvSpPr>
+            <a:spLocks noGrp="1" noRot="1" noChangeAspect="1"/>
+          </p:cNvSpPr>
+          <p:nvPr>
+            <p:ph type="sldImg" idx="2"/>
+          </p:nvPr>
+        </p:nvSpPr>
+        <p:spPr>
+          <a:xfrm>
+            <a:off x="381000" y="685800"/>
+            <a:ext cx="6096000" cy="3429000"/>
+          </a:xfrm>
+          <a:custGeom>
+            <a:avLst/>
+            <a:gdLst/>
+            <a:ahLst/>
+            <a:cxnLst/>
+            <a:rect l="l" t="t" r="r" b="b"/>
+            <a:pathLst>
+              <a:path w="120000" h="120000" extrusionOk="0">
+                <a:moveTo>
+                  <a:pt x="0" y="0"/>
+                </a:moveTo>
+                <a:lnTo>
+                  <a:pt x="120000" y="0"/>
+                </a:lnTo>
+                <a:lnTo>
+                  <a:pt x="120000" y="120000"/>
+                </a:lnTo>
+                <a:lnTo>
+                  <a:pt x="0" y="120000"/>
+                </a:lnTo>
+                <a:close/>
+              </a:path>
+            </a:pathLst>
+          </a:custGeom>
+          <a:noFill/>
+          <a:ln w="9525" cap="flat" cmpd="sng">
+            <a:solidFill>
+              <a:srgbClr val="000000"/>
+            </a:solidFill>
+            <a:prstDash val="solid"/>
+            <a:round/>
+            <a:headEnd type="none" w="sm" len="sm"/>
+            <a:tailEnd type="none" w="sm" len="sm"/>
+          </a:ln>
+        </p:spPr>
+      </p:sp>
+      <p:sp>
+        <p:nvSpPr>
+          <p:cNvPr id="141" name="Google Shape;141;p20:notes">
+            <a:extLst>
+              <a:ext uri="{FF2B5EF4-FFF2-40B4-BE49-F238E27FC236}">
+                <a16:creationId xmlns:a16="http://schemas.microsoft.com/office/drawing/2014/main" id="{FB06CE71-34EA-3DEF-9150-92BEB27C36B6}"/>
+              </a:ext>
+            </a:extLst>
+          </p:cNvPr>
+          <p:cNvSpPr txBox="1">
+            <a:spLocks noGrp="1"/>
+          </p:cNvSpPr>
+          <p:nvPr>
+            <p:ph type="body" idx="1"/>
+          </p:nvPr>
+        </p:nvSpPr>
+        <p:spPr>
+          <a:xfrm>
+            <a:off x="685800" y="4343400"/>
+            <a:ext cx="5486400" cy="4114800"/>
+          </a:xfrm>
+          <a:prstGeom prst="rect">
+            <a:avLst/>
+          </a:prstGeom>
+          <a:noFill/>
+          <a:ln>
+            <a:noFill/>
+          </a:ln>
+        </p:spPr>
+        <p:txBody>
+          <a:bodyPr spcFirstLastPara="1" wrap="square" lIns="91425" tIns="91425" rIns="91425" bIns="91425" anchor="t" anchorCtr="0">
+            <a:noAutofit/>
+          </a:bodyPr>
+          <a:lstStyle/>
+          <a:p>
+            <a:pPr>
+              <a:lnSpc>
+                <a:spcPts val="1350"/>
+              </a:lnSpc>
+            </a:pPr>
+            <a:endParaRPr lang="en-GB" b="0" dirty="0">
+              <a:solidFill>
+                <a:srgbClr val="CCCCCC"/>
+              </a:solidFill>
+              <a:effectLst/>
+              <a:latin typeface="Menlo" panose="020B0609030804020204" pitchFamily="49" charset="0"/>
+            </a:endParaRPr>
+          </a:p>
+        </p:txBody>
+      </p:sp>
+    </p:spTree>
+    <p:extLst>
+      <p:ext uri="{BB962C8B-B14F-4D97-AF65-F5344CB8AC3E}">
+        <p14:creationId xmlns:p14="http://schemas.microsoft.com/office/powerpoint/2010/main" val="1156048242"/>
+      </p:ext>
+    </p:extLst>
+  </p:cSld>
+  <p:clrMapOvr>
+    <a:masterClrMapping/>
+  </p:clrMapOvr>
+</p:notes>
+</file>
+
+<file path=ppt/notesSlides/notesSlide9.xml><?xml version="1.0" encoding="utf-8"?>
 <p:notes xmlns:a="http://schemas.openxmlformats.org/drawingml/2006/main" xmlns:r="http://schemas.openxmlformats.org/officeDocument/2006/relationships" xmlns:p="http://schemas.openxmlformats.org/presentationml/2006/main" showMasterSp="0" showMasterPhAnim="0">
   <p:cSld>
     <p:spTree>
@@ -1299,50 +2312,13 @@
           </a:bodyPr>
           <a:lstStyle/>
           <a:p>
-            <a:r>
-              <a:rPr lang="en-GB" b="1" dirty="0"/>
-              <a:t>What is the result of your project? What is the impact? What are the real world implications?</a:t>
-            </a:r>
-          </a:p>
-          <a:p>
-            <a:pPr>
-              <a:buFont typeface="Arial" panose="020B0604020202020204" pitchFamily="34" charset="0"/>
-              <a:buChar char="•"/>
-            </a:pPr>
-            <a:r>
-              <a:rPr lang="en-GB" dirty="0"/>
-              <a:t>Found that churn correlates strongly with transaction activity and utilization ratio.</a:t>
-            </a:r>
-          </a:p>
-          <a:p>
-            <a:pPr>
-              <a:buFont typeface="Arial" panose="020B0604020202020204" pitchFamily="34" charset="0"/>
-              <a:buChar char="•"/>
-            </a:pPr>
-            <a:r>
-              <a:rPr lang="en-GB" dirty="0"/>
-              <a:t>Identified high-risk customers who are less active or underutilizing credit.</a:t>
-            </a:r>
-          </a:p>
-          <a:p>
-            <a:pPr>
-              <a:buFont typeface="Arial" panose="020B0604020202020204" pitchFamily="34" charset="0"/>
-              <a:buChar char="•"/>
-            </a:pPr>
-            <a:r>
-              <a:rPr lang="en-GB" dirty="0"/>
-              <a:t>Provides actionable insights for banks: targeted retention campaigns, personalized engagement.</a:t>
-            </a:r>
-          </a:p>
-          <a:p>
-            <a:pPr>
-              <a:buFont typeface="Arial" panose="020B0604020202020204" pitchFamily="34" charset="0"/>
-              <a:buChar char="•"/>
-            </a:pPr>
-            <a:r>
-              <a:rPr lang="en-GB" dirty="0"/>
-              <a:t>Highlights importance of monitoring low-activity customers to reduce revenue loss.</a:t>
-            </a:r>
+            <a:endParaRPr lang="en-GB" b="0" dirty="0">
+              <a:solidFill>
+                <a:srgbClr val="CCCCCC"/>
+              </a:solidFill>
+              <a:effectLst/>
+              <a:latin typeface="Menlo" panose="020B0609030804020204" pitchFamily="49" charset="0"/>
+            </a:endParaRPr>
           </a:p>
         </p:txBody>
       </p:sp>
@@ -1352,516 +2328,6 @@
         <p14:creationId xmlns:p14="http://schemas.microsoft.com/office/powerpoint/2010/main" val="3611659913"/>
       </p:ext>
     </p:extLst>
-  </p:cSld>
-  <p:clrMapOvr>
-    <a:masterClrMapping/>
-  </p:clrMapOvr>
-</p:notes>
-</file>
-
-<file path=ppt/notesSlides/notesSlide5.xml><?xml version="1.0" encoding="utf-8"?>
-<p:notes xmlns:a="http://schemas.openxmlformats.org/drawingml/2006/main" xmlns:r="http://schemas.openxmlformats.org/officeDocument/2006/relationships" xmlns:p="http://schemas.openxmlformats.org/presentationml/2006/main" showMasterSp="0" showMasterPhAnim="0">
-  <p:cSld>
-    <p:spTree>
-      <p:nvGrpSpPr>
-        <p:cNvPr id="1" name="Shape 139">
-          <a:extLst>
-            <a:ext uri="{FF2B5EF4-FFF2-40B4-BE49-F238E27FC236}">
-              <a16:creationId xmlns:a16="http://schemas.microsoft.com/office/drawing/2014/main" id="{7BE3BC4A-7F14-2645-55D4-3ABD57591EE6}"/>
-            </a:ext>
-          </a:extLst>
-        </p:cNvPr>
-        <p:cNvGrpSpPr/>
-        <p:nvPr/>
-      </p:nvGrpSpPr>
-      <p:grpSpPr>
-        <a:xfrm>
-          <a:off x="0" y="0"/>
-          <a:ext cx="0" cy="0"/>
-          <a:chOff x="0" y="0"/>
-          <a:chExt cx="0" cy="0"/>
-        </a:xfrm>
-      </p:grpSpPr>
-      <p:sp>
-        <p:nvSpPr>
-          <p:cNvPr id="140" name="Google Shape;140;p20:notes">
-            <a:extLst>
-              <a:ext uri="{FF2B5EF4-FFF2-40B4-BE49-F238E27FC236}">
-                <a16:creationId xmlns:a16="http://schemas.microsoft.com/office/drawing/2014/main" id="{5FD55A7A-BEC3-17B3-195F-D9C690E268A7}"/>
-              </a:ext>
-            </a:extLst>
-          </p:cNvPr>
-          <p:cNvSpPr>
-            <a:spLocks noGrp="1" noRot="1" noChangeAspect="1"/>
-          </p:cNvSpPr>
-          <p:nvPr>
-            <p:ph type="sldImg" idx="2"/>
-          </p:nvPr>
-        </p:nvSpPr>
-        <p:spPr>
-          <a:xfrm>
-            <a:off x="381000" y="685800"/>
-            <a:ext cx="6096000" cy="3429000"/>
-          </a:xfrm>
-          <a:custGeom>
-            <a:avLst/>
-            <a:gdLst/>
-            <a:ahLst/>
-            <a:cxnLst/>
-            <a:rect l="l" t="t" r="r" b="b"/>
-            <a:pathLst>
-              <a:path w="120000" h="120000" extrusionOk="0">
-                <a:moveTo>
-                  <a:pt x="0" y="0"/>
-                </a:moveTo>
-                <a:lnTo>
-                  <a:pt x="120000" y="0"/>
-                </a:lnTo>
-                <a:lnTo>
-                  <a:pt x="120000" y="120000"/>
-                </a:lnTo>
-                <a:lnTo>
-                  <a:pt x="0" y="120000"/>
-                </a:lnTo>
-                <a:close/>
-              </a:path>
-            </a:pathLst>
-          </a:custGeom>
-          <a:noFill/>
-          <a:ln w="9525" cap="flat" cmpd="sng">
-            <a:solidFill>
-              <a:srgbClr val="000000"/>
-            </a:solidFill>
-            <a:prstDash val="solid"/>
-            <a:round/>
-            <a:headEnd type="none" w="sm" len="sm"/>
-            <a:tailEnd type="none" w="sm" len="sm"/>
-          </a:ln>
-        </p:spPr>
-      </p:sp>
-      <p:sp>
-        <p:nvSpPr>
-          <p:cNvPr id="141" name="Google Shape;141;p20:notes">
-            <a:extLst>
-              <a:ext uri="{FF2B5EF4-FFF2-40B4-BE49-F238E27FC236}">
-                <a16:creationId xmlns:a16="http://schemas.microsoft.com/office/drawing/2014/main" id="{5AC5B900-DA6F-9A78-F01C-5A65359AC817}"/>
-              </a:ext>
-            </a:extLst>
-          </p:cNvPr>
-          <p:cNvSpPr txBox="1">
-            <a:spLocks noGrp="1"/>
-          </p:cNvSpPr>
-          <p:nvPr>
-            <p:ph type="body" idx="1"/>
-          </p:nvPr>
-        </p:nvSpPr>
-        <p:spPr>
-          <a:xfrm>
-            <a:off x="685800" y="4343400"/>
-            <a:ext cx="5486400" cy="4114800"/>
-          </a:xfrm>
-          <a:prstGeom prst="rect">
-            <a:avLst/>
-          </a:prstGeom>
-          <a:noFill/>
-          <a:ln>
-            <a:noFill/>
-          </a:ln>
-        </p:spPr>
-        <p:txBody>
-          <a:bodyPr spcFirstLastPara="1" wrap="square" lIns="91425" tIns="91425" rIns="91425" bIns="91425" anchor="t" anchorCtr="0">
-            <a:noAutofit/>
-          </a:bodyPr>
-          <a:lstStyle/>
-          <a:p>
-            <a:r>
-              <a:rPr lang="en-GB" b="1" dirty="0"/>
-              <a:t>Did you face any difficulties or roadblock? How did you overcome them?</a:t>
-            </a:r>
-          </a:p>
-          <a:p>
-            <a:pPr>
-              <a:buFont typeface="Arial" panose="020B0604020202020204" pitchFamily="34" charset="0"/>
-              <a:buChar char="•"/>
-            </a:pPr>
-            <a:r>
-              <a:rPr lang="en-GB" dirty="0"/>
-              <a:t>Dataset was mostly clean → needed to justify preprocessing steps carefully.</a:t>
-            </a:r>
-          </a:p>
-          <a:p>
-            <a:pPr>
-              <a:buFont typeface="Arial" panose="020B0604020202020204" pitchFamily="34" charset="0"/>
-              <a:buChar char="•"/>
-            </a:pPr>
-            <a:r>
-              <a:rPr lang="en-GB" dirty="0"/>
-              <a:t>Categorical features had potential order ambiguity → resolved using ordinal encoding for </a:t>
-            </a:r>
-            <a:r>
-              <a:rPr lang="en-GB" dirty="0" err="1"/>
-              <a:t>Education_Level</a:t>
-            </a:r>
-            <a:r>
-              <a:rPr lang="en-GB" dirty="0"/>
-              <a:t> and </a:t>
-            </a:r>
-            <a:r>
-              <a:rPr lang="en-GB" dirty="0" err="1"/>
-              <a:t>Income_Category</a:t>
-            </a:r>
-            <a:r>
-              <a:rPr lang="en-GB" dirty="0"/>
-              <a:t>.</a:t>
-            </a:r>
-          </a:p>
-          <a:p>
-            <a:pPr>
-              <a:buFont typeface="Arial" panose="020B0604020202020204" pitchFamily="34" charset="0"/>
-              <a:buChar char="•"/>
-            </a:pPr>
-            <a:r>
-              <a:rPr lang="en-GB" dirty="0"/>
-              <a:t>Class imbalance (~16% churn) → noted in limitations, suggested stratified sampling and evaluation metrics like ROC-AUC.</a:t>
-            </a:r>
-          </a:p>
-          <a:p>
-            <a:pPr>
-              <a:buFont typeface="Arial" panose="020B0604020202020204" pitchFamily="34" charset="0"/>
-              <a:buChar char="•"/>
-            </a:pPr>
-            <a:r>
-              <a:rPr lang="en-GB" dirty="0"/>
-              <a:t>Addressed each challenge with methodical, well-documented steps.</a:t>
-            </a:r>
-          </a:p>
-          <a:p>
-            <a:pPr marL="0" lvl="0" indent="0" algn="l" rtl="0">
-              <a:lnSpc>
-                <a:spcPct val="100000"/>
-              </a:lnSpc>
-              <a:spcBef>
-                <a:spcPts val="0"/>
-              </a:spcBef>
-              <a:spcAft>
-                <a:spcPts val="0"/>
-              </a:spcAft>
-              <a:buSzPts val="1100"/>
-              <a:buNone/>
-            </a:pPr>
-            <a:endParaRPr dirty="0"/>
-          </a:p>
-        </p:txBody>
-      </p:sp>
-    </p:spTree>
-    <p:extLst>
-      <p:ext uri="{BB962C8B-B14F-4D97-AF65-F5344CB8AC3E}">
-        <p14:creationId xmlns:p14="http://schemas.microsoft.com/office/powerpoint/2010/main" val="429745012"/>
-      </p:ext>
-    </p:extLst>
-  </p:cSld>
-  <p:clrMapOvr>
-    <a:masterClrMapping/>
-  </p:clrMapOvr>
-</p:notes>
-</file>
-
-<file path=ppt/notesSlides/notesSlide6.xml><?xml version="1.0" encoding="utf-8"?>
-<p:notes xmlns:a="http://schemas.openxmlformats.org/drawingml/2006/main" xmlns:r="http://schemas.openxmlformats.org/officeDocument/2006/relationships" xmlns:p="http://schemas.openxmlformats.org/presentationml/2006/main" showMasterSp="0" showMasterPhAnim="0">
-  <p:cSld>
-    <p:spTree>
-      <p:nvGrpSpPr>
-        <p:cNvPr id="1" name="Shape 139">
-          <a:extLst>
-            <a:ext uri="{FF2B5EF4-FFF2-40B4-BE49-F238E27FC236}">
-              <a16:creationId xmlns:a16="http://schemas.microsoft.com/office/drawing/2014/main" id="{0B20A677-F0D1-A9DD-DC56-C62D3717686F}"/>
-            </a:ext>
-          </a:extLst>
-        </p:cNvPr>
-        <p:cNvGrpSpPr/>
-        <p:nvPr/>
-      </p:nvGrpSpPr>
-      <p:grpSpPr>
-        <a:xfrm>
-          <a:off x="0" y="0"/>
-          <a:ext cx="0" cy="0"/>
-          <a:chOff x="0" y="0"/>
-          <a:chExt cx="0" cy="0"/>
-        </a:xfrm>
-      </p:grpSpPr>
-      <p:sp>
-        <p:nvSpPr>
-          <p:cNvPr id="140" name="Google Shape;140;p20:notes">
-            <a:extLst>
-              <a:ext uri="{FF2B5EF4-FFF2-40B4-BE49-F238E27FC236}">
-                <a16:creationId xmlns:a16="http://schemas.microsoft.com/office/drawing/2014/main" id="{09E304E5-F5D2-CDE7-1009-33E6C568AACA}"/>
-              </a:ext>
-            </a:extLst>
-          </p:cNvPr>
-          <p:cNvSpPr>
-            <a:spLocks noGrp="1" noRot="1" noChangeAspect="1"/>
-          </p:cNvSpPr>
-          <p:nvPr>
-            <p:ph type="sldImg" idx="2"/>
-          </p:nvPr>
-        </p:nvSpPr>
-        <p:spPr>
-          <a:xfrm>
-            <a:off x="381000" y="685800"/>
-            <a:ext cx="6096000" cy="3429000"/>
-          </a:xfrm>
-          <a:custGeom>
-            <a:avLst/>
-            <a:gdLst/>
-            <a:ahLst/>
-            <a:cxnLst/>
-            <a:rect l="l" t="t" r="r" b="b"/>
-            <a:pathLst>
-              <a:path w="120000" h="120000" extrusionOk="0">
-                <a:moveTo>
-                  <a:pt x="0" y="0"/>
-                </a:moveTo>
-                <a:lnTo>
-                  <a:pt x="120000" y="0"/>
-                </a:lnTo>
-                <a:lnTo>
-                  <a:pt x="120000" y="120000"/>
-                </a:lnTo>
-                <a:lnTo>
-                  <a:pt x="0" y="120000"/>
-                </a:lnTo>
-                <a:close/>
-              </a:path>
-            </a:pathLst>
-          </a:custGeom>
-          <a:noFill/>
-          <a:ln w="9525" cap="flat" cmpd="sng">
-            <a:solidFill>
-              <a:srgbClr val="000000"/>
-            </a:solidFill>
-            <a:prstDash val="solid"/>
-            <a:round/>
-            <a:headEnd type="none" w="sm" len="sm"/>
-            <a:tailEnd type="none" w="sm" len="sm"/>
-          </a:ln>
-        </p:spPr>
-      </p:sp>
-      <p:sp>
-        <p:nvSpPr>
-          <p:cNvPr id="141" name="Google Shape;141;p20:notes">
-            <a:extLst>
-              <a:ext uri="{FF2B5EF4-FFF2-40B4-BE49-F238E27FC236}">
-                <a16:creationId xmlns:a16="http://schemas.microsoft.com/office/drawing/2014/main" id="{4BB35EF6-4234-E2EA-46ED-01C589913FF2}"/>
-              </a:ext>
-            </a:extLst>
-          </p:cNvPr>
-          <p:cNvSpPr txBox="1">
-            <a:spLocks noGrp="1"/>
-          </p:cNvSpPr>
-          <p:nvPr>
-            <p:ph type="body" idx="1"/>
-          </p:nvPr>
-        </p:nvSpPr>
-        <p:spPr>
-          <a:xfrm>
-            <a:off x="685800" y="4343400"/>
-            <a:ext cx="5486400" cy="4114800"/>
-          </a:xfrm>
-          <a:prstGeom prst="rect">
-            <a:avLst/>
-          </a:prstGeom>
-          <a:noFill/>
-          <a:ln>
-            <a:noFill/>
-          </a:ln>
-        </p:spPr>
-        <p:txBody>
-          <a:bodyPr spcFirstLastPara="1" wrap="square" lIns="91425" tIns="91425" rIns="91425" bIns="91425" anchor="t" anchorCtr="0">
-            <a:noAutofit/>
-          </a:bodyPr>
-          <a:lstStyle/>
-          <a:p>
-            <a:r>
-              <a:rPr lang="en-GB" b="1" dirty="0"/>
-              <a:t>Conclusions: What are some future improvements? How could the project be used?</a:t>
-            </a:r>
-          </a:p>
-          <a:p>
-            <a:pPr>
-              <a:buFont typeface="Arial" panose="020B0604020202020204" pitchFamily="34" charset="0"/>
-              <a:buChar char="•"/>
-            </a:pPr>
-            <a:r>
-              <a:rPr lang="en-GB" dirty="0"/>
-              <a:t>Include additional features: transaction trends over time, external </a:t>
-            </a:r>
-            <a:r>
-              <a:rPr lang="en-GB" dirty="0" err="1"/>
-              <a:t>behavioral</a:t>
-            </a:r>
-            <a:r>
-              <a:rPr lang="en-GB" dirty="0"/>
-              <a:t> data, communication history.</a:t>
-            </a:r>
-          </a:p>
-          <a:p>
-            <a:pPr>
-              <a:buFont typeface="Arial" panose="020B0604020202020204" pitchFamily="34" charset="0"/>
-              <a:buChar char="•"/>
-            </a:pPr>
-            <a:r>
-              <a:rPr lang="en-GB" dirty="0"/>
-              <a:t>Experiment with advanced predictive models (</a:t>
-            </a:r>
-            <a:r>
-              <a:rPr lang="en-GB" dirty="0" err="1"/>
-              <a:t>RandomForest</a:t>
-            </a:r>
-            <a:r>
-              <a:rPr lang="en-GB" dirty="0"/>
-              <a:t>, </a:t>
-            </a:r>
-            <a:r>
-              <a:rPr lang="en-GB" dirty="0" err="1"/>
-              <a:t>XGBoost</a:t>
-            </a:r>
-            <a:r>
-              <a:rPr lang="en-GB" dirty="0"/>
-              <a:t>) and handle class imbalance.</a:t>
-            </a:r>
-          </a:p>
-          <a:p>
-            <a:pPr>
-              <a:buFont typeface="Arial" panose="020B0604020202020204" pitchFamily="34" charset="0"/>
-              <a:buChar char="•"/>
-            </a:pPr>
-            <a:r>
-              <a:rPr lang="en-GB" dirty="0"/>
-              <a:t>Integrate model in banking dashboards for real-time churn risk monitoring.</a:t>
-            </a:r>
-          </a:p>
-          <a:p>
-            <a:pPr>
-              <a:buFont typeface="Arial" panose="020B0604020202020204" pitchFamily="34" charset="0"/>
-              <a:buChar char="•"/>
-            </a:pPr>
-            <a:r>
-              <a:rPr lang="en-GB" dirty="0"/>
-              <a:t>Apply fairness and privacy-aware techniques for ethical, responsible deployment.</a:t>
-            </a:r>
-          </a:p>
-        </p:txBody>
-      </p:sp>
-    </p:spTree>
-    <p:extLst>
-      <p:ext uri="{BB962C8B-B14F-4D97-AF65-F5344CB8AC3E}">
-        <p14:creationId xmlns:p14="http://schemas.microsoft.com/office/powerpoint/2010/main" val="1391970890"/>
-      </p:ext>
-    </p:extLst>
-  </p:cSld>
-  <p:clrMapOvr>
-    <a:masterClrMapping/>
-  </p:clrMapOvr>
-</p:notes>
-</file>
-
-<file path=ppt/notesSlides/notesSlide7.xml><?xml version="1.0" encoding="utf-8"?>
-<p:notes xmlns:a="http://schemas.openxmlformats.org/drawingml/2006/main" xmlns:r="http://schemas.openxmlformats.org/officeDocument/2006/relationships" xmlns:p="http://schemas.openxmlformats.org/presentationml/2006/main" showMasterSp="0" showMasterPhAnim="0">
-  <p:cSld>
-    <p:spTree>
-      <p:nvGrpSpPr>
-        <p:cNvPr id="1" name="Shape 655"/>
-        <p:cNvGrpSpPr/>
-        <p:nvPr/>
-      </p:nvGrpSpPr>
-      <p:grpSpPr>
-        <a:xfrm>
-          <a:off x="0" y="0"/>
-          <a:ext cx="0" cy="0"/>
-          <a:chOff x="0" y="0"/>
-          <a:chExt cx="0" cy="0"/>
-        </a:xfrm>
-      </p:grpSpPr>
-      <p:sp>
-        <p:nvSpPr>
-          <p:cNvPr id="656" name="Google Shape;656;gb647448be2_1_484:notes"/>
-          <p:cNvSpPr>
-            <a:spLocks noGrp="1" noRot="1" noChangeAspect="1"/>
-          </p:cNvSpPr>
-          <p:nvPr>
-            <p:ph type="sldImg" idx="2"/>
-          </p:nvPr>
-        </p:nvSpPr>
-        <p:spPr>
-          <a:xfrm>
-            <a:off x="381000" y="685800"/>
-            <a:ext cx="6096000" cy="3429000"/>
-          </a:xfrm>
-          <a:custGeom>
-            <a:avLst/>
-            <a:gdLst/>
-            <a:ahLst/>
-            <a:cxnLst/>
-            <a:rect l="l" t="t" r="r" b="b"/>
-            <a:pathLst>
-              <a:path w="120000" h="120000" extrusionOk="0">
-                <a:moveTo>
-                  <a:pt x="0" y="0"/>
-                </a:moveTo>
-                <a:lnTo>
-                  <a:pt x="120000" y="0"/>
-                </a:lnTo>
-                <a:lnTo>
-                  <a:pt x="120000" y="120000"/>
-                </a:lnTo>
-                <a:lnTo>
-                  <a:pt x="0" y="120000"/>
-                </a:lnTo>
-                <a:close/>
-              </a:path>
-            </a:pathLst>
-          </a:custGeom>
-        </p:spPr>
-      </p:sp>
-      <p:sp>
-        <p:nvSpPr>
-          <p:cNvPr id="657" name="Google Shape;657;gb647448be2_1_484:notes"/>
-          <p:cNvSpPr txBox="1">
-            <a:spLocks noGrp="1"/>
-          </p:cNvSpPr>
-          <p:nvPr>
-            <p:ph type="body" idx="1"/>
-          </p:nvPr>
-        </p:nvSpPr>
-        <p:spPr>
-          <a:xfrm>
-            <a:off x="685800" y="4343400"/>
-            <a:ext cx="5486400" cy="4114800"/>
-          </a:xfrm>
-          <a:prstGeom prst="rect">
-            <a:avLst/>
-          </a:prstGeom>
-        </p:spPr>
-        <p:txBody>
-          <a:bodyPr spcFirstLastPara="1" wrap="square" lIns="91425" tIns="91425" rIns="91425" bIns="91425" anchor="t" anchorCtr="0">
-            <a:noAutofit/>
-          </a:bodyPr>
-          <a:lstStyle/>
-          <a:p>
-            <a:pPr marL="0" lvl="0" indent="0" algn="l" rtl="0">
-              <a:spcBef>
-                <a:spcPts val="0"/>
-              </a:spcBef>
-              <a:spcAft>
-                <a:spcPts val="0"/>
-              </a:spcAft>
-              <a:buNone/>
-            </a:pPr>
-            <a:endParaRPr dirty="0"/>
-          </a:p>
-        </p:txBody>
-      </p:sp>
-    </p:spTree>
   </p:cSld>
   <p:clrMapOvr>
     <a:masterClrMapping/>
@@ -5548,6 +6014,1044 @@
 </p:sld>
 </file>
 
+<file path=ppt/slides/slide10.xml><?xml version="1.0" encoding="utf-8"?>
+<p:sld xmlns:a="http://schemas.openxmlformats.org/drawingml/2006/main" xmlns:r="http://schemas.openxmlformats.org/officeDocument/2006/relationships" xmlns:p="http://schemas.openxmlformats.org/presentationml/2006/main">
+  <p:cSld>
+    <p:spTree>
+      <p:nvGrpSpPr>
+        <p:cNvPr id="1" name="Shape 142">
+          <a:extLst>
+            <a:ext uri="{FF2B5EF4-FFF2-40B4-BE49-F238E27FC236}">
+              <a16:creationId xmlns:a16="http://schemas.microsoft.com/office/drawing/2014/main" id="{A6C1ECF0-A37B-5513-EE3F-5213A70E7CCB}"/>
+            </a:ext>
+          </a:extLst>
+        </p:cNvPr>
+        <p:cNvGrpSpPr/>
+        <p:nvPr/>
+      </p:nvGrpSpPr>
+      <p:grpSpPr>
+        <a:xfrm>
+          <a:off x="0" y="0"/>
+          <a:ext cx="0" cy="0"/>
+          <a:chOff x="0" y="0"/>
+          <a:chExt cx="0" cy="0"/>
+        </a:xfrm>
+      </p:grpSpPr>
+      <p:sp>
+        <p:nvSpPr>
+          <p:cNvPr id="144" name="Google Shape;144;p22">
+            <a:extLst>
+              <a:ext uri="{FF2B5EF4-FFF2-40B4-BE49-F238E27FC236}">
+                <a16:creationId xmlns:a16="http://schemas.microsoft.com/office/drawing/2014/main" id="{C6CB3D83-617F-8F69-D801-C1EF96DF61B7}"/>
+              </a:ext>
+            </a:extLst>
+          </p:cNvPr>
+          <p:cNvSpPr txBox="1">
+            <a:spLocks noGrp="1"/>
+          </p:cNvSpPr>
+          <p:nvPr>
+            <p:ph type="sldNum" idx="12"/>
+          </p:nvPr>
+        </p:nvSpPr>
+        <p:spPr>
+          <a:xfrm>
+            <a:off x="8466613" y="4762672"/>
+            <a:ext cx="365700" cy="274200"/>
+          </a:xfrm>
+          <a:prstGeom prst="rect">
+            <a:avLst/>
+          </a:prstGeom>
+          <a:noFill/>
+          <a:ln>
+            <a:noFill/>
+          </a:ln>
+        </p:spPr>
+        <p:txBody>
+          <a:bodyPr spcFirstLastPara="1" wrap="square" lIns="91425" tIns="91425" rIns="91425" bIns="91425" anchor="ctr" anchorCtr="0">
+            <a:normAutofit fontScale="92500" lnSpcReduction="20000"/>
+          </a:bodyPr>
+          <a:lstStyle/>
+          <a:p>
+            <a:pPr marL="0" lvl="0" indent="0" algn="r" rtl="0">
+              <a:lnSpc>
+                <a:spcPct val="100000"/>
+              </a:lnSpc>
+              <a:spcBef>
+                <a:spcPts val="0"/>
+              </a:spcBef>
+              <a:spcAft>
+                <a:spcPts val="0"/>
+              </a:spcAft>
+              <a:buSzPct val="100000"/>
+              <a:buNone/>
+            </a:pPr>
+            <a:fld id="{00000000-1234-1234-1234-123412341234}" type="slidenum">
+              <a:rPr lang="en"/>
+              <a:t>10</a:t>
+            </a:fld>
+            <a:endParaRPr/>
+          </a:p>
+        </p:txBody>
+      </p:sp>
+      <p:sp>
+        <p:nvSpPr>
+          <p:cNvPr id="147" name="Google Shape;147;p22">
+            <a:extLst>
+              <a:ext uri="{FF2B5EF4-FFF2-40B4-BE49-F238E27FC236}">
+                <a16:creationId xmlns:a16="http://schemas.microsoft.com/office/drawing/2014/main" id="{077EBC09-7448-454B-9208-D7761319F832}"/>
+              </a:ext>
+            </a:extLst>
+          </p:cNvPr>
+          <p:cNvSpPr txBox="1"/>
+          <p:nvPr/>
+        </p:nvSpPr>
+        <p:spPr>
+          <a:xfrm>
+            <a:off x="5623175" y="1734175"/>
+            <a:ext cx="3003600" cy="1394700"/>
+          </a:xfrm>
+          <a:prstGeom prst="rect">
+            <a:avLst/>
+          </a:prstGeom>
+          <a:noFill/>
+          <a:ln>
+            <a:noFill/>
+          </a:ln>
+          <a:effectLst>
+            <a:reflection dist="38100" dir="5400000" fadeDir="5400012" sy="-100000" algn="bl" rotWithShape="0"/>
+          </a:effectLst>
+        </p:spPr>
+        <p:txBody>
+          <a:bodyPr spcFirstLastPara="1" wrap="square" lIns="91425" tIns="91425" rIns="91425" bIns="91425" anchor="t" anchorCtr="0">
+            <a:noAutofit/>
+          </a:bodyPr>
+          <a:lstStyle/>
+          <a:p>
+            <a:pPr marL="0" lvl="0" indent="0" algn="l" rtl="0">
+              <a:spcBef>
+                <a:spcPts val="0"/>
+              </a:spcBef>
+              <a:spcAft>
+                <a:spcPts val="0"/>
+              </a:spcAft>
+              <a:buNone/>
+            </a:pPr>
+            <a:endParaRPr sz="1800">
+              <a:solidFill>
+                <a:schemeClr val="dk1"/>
+              </a:solidFill>
+              <a:latin typeface="Assistant"/>
+              <a:ea typeface="Assistant"/>
+              <a:cs typeface="Assistant"/>
+              <a:sym typeface="Assistant"/>
+            </a:endParaRPr>
+          </a:p>
+        </p:txBody>
+      </p:sp>
+      <p:sp>
+        <p:nvSpPr>
+          <p:cNvPr id="148" name="Google Shape;148;p22">
+            <a:extLst>
+              <a:ext uri="{FF2B5EF4-FFF2-40B4-BE49-F238E27FC236}">
+                <a16:creationId xmlns:a16="http://schemas.microsoft.com/office/drawing/2014/main" id="{9E996814-FBD8-32A7-7AB9-E22AC38B7468}"/>
+              </a:ext>
+            </a:extLst>
+          </p:cNvPr>
+          <p:cNvSpPr txBox="1">
+            <a:spLocks noGrp="1"/>
+          </p:cNvSpPr>
+          <p:nvPr>
+            <p:ph type="title"/>
+          </p:nvPr>
+        </p:nvSpPr>
+        <p:spPr>
+          <a:xfrm>
+            <a:off x="2015595" y="552518"/>
+            <a:ext cx="4692259" cy="589200"/>
+          </a:xfrm>
+          <a:prstGeom prst="rect">
+            <a:avLst/>
+          </a:prstGeom>
+          <a:noFill/>
+          <a:ln>
+            <a:noFill/>
+          </a:ln>
+        </p:spPr>
+        <p:txBody>
+          <a:bodyPr spcFirstLastPara="1" wrap="square" lIns="91425" tIns="91425" rIns="91425" bIns="91425" anchor="t" anchorCtr="0">
+            <a:noAutofit/>
+          </a:bodyPr>
+          <a:lstStyle/>
+          <a:p>
+            <a:r>
+              <a:rPr lang="en-GB" sz="1800" b="1" dirty="0">
+                <a:solidFill>
+                  <a:schemeClr val="accent1"/>
+                </a:solidFill>
+                <a:effectLst/>
+                <a:latin typeface="Assistant" pitchFamily="2" charset="-79"/>
+                <a:cs typeface="Assistant" pitchFamily="2" charset="-79"/>
+              </a:rPr>
+              <a:t>Difficulties and roadblocks</a:t>
+            </a:r>
+            <a:endParaRPr lang="en-GB" sz="1800" dirty="0">
+              <a:solidFill>
+                <a:schemeClr val="accent1"/>
+              </a:solidFill>
+            </a:endParaRPr>
+          </a:p>
+          <a:p>
+            <a:pPr marL="0" lvl="0" indent="0" algn="l" rtl="0">
+              <a:spcBef>
+                <a:spcPts val="1200"/>
+              </a:spcBef>
+              <a:spcAft>
+                <a:spcPts val="0"/>
+              </a:spcAft>
+              <a:buSzPts val="990"/>
+              <a:buNone/>
+            </a:pPr>
+            <a:endParaRPr lang="en-GB" sz="2560" dirty="0">
+              <a:latin typeface="Arial"/>
+              <a:ea typeface="Arial"/>
+              <a:cs typeface="Arial"/>
+              <a:sym typeface="Arial"/>
+            </a:endParaRPr>
+          </a:p>
+        </p:txBody>
+      </p:sp>
+      <p:sp>
+        <p:nvSpPr>
+          <p:cNvPr id="149" name="Google Shape;149;p22">
+            <a:extLst>
+              <a:ext uri="{FF2B5EF4-FFF2-40B4-BE49-F238E27FC236}">
+                <a16:creationId xmlns:a16="http://schemas.microsoft.com/office/drawing/2014/main" id="{D00C1BDB-C392-F469-40E5-3C1F94F2772E}"/>
+              </a:ext>
+            </a:extLst>
+          </p:cNvPr>
+          <p:cNvSpPr txBox="1"/>
+          <p:nvPr/>
+        </p:nvSpPr>
+        <p:spPr>
+          <a:xfrm>
+            <a:off x="517372" y="1289635"/>
+            <a:ext cx="7689000" cy="2400627"/>
+          </a:xfrm>
+          <a:prstGeom prst="rect">
+            <a:avLst/>
+          </a:prstGeom>
+          <a:noFill/>
+          <a:ln>
+            <a:noFill/>
+          </a:ln>
+        </p:spPr>
+        <p:txBody>
+          <a:bodyPr spcFirstLastPara="1" wrap="square" lIns="91425" tIns="91425" rIns="91425" bIns="91425" anchor="t" anchorCtr="0">
+            <a:spAutoFit/>
+          </a:bodyPr>
+          <a:lstStyle/>
+          <a:p>
+            <a:pPr marL="285750" lvl="1" indent="-285750">
+              <a:buFont typeface="Arial" panose="020B0604020202020204" pitchFamily="34" charset="0"/>
+              <a:buChar char="•"/>
+            </a:pPr>
+            <a:r>
+              <a:rPr lang="en-GB" sz="1600" dirty="0"/>
+              <a:t>Dataset was mostly clean → needed to justify preprocessing steps carefully.</a:t>
+            </a:r>
+          </a:p>
+          <a:p>
+            <a:pPr marL="285750" lvl="1" indent="-285750">
+              <a:buFont typeface="Arial" panose="020B0604020202020204" pitchFamily="34" charset="0"/>
+              <a:buChar char="•"/>
+            </a:pPr>
+            <a:endParaRPr lang="en-GB" sz="1600" dirty="0"/>
+          </a:p>
+          <a:p>
+            <a:pPr marL="285750" indent="-285750">
+              <a:buFont typeface="Arial" panose="020B0604020202020204" pitchFamily="34" charset="0"/>
+              <a:buChar char="•"/>
+            </a:pPr>
+            <a:r>
+              <a:rPr lang="en-GB" sz="1600" dirty="0"/>
+              <a:t>Categorical features had potential order ambiguity → resolved using ordinal encoding for </a:t>
+            </a:r>
+            <a:r>
+              <a:rPr lang="en-GB" sz="1600" dirty="0" err="1"/>
+              <a:t>Education_Level</a:t>
+            </a:r>
+            <a:r>
+              <a:rPr lang="en-GB" sz="1600" dirty="0"/>
+              <a:t> and </a:t>
+            </a:r>
+            <a:r>
+              <a:rPr lang="en-GB" sz="1600" dirty="0" err="1"/>
+              <a:t>Income_Category</a:t>
+            </a:r>
+            <a:r>
+              <a:rPr lang="en-GB" sz="1600" dirty="0"/>
+              <a:t>.</a:t>
+            </a:r>
+          </a:p>
+          <a:p>
+            <a:pPr marL="285750" indent="-285750">
+              <a:buFont typeface="Arial" panose="020B0604020202020204" pitchFamily="34" charset="0"/>
+              <a:buChar char="•"/>
+            </a:pPr>
+            <a:endParaRPr lang="en-GB" sz="1600" dirty="0"/>
+          </a:p>
+          <a:p>
+            <a:pPr marL="285750" indent="-285750">
+              <a:buFont typeface="Arial" panose="020B0604020202020204" pitchFamily="34" charset="0"/>
+              <a:buChar char="•"/>
+            </a:pPr>
+            <a:r>
+              <a:rPr lang="en-GB" sz="1600" dirty="0"/>
+              <a:t>Class imbalance (~16% churn) → noted in limitations, suggested stratified sampling and evaluation metrics like ROC-AUC.</a:t>
+            </a:r>
+          </a:p>
+          <a:p>
+            <a:pPr marL="285750" indent="-285750">
+              <a:buFont typeface="Arial" panose="020B0604020202020204" pitchFamily="34" charset="0"/>
+              <a:buChar char="•"/>
+            </a:pPr>
+            <a:endParaRPr lang="en-GB" sz="1600" dirty="0"/>
+          </a:p>
+          <a:p>
+            <a:pPr marL="285750" indent="-285750">
+              <a:buFont typeface="Arial" panose="020B0604020202020204" pitchFamily="34" charset="0"/>
+              <a:buChar char="•"/>
+            </a:pPr>
+            <a:r>
+              <a:rPr lang="en-GB" sz="1600" dirty="0"/>
+              <a:t>Addressed each challenge with methodical, well-documented steps.</a:t>
+            </a:r>
+          </a:p>
+        </p:txBody>
+      </p:sp>
+      <p:pic>
+        <p:nvPicPr>
+          <p:cNvPr id="2" name="Google Shape;340;p31">
+            <a:extLst>
+              <a:ext uri="{FF2B5EF4-FFF2-40B4-BE49-F238E27FC236}">
+                <a16:creationId xmlns:a16="http://schemas.microsoft.com/office/drawing/2014/main" id="{4E61053A-00E9-8118-EE7E-081D4B13C91C}"/>
+              </a:ext>
+            </a:extLst>
+          </p:cNvPr>
+          <p:cNvPicPr preferRelativeResize="0"/>
+          <p:nvPr/>
+        </p:nvPicPr>
+        <p:blipFill>
+          <a:blip r:embed="rId3">
+            <a:alphaModFix/>
+          </a:blip>
+          <a:stretch>
+            <a:fillRect/>
+          </a:stretch>
+        </p:blipFill>
+        <p:spPr>
+          <a:xfrm>
+            <a:off x="7543320" y="3648782"/>
+            <a:ext cx="1083308" cy="972040"/>
+          </a:xfrm>
+          <a:prstGeom prst="rect">
+            <a:avLst/>
+          </a:prstGeom>
+          <a:noFill/>
+          <a:ln>
+            <a:noFill/>
+          </a:ln>
+        </p:spPr>
+      </p:pic>
+    </p:spTree>
+    <p:extLst>
+      <p:ext uri="{BB962C8B-B14F-4D97-AF65-F5344CB8AC3E}">
+        <p14:creationId xmlns:p14="http://schemas.microsoft.com/office/powerpoint/2010/main" val="2911134827"/>
+      </p:ext>
+    </p:extLst>
+  </p:cSld>
+  <p:clrMapOvr>
+    <a:masterClrMapping/>
+  </p:clrMapOvr>
+</p:sld>
+</file>
+
+<file path=ppt/slides/slide11.xml><?xml version="1.0" encoding="utf-8"?>
+<p:sld xmlns:a="http://schemas.openxmlformats.org/drawingml/2006/main" xmlns:r="http://schemas.openxmlformats.org/officeDocument/2006/relationships" xmlns:p="http://schemas.openxmlformats.org/presentationml/2006/main">
+  <p:cSld>
+    <p:spTree>
+      <p:nvGrpSpPr>
+        <p:cNvPr id="1" name="Shape 142">
+          <a:extLst>
+            <a:ext uri="{FF2B5EF4-FFF2-40B4-BE49-F238E27FC236}">
+              <a16:creationId xmlns:a16="http://schemas.microsoft.com/office/drawing/2014/main" id="{DA527363-3B3D-3DDA-32A4-70AB8AADF1D6}"/>
+            </a:ext>
+          </a:extLst>
+        </p:cNvPr>
+        <p:cNvGrpSpPr/>
+        <p:nvPr/>
+      </p:nvGrpSpPr>
+      <p:grpSpPr>
+        <a:xfrm>
+          <a:off x="0" y="0"/>
+          <a:ext cx="0" cy="0"/>
+          <a:chOff x="0" y="0"/>
+          <a:chExt cx="0" cy="0"/>
+        </a:xfrm>
+      </p:grpSpPr>
+      <p:sp>
+        <p:nvSpPr>
+          <p:cNvPr id="144" name="Google Shape;144;p22">
+            <a:extLst>
+              <a:ext uri="{FF2B5EF4-FFF2-40B4-BE49-F238E27FC236}">
+                <a16:creationId xmlns:a16="http://schemas.microsoft.com/office/drawing/2014/main" id="{D6345F0B-9F91-20B9-D6D1-C50CAFA4098C}"/>
+              </a:ext>
+            </a:extLst>
+          </p:cNvPr>
+          <p:cNvSpPr txBox="1">
+            <a:spLocks noGrp="1"/>
+          </p:cNvSpPr>
+          <p:nvPr>
+            <p:ph type="sldNum" idx="12"/>
+          </p:nvPr>
+        </p:nvSpPr>
+        <p:spPr>
+          <a:xfrm>
+            <a:off x="8466613" y="4762672"/>
+            <a:ext cx="365700" cy="274200"/>
+          </a:xfrm>
+          <a:prstGeom prst="rect">
+            <a:avLst/>
+          </a:prstGeom>
+          <a:noFill/>
+          <a:ln>
+            <a:noFill/>
+          </a:ln>
+        </p:spPr>
+        <p:txBody>
+          <a:bodyPr spcFirstLastPara="1" wrap="square" lIns="91425" tIns="91425" rIns="91425" bIns="91425" anchor="ctr" anchorCtr="0">
+            <a:normAutofit fontScale="92500" lnSpcReduction="20000"/>
+          </a:bodyPr>
+          <a:lstStyle/>
+          <a:p>
+            <a:pPr marL="0" lvl="0" indent="0" algn="r" rtl="0">
+              <a:lnSpc>
+                <a:spcPct val="100000"/>
+              </a:lnSpc>
+              <a:spcBef>
+                <a:spcPts val="0"/>
+              </a:spcBef>
+              <a:spcAft>
+                <a:spcPts val="0"/>
+              </a:spcAft>
+              <a:buSzPct val="100000"/>
+              <a:buNone/>
+            </a:pPr>
+            <a:fld id="{00000000-1234-1234-1234-123412341234}" type="slidenum">
+              <a:rPr lang="en"/>
+              <a:t>11</a:t>
+            </a:fld>
+            <a:endParaRPr/>
+          </a:p>
+        </p:txBody>
+      </p:sp>
+      <p:sp>
+        <p:nvSpPr>
+          <p:cNvPr id="146" name="Google Shape;146;p22">
+            <a:extLst>
+              <a:ext uri="{FF2B5EF4-FFF2-40B4-BE49-F238E27FC236}">
+                <a16:creationId xmlns:a16="http://schemas.microsoft.com/office/drawing/2014/main" id="{BC956100-D120-6E5A-F315-1A9E639F8DE4}"/>
+              </a:ext>
+            </a:extLst>
+          </p:cNvPr>
+          <p:cNvSpPr txBox="1"/>
+          <p:nvPr/>
+        </p:nvSpPr>
+        <p:spPr>
+          <a:xfrm>
+            <a:off x="1084875" y="3356675"/>
+            <a:ext cx="5822400" cy="738000"/>
+          </a:xfrm>
+          <a:prstGeom prst="rect">
+            <a:avLst/>
+          </a:prstGeom>
+          <a:noFill/>
+          <a:ln>
+            <a:noFill/>
+          </a:ln>
+        </p:spPr>
+        <p:txBody>
+          <a:bodyPr spcFirstLastPara="1" wrap="square" lIns="91425" tIns="91425" rIns="91425" bIns="91425" anchor="t" anchorCtr="0">
+            <a:spAutoFit/>
+          </a:bodyPr>
+          <a:lstStyle/>
+          <a:p>
+            <a:pPr marL="0" lvl="0" indent="0" algn="l" rtl="0">
+              <a:lnSpc>
+                <a:spcPct val="115000"/>
+              </a:lnSpc>
+              <a:spcBef>
+                <a:spcPts val="1400"/>
+              </a:spcBef>
+              <a:spcAft>
+                <a:spcPts val="0"/>
+              </a:spcAft>
+              <a:buNone/>
+            </a:pPr>
+            <a:endParaRPr sz="1300" b="1">
+              <a:solidFill>
+                <a:schemeClr val="dk1"/>
+              </a:solidFill>
+            </a:endParaRPr>
+          </a:p>
+          <a:p>
+            <a:pPr marL="0" lvl="0" indent="0" algn="l" rtl="0">
+              <a:lnSpc>
+                <a:spcPct val="115000"/>
+              </a:lnSpc>
+              <a:spcBef>
+                <a:spcPts val="1200"/>
+              </a:spcBef>
+              <a:spcAft>
+                <a:spcPts val="1200"/>
+              </a:spcAft>
+              <a:buNone/>
+            </a:pPr>
+            <a:endParaRPr sz="1100">
+              <a:solidFill>
+                <a:schemeClr val="dk1"/>
+              </a:solidFill>
+            </a:endParaRPr>
+          </a:p>
+        </p:txBody>
+      </p:sp>
+      <p:sp>
+        <p:nvSpPr>
+          <p:cNvPr id="147" name="Google Shape;147;p22">
+            <a:extLst>
+              <a:ext uri="{FF2B5EF4-FFF2-40B4-BE49-F238E27FC236}">
+                <a16:creationId xmlns:a16="http://schemas.microsoft.com/office/drawing/2014/main" id="{98B9F25F-8F78-70E2-7ACE-AA1DC388FFF2}"/>
+              </a:ext>
+            </a:extLst>
+          </p:cNvPr>
+          <p:cNvSpPr txBox="1"/>
+          <p:nvPr/>
+        </p:nvSpPr>
+        <p:spPr>
+          <a:xfrm>
+            <a:off x="5623175" y="1734175"/>
+            <a:ext cx="3003600" cy="1394700"/>
+          </a:xfrm>
+          <a:prstGeom prst="rect">
+            <a:avLst/>
+          </a:prstGeom>
+          <a:noFill/>
+          <a:ln>
+            <a:noFill/>
+          </a:ln>
+          <a:effectLst>
+            <a:reflection dist="38100" dir="5400000" fadeDir="5400012" sy="-100000" algn="bl" rotWithShape="0"/>
+          </a:effectLst>
+        </p:spPr>
+        <p:txBody>
+          <a:bodyPr spcFirstLastPara="1" wrap="square" lIns="91425" tIns="91425" rIns="91425" bIns="91425" anchor="t" anchorCtr="0">
+            <a:noAutofit/>
+          </a:bodyPr>
+          <a:lstStyle/>
+          <a:p>
+            <a:pPr marL="0" lvl="0" indent="0" algn="l" rtl="0">
+              <a:spcBef>
+                <a:spcPts val="0"/>
+              </a:spcBef>
+              <a:spcAft>
+                <a:spcPts val="0"/>
+              </a:spcAft>
+              <a:buNone/>
+            </a:pPr>
+            <a:endParaRPr sz="1800">
+              <a:solidFill>
+                <a:schemeClr val="dk1"/>
+              </a:solidFill>
+              <a:latin typeface="Assistant"/>
+              <a:ea typeface="Assistant"/>
+              <a:cs typeface="Assistant"/>
+              <a:sym typeface="Assistant"/>
+            </a:endParaRPr>
+          </a:p>
+        </p:txBody>
+      </p:sp>
+      <p:sp>
+        <p:nvSpPr>
+          <p:cNvPr id="148" name="Google Shape;148;p22">
+            <a:extLst>
+              <a:ext uri="{FF2B5EF4-FFF2-40B4-BE49-F238E27FC236}">
+                <a16:creationId xmlns:a16="http://schemas.microsoft.com/office/drawing/2014/main" id="{0E3A5CC5-1DD4-6521-3903-2BDA37CE523D}"/>
+              </a:ext>
+            </a:extLst>
+          </p:cNvPr>
+          <p:cNvSpPr txBox="1">
+            <a:spLocks noGrp="1"/>
+          </p:cNvSpPr>
+          <p:nvPr>
+            <p:ph type="title"/>
+          </p:nvPr>
+        </p:nvSpPr>
+        <p:spPr>
+          <a:xfrm>
+            <a:off x="2005633" y="548275"/>
+            <a:ext cx="4692259" cy="589200"/>
+          </a:xfrm>
+          <a:prstGeom prst="rect">
+            <a:avLst/>
+          </a:prstGeom>
+          <a:noFill/>
+          <a:ln>
+            <a:noFill/>
+          </a:ln>
+        </p:spPr>
+        <p:txBody>
+          <a:bodyPr spcFirstLastPara="1" wrap="square" lIns="91425" tIns="91425" rIns="91425" bIns="91425" anchor="t" anchorCtr="0">
+            <a:noAutofit/>
+          </a:bodyPr>
+          <a:lstStyle/>
+          <a:p>
+            <a:r>
+              <a:rPr lang="en-GB" sz="1800" b="1" dirty="0">
+                <a:solidFill>
+                  <a:schemeClr val="accent1"/>
+                </a:solidFill>
+                <a:effectLst/>
+                <a:latin typeface="Assistant" pitchFamily="2" charset="-79"/>
+                <a:cs typeface="Assistant" pitchFamily="2" charset="-79"/>
+              </a:rPr>
+              <a:t>Conclusions</a:t>
+            </a:r>
+            <a:endParaRPr lang="en-GB" sz="1390" dirty="0">
+              <a:solidFill>
+                <a:schemeClr val="accent1"/>
+              </a:solidFill>
+            </a:endParaRPr>
+          </a:p>
+          <a:p>
+            <a:pPr marL="0" lvl="0" indent="0" algn="l" rtl="0">
+              <a:spcBef>
+                <a:spcPts val="1200"/>
+              </a:spcBef>
+              <a:spcAft>
+                <a:spcPts val="0"/>
+              </a:spcAft>
+              <a:buSzPts val="990"/>
+              <a:buNone/>
+            </a:pPr>
+            <a:endParaRPr lang="en-GB" sz="2560" dirty="0">
+              <a:latin typeface="Arial"/>
+              <a:ea typeface="Arial"/>
+              <a:cs typeface="Arial"/>
+              <a:sym typeface="Arial"/>
+            </a:endParaRPr>
+          </a:p>
+        </p:txBody>
+      </p:sp>
+      <p:sp>
+        <p:nvSpPr>
+          <p:cNvPr id="149" name="Google Shape;149;p22">
+            <a:extLst>
+              <a:ext uri="{FF2B5EF4-FFF2-40B4-BE49-F238E27FC236}">
+                <a16:creationId xmlns:a16="http://schemas.microsoft.com/office/drawing/2014/main" id="{B590C0AE-B753-1BC3-66FA-3723E45E43D1}"/>
+              </a:ext>
+            </a:extLst>
+          </p:cNvPr>
+          <p:cNvSpPr txBox="1"/>
+          <p:nvPr/>
+        </p:nvSpPr>
+        <p:spPr>
+          <a:xfrm>
+            <a:off x="727500" y="1129975"/>
+            <a:ext cx="7689000" cy="2646848"/>
+          </a:xfrm>
+          <a:prstGeom prst="rect">
+            <a:avLst/>
+          </a:prstGeom>
+          <a:noFill/>
+          <a:ln>
+            <a:noFill/>
+          </a:ln>
+        </p:spPr>
+        <p:txBody>
+          <a:bodyPr spcFirstLastPara="1" wrap="square" lIns="91425" tIns="91425" rIns="91425" bIns="91425" anchor="t" anchorCtr="0">
+            <a:spAutoFit/>
+          </a:bodyPr>
+          <a:lstStyle/>
+          <a:p>
+            <a:pPr marL="285750" indent="-285750">
+              <a:buFont typeface="Arial" panose="020B0604020202020204" pitchFamily="34" charset="0"/>
+              <a:buChar char="•"/>
+            </a:pPr>
+            <a:r>
+              <a:rPr lang="en-GB" sz="1600" dirty="0"/>
+              <a:t> Include additional features: transaction trends over time, external </a:t>
+            </a:r>
+            <a:r>
+              <a:rPr lang="en-GB" sz="1600" dirty="0" err="1"/>
+              <a:t>behavioral</a:t>
+            </a:r>
+            <a:r>
+              <a:rPr lang="en-GB" sz="1600" dirty="0"/>
+              <a:t> data, communication history.</a:t>
+            </a:r>
+          </a:p>
+          <a:p>
+            <a:pPr marL="285750" indent="-285750">
+              <a:buFont typeface="Arial" panose="020B0604020202020204" pitchFamily="34" charset="0"/>
+              <a:buChar char="•"/>
+            </a:pPr>
+            <a:endParaRPr lang="en-GB" sz="1600" dirty="0"/>
+          </a:p>
+          <a:p>
+            <a:pPr marL="285750" indent="-285750">
+              <a:buFont typeface="Arial" panose="020B0604020202020204" pitchFamily="34" charset="0"/>
+              <a:buChar char="•"/>
+            </a:pPr>
+            <a:r>
+              <a:rPr lang="en-GB" sz="1600" dirty="0"/>
+              <a:t> Experiment with advanced predictive models (</a:t>
+            </a:r>
+            <a:r>
+              <a:rPr lang="en-GB" sz="1600" dirty="0" err="1"/>
+              <a:t>RandomForest</a:t>
+            </a:r>
+            <a:r>
+              <a:rPr lang="en-GB" sz="1600" dirty="0"/>
+              <a:t>, </a:t>
+            </a:r>
+            <a:r>
+              <a:rPr lang="en-GB" sz="1600" dirty="0" err="1"/>
+              <a:t>XGBoost</a:t>
+            </a:r>
+            <a:r>
+              <a:rPr lang="en-GB" sz="1600" dirty="0"/>
+              <a:t>) and handle class imbalance.</a:t>
+            </a:r>
+          </a:p>
+          <a:p>
+            <a:pPr marL="285750" indent="-285750">
+              <a:buFont typeface="Arial" panose="020B0604020202020204" pitchFamily="34" charset="0"/>
+              <a:buChar char="•"/>
+            </a:pPr>
+            <a:endParaRPr lang="en-GB" sz="1600" dirty="0"/>
+          </a:p>
+          <a:p>
+            <a:pPr marL="285750" indent="-285750">
+              <a:buFont typeface="Arial" panose="020B0604020202020204" pitchFamily="34" charset="0"/>
+              <a:buChar char="•"/>
+            </a:pPr>
+            <a:r>
+              <a:rPr lang="en-GB" sz="1600" dirty="0"/>
+              <a:t> Integrate model in banking dashboards for real-time churn risk monitoring.</a:t>
+            </a:r>
+          </a:p>
+          <a:p>
+            <a:pPr marL="285750" indent="-285750">
+              <a:buFont typeface="Arial" panose="020B0604020202020204" pitchFamily="34" charset="0"/>
+              <a:buChar char="•"/>
+            </a:pPr>
+            <a:endParaRPr lang="en-GB" sz="1600" dirty="0"/>
+          </a:p>
+          <a:p>
+            <a:pPr marL="285750" indent="-285750">
+              <a:buFont typeface="Arial" panose="020B0604020202020204" pitchFamily="34" charset="0"/>
+              <a:buChar char="•"/>
+            </a:pPr>
+            <a:r>
+              <a:rPr lang="en-GB" sz="1600" dirty="0"/>
+              <a:t> Apply fairness and privacy-aware techniques for ethical, responsible deployment.</a:t>
+            </a:r>
+          </a:p>
+        </p:txBody>
+      </p:sp>
+      <p:pic>
+        <p:nvPicPr>
+          <p:cNvPr id="2" name="Google Shape;338;p31">
+            <a:extLst>
+              <a:ext uri="{FF2B5EF4-FFF2-40B4-BE49-F238E27FC236}">
+                <a16:creationId xmlns:a16="http://schemas.microsoft.com/office/drawing/2014/main" id="{4F70190C-0FA6-7452-269B-064E960983CC}"/>
+              </a:ext>
+            </a:extLst>
+          </p:cNvPr>
+          <p:cNvPicPr preferRelativeResize="0"/>
+          <p:nvPr/>
+        </p:nvPicPr>
+        <p:blipFill>
+          <a:blip r:embed="rId3">
+            <a:alphaModFix/>
+          </a:blip>
+          <a:stretch>
+            <a:fillRect/>
+          </a:stretch>
+        </p:blipFill>
+        <p:spPr>
+          <a:xfrm>
+            <a:off x="7418424" y="3051950"/>
+            <a:ext cx="1580118" cy="1677547"/>
+          </a:xfrm>
+          <a:prstGeom prst="rect">
+            <a:avLst/>
+          </a:prstGeom>
+          <a:noFill/>
+          <a:ln>
+            <a:noFill/>
+          </a:ln>
+        </p:spPr>
+      </p:pic>
+    </p:spTree>
+    <p:extLst>
+      <p:ext uri="{BB962C8B-B14F-4D97-AF65-F5344CB8AC3E}">
+        <p14:creationId xmlns:p14="http://schemas.microsoft.com/office/powerpoint/2010/main" val="4177299070"/>
+      </p:ext>
+    </p:extLst>
+  </p:cSld>
+  <p:clrMapOvr>
+    <a:masterClrMapping/>
+  </p:clrMapOvr>
+</p:sld>
+</file>
+
+<file path=ppt/slides/slide12.xml><?xml version="1.0" encoding="utf-8"?>
+<p:sld xmlns:a="http://schemas.openxmlformats.org/drawingml/2006/main" xmlns:r="http://schemas.openxmlformats.org/officeDocument/2006/relationships" xmlns:p="http://schemas.openxmlformats.org/presentationml/2006/main">
+  <p:cSld>
+    <p:spTree>
+      <p:nvGrpSpPr>
+        <p:cNvPr id="1" name="Shape 658"/>
+        <p:cNvGrpSpPr/>
+        <p:nvPr/>
+      </p:nvGrpSpPr>
+      <p:grpSpPr>
+        <a:xfrm>
+          <a:off x="0" y="0"/>
+          <a:ext cx="0" cy="0"/>
+          <a:chOff x="0" y="0"/>
+          <a:chExt cx="0" cy="0"/>
+        </a:xfrm>
+      </p:grpSpPr>
+      <p:sp>
+        <p:nvSpPr>
+          <p:cNvPr id="659" name="Google Shape;659;p62"/>
+          <p:cNvSpPr txBox="1">
+            <a:spLocks noGrp="1"/>
+          </p:cNvSpPr>
+          <p:nvPr>
+            <p:ph type="sldNum" idx="12"/>
+          </p:nvPr>
+        </p:nvSpPr>
+        <p:spPr>
+          <a:xfrm>
+            <a:off x="8466613" y="4762672"/>
+            <a:ext cx="365700" cy="274200"/>
+          </a:xfrm>
+          <a:prstGeom prst="rect">
+            <a:avLst/>
+          </a:prstGeom>
+        </p:spPr>
+        <p:txBody>
+          <a:bodyPr spcFirstLastPara="1" wrap="square" lIns="91425" tIns="91425" rIns="91425" bIns="91425" anchor="ctr" anchorCtr="0">
+            <a:normAutofit fontScale="92500" lnSpcReduction="20000"/>
+          </a:bodyPr>
+          <a:lstStyle/>
+          <a:p>
+            <a:pPr marL="0" lvl="0" indent="0" algn="r" rtl="0">
+              <a:spcBef>
+                <a:spcPts val="0"/>
+              </a:spcBef>
+              <a:spcAft>
+                <a:spcPts val="0"/>
+              </a:spcAft>
+              <a:buNone/>
+            </a:pPr>
+            <a:fld id="{00000000-1234-1234-1234-123412341234}" type="slidenum">
+              <a:rPr lang="en"/>
+              <a:t>12</a:t>
+            </a:fld>
+            <a:endParaRPr/>
+          </a:p>
+        </p:txBody>
+      </p:sp>
+      <p:sp>
+        <p:nvSpPr>
+          <p:cNvPr id="660" name="Google Shape;660;p62"/>
+          <p:cNvSpPr txBox="1">
+            <a:spLocks noGrp="1"/>
+          </p:cNvSpPr>
+          <p:nvPr>
+            <p:ph type="body" idx="4294967295"/>
+          </p:nvPr>
+        </p:nvSpPr>
+        <p:spPr>
+          <a:xfrm>
+            <a:off x="2558864" y="2760450"/>
+            <a:ext cx="5767500" cy="1455900"/>
+          </a:xfrm>
+          <a:prstGeom prst="rect">
+            <a:avLst/>
+          </a:prstGeom>
+        </p:spPr>
+        <p:txBody>
+          <a:bodyPr spcFirstLastPara="1" wrap="square" lIns="91425" tIns="91425" rIns="91425" bIns="91425" anchor="t" anchorCtr="0">
+            <a:normAutofit/>
+          </a:bodyPr>
+          <a:lstStyle/>
+          <a:p>
+            <a:pPr marL="0" lvl="0" indent="0" algn="l" rtl="0">
+              <a:spcBef>
+                <a:spcPts val="0"/>
+              </a:spcBef>
+              <a:spcAft>
+                <a:spcPts val="0"/>
+              </a:spcAft>
+              <a:buNone/>
+            </a:pPr>
+            <a:r>
+              <a:rPr lang="en" sz="1400" b="1" dirty="0"/>
+              <a:t>Contact</a:t>
+            </a:r>
+            <a:endParaRPr sz="1400" b="1" dirty="0"/>
+          </a:p>
+          <a:p>
+            <a:pPr marL="0" indent="0">
+              <a:spcBef>
+                <a:spcPts val="1000"/>
+              </a:spcBef>
+              <a:buNone/>
+            </a:pPr>
+            <a:r>
+              <a:rPr lang="en-US" sz="1400" dirty="0"/>
+              <a:t>Dmytro </a:t>
+            </a:r>
+            <a:r>
+              <a:rPr lang="en-US" sz="1400" dirty="0" err="1"/>
+              <a:t>Ivashchenko</a:t>
+            </a:r>
+            <a:br>
+              <a:rPr lang="en" sz="1400" dirty="0"/>
+            </a:br>
+            <a:r>
+              <a:rPr lang="en-GB" sz="1400" dirty="0"/>
+              <a:t>Student of Data analytics course</a:t>
+            </a:r>
+            <a:endParaRPr lang="en" sz="1400" dirty="0"/>
+          </a:p>
+          <a:p>
+            <a:pPr marL="0" lvl="0" indent="0" algn="l" rtl="0">
+              <a:spcBef>
+                <a:spcPts val="1000"/>
+              </a:spcBef>
+              <a:spcAft>
+                <a:spcPts val="0"/>
+              </a:spcAft>
+              <a:buNone/>
+            </a:pPr>
+            <a:r>
+              <a:rPr lang="en" sz="1400" dirty="0">
+                <a:hlinkClick r:id="rId3"/>
+              </a:rPr>
+              <a:t>dnytsyk@gmail.com</a:t>
+            </a:r>
+            <a:endParaRPr lang="en" sz="1400" dirty="0"/>
+          </a:p>
+          <a:p>
+            <a:pPr marL="0" lvl="0" indent="0" algn="l" rtl="0">
+              <a:spcBef>
+                <a:spcPts val="1000"/>
+              </a:spcBef>
+              <a:spcAft>
+                <a:spcPts val="0"/>
+              </a:spcAft>
+              <a:buNone/>
+            </a:pPr>
+            <a:endParaRPr lang="en" sz="1400" dirty="0"/>
+          </a:p>
+        </p:txBody>
+      </p:sp>
+      <p:pic>
+        <p:nvPicPr>
+          <p:cNvPr id="661" name="Google Shape;661;p62"/>
+          <p:cNvPicPr preferRelativeResize="0"/>
+          <p:nvPr/>
+        </p:nvPicPr>
+        <p:blipFill rotWithShape="1">
+          <a:blip r:embed="rId4"/>
+          <a:srcRect l="10000" t="8928" r="18571" b="46429"/>
+          <a:stretch/>
+        </p:blipFill>
+        <p:spPr>
+          <a:xfrm>
+            <a:off x="428450" y="2588400"/>
+            <a:ext cx="1800000" cy="1800000"/>
+          </a:xfrm>
+          <a:prstGeom prst="ellipse">
+            <a:avLst/>
+          </a:prstGeom>
+          <a:noFill/>
+          <a:ln w="38100" cap="flat" cmpd="sng">
+            <a:solidFill>
+              <a:schemeClr val="accent4"/>
+            </a:solidFill>
+            <a:prstDash val="solid"/>
+            <a:round/>
+            <a:headEnd type="none" w="sm" len="sm"/>
+            <a:tailEnd type="none" w="sm" len="sm"/>
+          </a:ln>
+        </p:spPr>
+      </p:pic>
+      <p:sp>
+        <p:nvSpPr>
+          <p:cNvPr id="662" name="Google Shape;662;p62"/>
+          <p:cNvSpPr txBox="1">
+            <a:spLocks noGrp="1"/>
+          </p:cNvSpPr>
+          <p:nvPr>
+            <p:ph type="title"/>
+          </p:nvPr>
+        </p:nvSpPr>
+        <p:spPr>
+          <a:xfrm>
+            <a:off x="311700" y="342900"/>
+            <a:ext cx="8100000" cy="2094000"/>
+          </a:xfrm>
+          <a:prstGeom prst="rect">
+            <a:avLst/>
+          </a:prstGeom>
+        </p:spPr>
+        <p:txBody>
+          <a:bodyPr spcFirstLastPara="1" wrap="square" lIns="91425" tIns="91425" rIns="91425" bIns="91425" anchor="b" anchorCtr="0">
+            <a:normAutofit/>
+          </a:bodyPr>
+          <a:lstStyle/>
+          <a:p>
+            <a:pPr marL="0" lvl="0" indent="0" algn="ctr" rtl="0">
+              <a:spcBef>
+                <a:spcPts val="0"/>
+              </a:spcBef>
+              <a:spcAft>
+                <a:spcPts val="0"/>
+              </a:spcAft>
+              <a:buNone/>
+            </a:pPr>
+            <a:r>
+              <a:rPr lang="en" dirty="0"/>
+              <a:t>Thanks a lot!</a:t>
+            </a:r>
+            <a:endParaRPr dirty="0"/>
+          </a:p>
+        </p:txBody>
+      </p:sp>
+    </p:spTree>
+  </p:cSld>
+  <p:clrMapOvr>
+    <a:masterClrMapping/>
+  </p:clrMapOvr>
+</p:sld>
+</file>
+
 <file path=ppt/slides/slide2.xml><?xml version="1.0" encoding="utf-8"?>
 <p:sld xmlns:a="http://schemas.openxmlformats.org/drawingml/2006/main" xmlns:r="http://schemas.openxmlformats.org/officeDocument/2006/relationships" xmlns:p="http://schemas.openxmlformats.org/presentationml/2006/main">
   <p:cSld>
@@ -5802,7 +7306,7 @@
         <p:spPr>
           <a:xfrm>
             <a:off x="726831" y="1186647"/>
-            <a:ext cx="7209692" cy="2646848"/>
+            <a:ext cx="7209692" cy="2893069"/>
           </a:xfrm>
           <a:prstGeom prst="rect">
             <a:avLst/>
@@ -5823,8 +7327,12 @@
               <a:buChar char="•"/>
             </a:pPr>
             <a:r>
+              <a:rPr lang="en-GB" sz="1600" b="1" dirty="0"/>
+              <a:t>Project</a:t>
+            </a:r>
+            <a:r>
               <a:rPr lang="en-GB" sz="1600" dirty="0"/>
-              <a:t>Churn prediction in banking is a real-world problem impacting revenue.</a:t>
+              <a:t>: Churn prediction in banking is a real-world problem impacting revenue.</a:t>
             </a:r>
           </a:p>
           <a:p>
@@ -5836,8 +7344,12 @@
               <a:buChar char="•"/>
             </a:pPr>
             <a:r>
+              <a:rPr lang="en-GB" sz="1600" b="1" dirty="0"/>
+              <a:t>Idea</a:t>
+            </a:r>
+            <a:r>
               <a:rPr lang="en-GB" sz="1600" dirty="0"/>
-              <a:t>Combines domain knowledge from banking with practical data analysis skills.</a:t>
+              <a:t>: Combines domain knowledge from banking with practical data analysis skills.</a:t>
             </a:r>
           </a:p>
           <a:p>
@@ -5853,8 +7365,12 @@
               <a:buChar char="•"/>
             </a:pPr>
             <a:r>
+              <a:rPr lang="en-GB" sz="1600" b="1" dirty="0"/>
+              <a:t>Dataset</a:t>
+            </a:r>
+            <a:r>
               <a:rPr lang="en-GB" sz="1600" dirty="0"/>
-              <a:t>Dataset has rich customer info: demographics, transaction history, credit limits.</a:t>
+              <a:t>: has rich customer info: demographics, transaction history, credit limits.</a:t>
             </a:r>
           </a:p>
           <a:p>
@@ -5870,8 +7386,12 @@
               <a:buChar char="•"/>
             </a:pPr>
             <a:r>
+              <a:rPr lang="en-GB" sz="1600" b="1" dirty="0"/>
+              <a:t>Dataset</a:t>
+            </a:r>
+            <a:r>
               <a:rPr lang="en-GB" sz="1600" dirty="0"/>
-              <a:t>Project allows exploration of preprocessing, feature engineering, visualization, and predictive modelling.</a:t>
+              <a:t>: allows exploration of preprocessing, feature engineering, visualization, and predictive modelling.</a:t>
             </a:r>
           </a:p>
         </p:txBody>
@@ -6422,6 +7942,1049 @@
         <p:cNvPr id="1" name="Shape 142">
           <a:extLst>
             <a:ext uri="{FF2B5EF4-FFF2-40B4-BE49-F238E27FC236}">
+              <a16:creationId xmlns:a16="http://schemas.microsoft.com/office/drawing/2014/main" id="{AB6C217D-1F2D-9622-3783-B2AFBC9F077C}"/>
+            </a:ext>
+          </a:extLst>
+        </p:cNvPr>
+        <p:cNvGrpSpPr/>
+        <p:nvPr/>
+      </p:nvGrpSpPr>
+      <p:grpSpPr>
+        <a:xfrm>
+          <a:off x="0" y="0"/>
+          <a:ext cx="0" cy="0"/>
+          <a:chOff x="0" y="0"/>
+          <a:chExt cx="0" cy="0"/>
+        </a:xfrm>
+      </p:grpSpPr>
+      <p:sp>
+        <p:nvSpPr>
+          <p:cNvPr id="144" name="Google Shape;144;p22">
+            <a:extLst>
+              <a:ext uri="{FF2B5EF4-FFF2-40B4-BE49-F238E27FC236}">
+                <a16:creationId xmlns:a16="http://schemas.microsoft.com/office/drawing/2014/main" id="{F97BAF16-5FC9-B731-C5FE-D7642199289F}"/>
+              </a:ext>
+            </a:extLst>
+          </p:cNvPr>
+          <p:cNvSpPr txBox="1">
+            <a:spLocks noGrp="1"/>
+          </p:cNvSpPr>
+          <p:nvPr>
+            <p:ph type="sldNum" idx="12"/>
+          </p:nvPr>
+        </p:nvSpPr>
+        <p:spPr>
+          <a:xfrm>
+            <a:off x="8466613" y="4762672"/>
+            <a:ext cx="365700" cy="274200"/>
+          </a:xfrm>
+          <a:prstGeom prst="rect">
+            <a:avLst/>
+          </a:prstGeom>
+          <a:noFill/>
+          <a:ln>
+            <a:noFill/>
+          </a:ln>
+        </p:spPr>
+        <p:txBody>
+          <a:bodyPr spcFirstLastPara="1" wrap="square" lIns="91425" tIns="91425" rIns="91425" bIns="91425" anchor="ctr" anchorCtr="0">
+            <a:normAutofit fontScale="92500" lnSpcReduction="20000"/>
+          </a:bodyPr>
+          <a:lstStyle/>
+          <a:p>
+            <a:pPr marL="0" lvl="0" indent="0" algn="r" rtl="0">
+              <a:lnSpc>
+                <a:spcPct val="100000"/>
+              </a:lnSpc>
+              <a:spcBef>
+                <a:spcPts val="0"/>
+              </a:spcBef>
+              <a:spcAft>
+                <a:spcPts val="0"/>
+              </a:spcAft>
+              <a:buSzPct val="100000"/>
+              <a:buNone/>
+            </a:pPr>
+            <a:fld id="{00000000-1234-1234-1234-123412341234}" type="slidenum">
+              <a:rPr lang="en"/>
+              <a:t>4</a:t>
+            </a:fld>
+            <a:endParaRPr/>
+          </a:p>
+        </p:txBody>
+      </p:sp>
+      <p:sp>
+        <p:nvSpPr>
+          <p:cNvPr id="147" name="Google Shape;147;p22">
+            <a:extLst>
+              <a:ext uri="{FF2B5EF4-FFF2-40B4-BE49-F238E27FC236}">
+                <a16:creationId xmlns:a16="http://schemas.microsoft.com/office/drawing/2014/main" id="{463F3E47-865B-E4A2-1AFD-4718D992F505}"/>
+              </a:ext>
+            </a:extLst>
+          </p:cNvPr>
+          <p:cNvSpPr txBox="1"/>
+          <p:nvPr/>
+        </p:nvSpPr>
+        <p:spPr>
+          <a:xfrm>
+            <a:off x="5623175" y="1734175"/>
+            <a:ext cx="3003600" cy="1394700"/>
+          </a:xfrm>
+          <a:prstGeom prst="rect">
+            <a:avLst/>
+          </a:prstGeom>
+          <a:noFill/>
+          <a:ln>
+            <a:noFill/>
+          </a:ln>
+          <a:effectLst>
+            <a:reflection dist="38100" dir="5400000" fadeDir="5400012" sy="-100000" algn="bl" rotWithShape="0"/>
+          </a:effectLst>
+        </p:spPr>
+        <p:txBody>
+          <a:bodyPr spcFirstLastPara="1" wrap="square" lIns="91425" tIns="91425" rIns="91425" bIns="91425" anchor="t" anchorCtr="0">
+            <a:noAutofit/>
+          </a:bodyPr>
+          <a:lstStyle/>
+          <a:p>
+            <a:pPr marL="0" lvl="0" indent="0" algn="l" rtl="0">
+              <a:spcBef>
+                <a:spcPts val="0"/>
+              </a:spcBef>
+              <a:spcAft>
+                <a:spcPts val="0"/>
+              </a:spcAft>
+              <a:buNone/>
+            </a:pPr>
+            <a:endParaRPr sz="1800">
+              <a:solidFill>
+                <a:schemeClr val="dk1"/>
+              </a:solidFill>
+              <a:latin typeface="Assistant"/>
+              <a:ea typeface="Assistant"/>
+              <a:cs typeface="Assistant"/>
+              <a:sym typeface="Assistant"/>
+            </a:endParaRPr>
+          </a:p>
+        </p:txBody>
+      </p:sp>
+      <p:sp>
+        <p:nvSpPr>
+          <p:cNvPr id="148" name="Google Shape;148;p22">
+            <a:extLst>
+              <a:ext uri="{FF2B5EF4-FFF2-40B4-BE49-F238E27FC236}">
+                <a16:creationId xmlns:a16="http://schemas.microsoft.com/office/drawing/2014/main" id="{F8AA02B9-FE2D-0505-3FFF-A85E4BA1ECB8}"/>
+              </a:ext>
+            </a:extLst>
+          </p:cNvPr>
+          <p:cNvSpPr txBox="1">
+            <a:spLocks noGrp="1"/>
+          </p:cNvSpPr>
+          <p:nvPr>
+            <p:ph type="title"/>
+          </p:nvPr>
+        </p:nvSpPr>
+        <p:spPr>
+          <a:xfrm>
+            <a:off x="1781244" y="577144"/>
+            <a:ext cx="4692259" cy="589200"/>
+          </a:xfrm>
+          <a:prstGeom prst="rect">
+            <a:avLst/>
+          </a:prstGeom>
+          <a:noFill/>
+          <a:ln>
+            <a:noFill/>
+          </a:ln>
+        </p:spPr>
+        <p:txBody>
+          <a:bodyPr spcFirstLastPara="1" wrap="square" lIns="91425" tIns="91425" rIns="91425" bIns="91425" anchor="t" anchorCtr="0">
+            <a:noAutofit/>
+          </a:bodyPr>
+          <a:lstStyle/>
+          <a:p>
+            <a:r>
+              <a:rPr lang="en-US" sz="1800" dirty="0">
+                <a:solidFill>
+                  <a:schemeClr val="accent1"/>
+                </a:solidFill>
+                <a:latin typeface="+mn-lt"/>
+                <a:cs typeface="Assistant" pitchFamily="2" charset="-79"/>
+              </a:rPr>
+              <a:t>Project structure</a:t>
+            </a:r>
+            <a:endParaRPr sz="1390" dirty="0"/>
+          </a:p>
+          <a:p>
+            <a:pPr marL="0" lvl="0" indent="0" algn="l" rtl="0">
+              <a:spcBef>
+                <a:spcPts val="1200"/>
+              </a:spcBef>
+              <a:spcAft>
+                <a:spcPts val="0"/>
+              </a:spcAft>
+              <a:buSzPts val="990"/>
+              <a:buNone/>
+            </a:pPr>
+            <a:endParaRPr sz="2560" dirty="0">
+              <a:latin typeface="Arial"/>
+              <a:ea typeface="Arial"/>
+              <a:cs typeface="Arial"/>
+              <a:sym typeface="Arial"/>
+            </a:endParaRPr>
+          </a:p>
+        </p:txBody>
+      </p:sp>
+      <p:pic>
+        <p:nvPicPr>
+          <p:cNvPr id="2" name="Picture 1">
+            <a:extLst>
+              <a:ext uri="{FF2B5EF4-FFF2-40B4-BE49-F238E27FC236}">
+                <a16:creationId xmlns:a16="http://schemas.microsoft.com/office/drawing/2014/main" id="{7BCACF63-0377-0A82-0EC9-C91FCC9D89E0}"/>
+              </a:ext>
+            </a:extLst>
+          </p:cNvPr>
+          <p:cNvPicPr>
+            <a:picLocks noChangeAspect="1"/>
+          </p:cNvPicPr>
+          <p:nvPr/>
+        </p:nvPicPr>
+        <p:blipFill>
+          <a:blip r:embed="rId3"/>
+          <a:stretch>
+            <a:fillRect/>
+          </a:stretch>
+        </p:blipFill>
+        <p:spPr>
+          <a:xfrm>
+            <a:off x="313717" y="391131"/>
+            <a:ext cx="6279647" cy="4252787"/>
+          </a:xfrm>
+          <a:prstGeom prst="rect">
+            <a:avLst/>
+          </a:prstGeom>
+        </p:spPr>
+      </p:pic>
+    </p:spTree>
+    <p:extLst>
+      <p:ext uri="{BB962C8B-B14F-4D97-AF65-F5344CB8AC3E}">
+        <p14:creationId xmlns:p14="http://schemas.microsoft.com/office/powerpoint/2010/main" val="2137761760"/>
+      </p:ext>
+    </p:extLst>
+  </p:cSld>
+  <p:clrMapOvr>
+    <a:masterClrMapping/>
+  </p:clrMapOvr>
+</p:sld>
+</file>
+
+<file path=ppt/slides/slide5.xml><?xml version="1.0" encoding="utf-8"?>
+<p:sld xmlns:a="http://schemas.openxmlformats.org/drawingml/2006/main" xmlns:r="http://schemas.openxmlformats.org/officeDocument/2006/relationships" xmlns:p="http://schemas.openxmlformats.org/presentationml/2006/main">
+  <p:cSld>
+    <p:spTree>
+      <p:nvGrpSpPr>
+        <p:cNvPr id="1" name="Shape 142">
+          <a:extLst>
+            <a:ext uri="{FF2B5EF4-FFF2-40B4-BE49-F238E27FC236}">
+              <a16:creationId xmlns:a16="http://schemas.microsoft.com/office/drawing/2014/main" id="{D997F05A-6F2A-0007-BB9D-75CAA0341833}"/>
+            </a:ext>
+          </a:extLst>
+        </p:cNvPr>
+        <p:cNvGrpSpPr/>
+        <p:nvPr/>
+      </p:nvGrpSpPr>
+      <p:grpSpPr>
+        <a:xfrm>
+          <a:off x="0" y="0"/>
+          <a:ext cx="0" cy="0"/>
+          <a:chOff x="0" y="0"/>
+          <a:chExt cx="0" cy="0"/>
+        </a:xfrm>
+      </p:grpSpPr>
+      <p:sp>
+        <p:nvSpPr>
+          <p:cNvPr id="144" name="Google Shape;144;p22">
+            <a:extLst>
+              <a:ext uri="{FF2B5EF4-FFF2-40B4-BE49-F238E27FC236}">
+                <a16:creationId xmlns:a16="http://schemas.microsoft.com/office/drawing/2014/main" id="{97484126-FC3F-CD2F-9BBF-1FC67B40A5AE}"/>
+              </a:ext>
+            </a:extLst>
+          </p:cNvPr>
+          <p:cNvSpPr txBox="1">
+            <a:spLocks noGrp="1"/>
+          </p:cNvSpPr>
+          <p:nvPr>
+            <p:ph type="sldNum" idx="12"/>
+          </p:nvPr>
+        </p:nvSpPr>
+        <p:spPr>
+          <a:xfrm>
+            <a:off x="8466613" y="4762672"/>
+            <a:ext cx="365700" cy="274200"/>
+          </a:xfrm>
+          <a:prstGeom prst="rect">
+            <a:avLst/>
+          </a:prstGeom>
+          <a:noFill/>
+          <a:ln>
+            <a:noFill/>
+          </a:ln>
+        </p:spPr>
+        <p:txBody>
+          <a:bodyPr spcFirstLastPara="1" wrap="square" lIns="91425" tIns="91425" rIns="91425" bIns="91425" anchor="ctr" anchorCtr="0">
+            <a:normAutofit fontScale="92500" lnSpcReduction="20000"/>
+          </a:bodyPr>
+          <a:lstStyle/>
+          <a:p>
+            <a:pPr marL="0" lvl="0" indent="0" algn="r" rtl="0">
+              <a:lnSpc>
+                <a:spcPct val="100000"/>
+              </a:lnSpc>
+              <a:spcBef>
+                <a:spcPts val="0"/>
+              </a:spcBef>
+              <a:spcAft>
+                <a:spcPts val="0"/>
+              </a:spcAft>
+              <a:buSzPct val="100000"/>
+              <a:buNone/>
+            </a:pPr>
+            <a:fld id="{00000000-1234-1234-1234-123412341234}" type="slidenum">
+              <a:rPr lang="en"/>
+              <a:t>5</a:t>
+            </a:fld>
+            <a:endParaRPr/>
+          </a:p>
+        </p:txBody>
+      </p:sp>
+      <p:sp>
+        <p:nvSpPr>
+          <p:cNvPr id="147" name="Google Shape;147;p22">
+            <a:extLst>
+              <a:ext uri="{FF2B5EF4-FFF2-40B4-BE49-F238E27FC236}">
+                <a16:creationId xmlns:a16="http://schemas.microsoft.com/office/drawing/2014/main" id="{A0E1C35B-1D2D-53EF-5CDC-4FDB11F3988E}"/>
+              </a:ext>
+            </a:extLst>
+          </p:cNvPr>
+          <p:cNvSpPr txBox="1"/>
+          <p:nvPr/>
+        </p:nvSpPr>
+        <p:spPr>
+          <a:xfrm>
+            <a:off x="5623175" y="1734175"/>
+            <a:ext cx="3003600" cy="1394700"/>
+          </a:xfrm>
+          <a:prstGeom prst="rect">
+            <a:avLst/>
+          </a:prstGeom>
+          <a:noFill/>
+          <a:ln>
+            <a:noFill/>
+          </a:ln>
+          <a:effectLst>
+            <a:reflection dist="38100" dir="5400000" fadeDir="5400012" sy="-100000" algn="bl" rotWithShape="0"/>
+          </a:effectLst>
+        </p:spPr>
+        <p:txBody>
+          <a:bodyPr spcFirstLastPara="1" wrap="square" lIns="91425" tIns="91425" rIns="91425" bIns="91425" anchor="t" anchorCtr="0">
+            <a:noAutofit/>
+          </a:bodyPr>
+          <a:lstStyle/>
+          <a:p>
+            <a:pPr marL="0" lvl="0" indent="0" algn="l" rtl="0">
+              <a:spcBef>
+                <a:spcPts val="0"/>
+              </a:spcBef>
+              <a:spcAft>
+                <a:spcPts val="0"/>
+              </a:spcAft>
+              <a:buNone/>
+            </a:pPr>
+            <a:endParaRPr sz="1800">
+              <a:solidFill>
+                <a:schemeClr val="dk1"/>
+              </a:solidFill>
+              <a:latin typeface="Assistant"/>
+              <a:ea typeface="Assistant"/>
+              <a:cs typeface="Assistant"/>
+              <a:sym typeface="Assistant"/>
+            </a:endParaRPr>
+          </a:p>
+        </p:txBody>
+      </p:sp>
+      <p:sp>
+        <p:nvSpPr>
+          <p:cNvPr id="148" name="Google Shape;148;p22">
+            <a:extLst>
+              <a:ext uri="{FF2B5EF4-FFF2-40B4-BE49-F238E27FC236}">
+                <a16:creationId xmlns:a16="http://schemas.microsoft.com/office/drawing/2014/main" id="{260BDE07-2034-F0D9-B18F-33420C787A84}"/>
+              </a:ext>
+            </a:extLst>
+          </p:cNvPr>
+          <p:cNvSpPr txBox="1">
+            <a:spLocks noGrp="1"/>
+          </p:cNvSpPr>
+          <p:nvPr>
+            <p:ph type="title"/>
+          </p:nvPr>
+        </p:nvSpPr>
+        <p:spPr>
+          <a:xfrm>
+            <a:off x="1781244" y="577144"/>
+            <a:ext cx="4692259" cy="589200"/>
+          </a:xfrm>
+          <a:prstGeom prst="rect">
+            <a:avLst/>
+          </a:prstGeom>
+          <a:noFill/>
+          <a:ln>
+            <a:noFill/>
+          </a:ln>
+        </p:spPr>
+        <p:txBody>
+          <a:bodyPr spcFirstLastPara="1" wrap="square" lIns="91425" tIns="91425" rIns="91425" bIns="91425" anchor="t" anchorCtr="0">
+            <a:noAutofit/>
+          </a:bodyPr>
+          <a:lstStyle/>
+          <a:p>
+            <a:r>
+              <a:rPr lang="en-US" sz="1800" dirty="0">
+                <a:solidFill>
+                  <a:schemeClr val="accent1"/>
+                </a:solidFill>
+                <a:latin typeface="+mn-lt"/>
+                <a:cs typeface="Assistant" pitchFamily="2" charset="-79"/>
+              </a:rPr>
+              <a:t>Project structure</a:t>
+            </a:r>
+            <a:endParaRPr sz="1390" dirty="0"/>
+          </a:p>
+          <a:p>
+            <a:pPr marL="0" lvl="0" indent="0" algn="l" rtl="0">
+              <a:spcBef>
+                <a:spcPts val="1200"/>
+              </a:spcBef>
+              <a:spcAft>
+                <a:spcPts val="0"/>
+              </a:spcAft>
+              <a:buSzPts val="990"/>
+              <a:buNone/>
+            </a:pPr>
+            <a:endParaRPr sz="2560" dirty="0">
+              <a:latin typeface="Arial"/>
+              <a:ea typeface="Arial"/>
+              <a:cs typeface="Arial"/>
+              <a:sym typeface="Arial"/>
+            </a:endParaRPr>
+          </a:p>
+        </p:txBody>
+      </p:sp>
+      <p:pic>
+        <p:nvPicPr>
+          <p:cNvPr id="2" name="Picture 1">
+            <a:extLst>
+              <a:ext uri="{FF2B5EF4-FFF2-40B4-BE49-F238E27FC236}">
+                <a16:creationId xmlns:a16="http://schemas.microsoft.com/office/drawing/2014/main" id="{58B951CF-432E-6DFE-CAFE-19EC9A987AA5}"/>
+              </a:ext>
+            </a:extLst>
+          </p:cNvPr>
+          <p:cNvPicPr>
+            <a:picLocks noChangeAspect="1"/>
+          </p:cNvPicPr>
+          <p:nvPr/>
+        </p:nvPicPr>
+        <p:blipFill>
+          <a:blip r:embed="rId3"/>
+          <a:stretch>
+            <a:fillRect/>
+          </a:stretch>
+        </p:blipFill>
+        <p:spPr>
+          <a:xfrm>
+            <a:off x="347823" y="348822"/>
+            <a:ext cx="5919414" cy="4249835"/>
+          </a:xfrm>
+          <a:prstGeom prst="rect">
+            <a:avLst/>
+          </a:prstGeom>
+        </p:spPr>
+      </p:pic>
+    </p:spTree>
+    <p:extLst>
+      <p:ext uri="{BB962C8B-B14F-4D97-AF65-F5344CB8AC3E}">
+        <p14:creationId xmlns:p14="http://schemas.microsoft.com/office/powerpoint/2010/main" val="2931498483"/>
+      </p:ext>
+    </p:extLst>
+  </p:cSld>
+  <p:clrMapOvr>
+    <a:masterClrMapping/>
+  </p:clrMapOvr>
+</p:sld>
+</file>
+
+<file path=ppt/slides/slide6.xml><?xml version="1.0" encoding="utf-8"?>
+<p:sld xmlns:a="http://schemas.openxmlformats.org/drawingml/2006/main" xmlns:r="http://schemas.openxmlformats.org/officeDocument/2006/relationships" xmlns:p="http://schemas.openxmlformats.org/presentationml/2006/main">
+  <p:cSld>
+    <p:spTree>
+      <p:nvGrpSpPr>
+        <p:cNvPr id="1" name="Shape 142">
+          <a:extLst>
+            <a:ext uri="{FF2B5EF4-FFF2-40B4-BE49-F238E27FC236}">
+              <a16:creationId xmlns:a16="http://schemas.microsoft.com/office/drawing/2014/main" id="{D9029EC6-AFD6-45CE-EEE0-587E05949227}"/>
+            </a:ext>
+          </a:extLst>
+        </p:cNvPr>
+        <p:cNvGrpSpPr/>
+        <p:nvPr/>
+      </p:nvGrpSpPr>
+      <p:grpSpPr>
+        <a:xfrm>
+          <a:off x="0" y="0"/>
+          <a:ext cx="0" cy="0"/>
+          <a:chOff x="0" y="0"/>
+          <a:chExt cx="0" cy="0"/>
+        </a:xfrm>
+      </p:grpSpPr>
+      <p:sp>
+        <p:nvSpPr>
+          <p:cNvPr id="144" name="Google Shape;144;p22">
+            <a:extLst>
+              <a:ext uri="{FF2B5EF4-FFF2-40B4-BE49-F238E27FC236}">
+                <a16:creationId xmlns:a16="http://schemas.microsoft.com/office/drawing/2014/main" id="{D7ED7253-657C-3BB9-4049-72C487A273F6}"/>
+              </a:ext>
+            </a:extLst>
+          </p:cNvPr>
+          <p:cNvSpPr txBox="1">
+            <a:spLocks noGrp="1"/>
+          </p:cNvSpPr>
+          <p:nvPr>
+            <p:ph type="sldNum" idx="12"/>
+          </p:nvPr>
+        </p:nvSpPr>
+        <p:spPr>
+          <a:xfrm>
+            <a:off x="8466613" y="4762672"/>
+            <a:ext cx="365700" cy="274200"/>
+          </a:xfrm>
+          <a:prstGeom prst="rect">
+            <a:avLst/>
+          </a:prstGeom>
+          <a:noFill/>
+          <a:ln>
+            <a:noFill/>
+          </a:ln>
+        </p:spPr>
+        <p:txBody>
+          <a:bodyPr spcFirstLastPara="1" wrap="square" lIns="91425" tIns="91425" rIns="91425" bIns="91425" anchor="ctr" anchorCtr="0">
+            <a:normAutofit fontScale="92500" lnSpcReduction="20000"/>
+          </a:bodyPr>
+          <a:lstStyle/>
+          <a:p>
+            <a:pPr marL="0" lvl="0" indent="0" algn="r" rtl="0">
+              <a:lnSpc>
+                <a:spcPct val="100000"/>
+              </a:lnSpc>
+              <a:spcBef>
+                <a:spcPts val="0"/>
+              </a:spcBef>
+              <a:spcAft>
+                <a:spcPts val="0"/>
+              </a:spcAft>
+              <a:buSzPct val="100000"/>
+              <a:buNone/>
+            </a:pPr>
+            <a:fld id="{00000000-1234-1234-1234-123412341234}" type="slidenum">
+              <a:rPr lang="en"/>
+              <a:t>6</a:t>
+            </a:fld>
+            <a:endParaRPr/>
+          </a:p>
+        </p:txBody>
+      </p:sp>
+      <p:sp>
+        <p:nvSpPr>
+          <p:cNvPr id="147" name="Google Shape;147;p22">
+            <a:extLst>
+              <a:ext uri="{FF2B5EF4-FFF2-40B4-BE49-F238E27FC236}">
+                <a16:creationId xmlns:a16="http://schemas.microsoft.com/office/drawing/2014/main" id="{9C2E8CF2-9EFC-9557-C64D-DAE0A5B1F167}"/>
+              </a:ext>
+            </a:extLst>
+          </p:cNvPr>
+          <p:cNvSpPr txBox="1"/>
+          <p:nvPr/>
+        </p:nvSpPr>
+        <p:spPr>
+          <a:xfrm>
+            <a:off x="5623175" y="1734175"/>
+            <a:ext cx="3003600" cy="1394700"/>
+          </a:xfrm>
+          <a:prstGeom prst="rect">
+            <a:avLst/>
+          </a:prstGeom>
+          <a:noFill/>
+          <a:ln>
+            <a:noFill/>
+          </a:ln>
+          <a:effectLst>
+            <a:reflection dist="38100" dir="5400000" fadeDir="5400012" sy="-100000" algn="bl" rotWithShape="0"/>
+          </a:effectLst>
+        </p:spPr>
+        <p:txBody>
+          <a:bodyPr spcFirstLastPara="1" wrap="square" lIns="91425" tIns="91425" rIns="91425" bIns="91425" anchor="t" anchorCtr="0">
+            <a:noAutofit/>
+          </a:bodyPr>
+          <a:lstStyle/>
+          <a:p>
+            <a:pPr marL="0" lvl="0" indent="0" algn="l" rtl="0">
+              <a:spcBef>
+                <a:spcPts val="0"/>
+              </a:spcBef>
+              <a:spcAft>
+                <a:spcPts val="0"/>
+              </a:spcAft>
+              <a:buNone/>
+            </a:pPr>
+            <a:endParaRPr sz="1800">
+              <a:solidFill>
+                <a:schemeClr val="dk1"/>
+              </a:solidFill>
+              <a:latin typeface="Assistant"/>
+              <a:ea typeface="Assistant"/>
+              <a:cs typeface="Assistant"/>
+              <a:sym typeface="Assistant"/>
+            </a:endParaRPr>
+          </a:p>
+        </p:txBody>
+      </p:sp>
+      <p:sp>
+        <p:nvSpPr>
+          <p:cNvPr id="148" name="Google Shape;148;p22">
+            <a:extLst>
+              <a:ext uri="{FF2B5EF4-FFF2-40B4-BE49-F238E27FC236}">
+                <a16:creationId xmlns:a16="http://schemas.microsoft.com/office/drawing/2014/main" id="{190F12EF-9C46-092C-80EF-7D042E0F8DCD}"/>
+              </a:ext>
+            </a:extLst>
+          </p:cNvPr>
+          <p:cNvSpPr txBox="1">
+            <a:spLocks noGrp="1"/>
+          </p:cNvSpPr>
+          <p:nvPr>
+            <p:ph type="title"/>
+          </p:nvPr>
+        </p:nvSpPr>
+        <p:spPr>
+          <a:xfrm>
+            <a:off x="1781244" y="577144"/>
+            <a:ext cx="4692259" cy="589200"/>
+          </a:xfrm>
+          <a:prstGeom prst="rect">
+            <a:avLst/>
+          </a:prstGeom>
+          <a:noFill/>
+          <a:ln>
+            <a:noFill/>
+          </a:ln>
+        </p:spPr>
+        <p:txBody>
+          <a:bodyPr spcFirstLastPara="1" wrap="square" lIns="91425" tIns="91425" rIns="91425" bIns="91425" anchor="t" anchorCtr="0">
+            <a:noAutofit/>
+          </a:bodyPr>
+          <a:lstStyle/>
+          <a:p>
+            <a:r>
+              <a:rPr lang="en-US" sz="1800" dirty="0">
+                <a:solidFill>
+                  <a:schemeClr val="accent1"/>
+                </a:solidFill>
+                <a:latin typeface="+mn-lt"/>
+                <a:cs typeface="Assistant" pitchFamily="2" charset="-79"/>
+              </a:rPr>
+              <a:t>Project structure</a:t>
+            </a:r>
+            <a:endParaRPr sz="1390" dirty="0"/>
+          </a:p>
+          <a:p>
+            <a:pPr marL="0" lvl="0" indent="0" algn="l" rtl="0">
+              <a:spcBef>
+                <a:spcPts val="1200"/>
+              </a:spcBef>
+              <a:spcAft>
+                <a:spcPts val="0"/>
+              </a:spcAft>
+              <a:buSzPts val="990"/>
+              <a:buNone/>
+            </a:pPr>
+            <a:endParaRPr sz="2560" dirty="0">
+              <a:latin typeface="Arial"/>
+              <a:ea typeface="Arial"/>
+              <a:cs typeface="Arial"/>
+              <a:sym typeface="Arial"/>
+            </a:endParaRPr>
+          </a:p>
+        </p:txBody>
+      </p:sp>
+      <p:pic>
+        <p:nvPicPr>
+          <p:cNvPr id="2" name="Picture 1">
+            <a:extLst>
+              <a:ext uri="{FF2B5EF4-FFF2-40B4-BE49-F238E27FC236}">
+                <a16:creationId xmlns:a16="http://schemas.microsoft.com/office/drawing/2014/main" id="{38BD4261-BABA-FB5D-077D-A8D52E598437}"/>
+              </a:ext>
+            </a:extLst>
+          </p:cNvPr>
+          <p:cNvPicPr>
+            <a:picLocks noChangeAspect="1"/>
+          </p:cNvPicPr>
+          <p:nvPr/>
+        </p:nvPicPr>
+        <p:blipFill>
+          <a:blip r:embed="rId3"/>
+          <a:stretch>
+            <a:fillRect/>
+          </a:stretch>
+        </p:blipFill>
+        <p:spPr>
+          <a:xfrm>
+            <a:off x="311687" y="0"/>
+            <a:ext cx="6196988" cy="5143500"/>
+          </a:xfrm>
+          <a:prstGeom prst="rect">
+            <a:avLst/>
+          </a:prstGeom>
+        </p:spPr>
+      </p:pic>
+    </p:spTree>
+    <p:extLst>
+      <p:ext uri="{BB962C8B-B14F-4D97-AF65-F5344CB8AC3E}">
+        <p14:creationId xmlns:p14="http://schemas.microsoft.com/office/powerpoint/2010/main" val="1708582630"/>
+      </p:ext>
+    </p:extLst>
+  </p:cSld>
+  <p:clrMapOvr>
+    <a:masterClrMapping/>
+  </p:clrMapOvr>
+</p:sld>
+</file>
+
+<file path=ppt/slides/slide7.xml><?xml version="1.0" encoding="utf-8"?>
+<p:sld xmlns:a="http://schemas.openxmlformats.org/drawingml/2006/main" xmlns:r="http://schemas.openxmlformats.org/officeDocument/2006/relationships" xmlns:p="http://schemas.openxmlformats.org/presentationml/2006/main">
+  <p:cSld>
+    <p:spTree>
+      <p:nvGrpSpPr>
+        <p:cNvPr id="1" name="Shape 142">
+          <a:extLst>
+            <a:ext uri="{FF2B5EF4-FFF2-40B4-BE49-F238E27FC236}">
+              <a16:creationId xmlns:a16="http://schemas.microsoft.com/office/drawing/2014/main" id="{79118E7B-46CB-3881-CD4F-A9661D76AD78}"/>
+            </a:ext>
+          </a:extLst>
+        </p:cNvPr>
+        <p:cNvGrpSpPr/>
+        <p:nvPr/>
+      </p:nvGrpSpPr>
+      <p:grpSpPr>
+        <a:xfrm>
+          <a:off x="0" y="0"/>
+          <a:ext cx="0" cy="0"/>
+          <a:chOff x="0" y="0"/>
+          <a:chExt cx="0" cy="0"/>
+        </a:xfrm>
+      </p:grpSpPr>
+      <p:sp>
+        <p:nvSpPr>
+          <p:cNvPr id="144" name="Google Shape;144;p22">
+            <a:extLst>
+              <a:ext uri="{FF2B5EF4-FFF2-40B4-BE49-F238E27FC236}">
+                <a16:creationId xmlns:a16="http://schemas.microsoft.com/office/drawing/2014/main" id="{66A93510-5C44-27A4-F6E3-48ED4CFDFBBF}"/>
+              </a:ext>
+            </a:extLst>
+          </p:cNvPr>
+          <p:cNvSpPr txBox="1">
+            <a:spLocks noGrp="1"/>
+          </p:cNvSpPr>
+          <p:nvPr>
+            <p:ph type="sldNum" idx="12"/>
+          </p:nvPr>
+        </p:nvSpPr>
+        <p:spPr>
+          <a:xfrm>
+            <a:off x="8466613" y="4762672"/>
+            <a:ext cx="365700" cy="274200"/>
+          </a:xfrm>
+          <a:prstGeom prst="rect">
+            <a:avLst/>
+          </a:prstGeom>
+          <a:noFill/>
+          <a:ln>
+            <a:noFill/>
+          </a:ln>
+        </p:spPr>
+        <p:txBody>
+          <a:bodyPr spcFirstLastPara="1" wrap="square" lIns="91425" tIns="91425" rIns="91425" bIns="91425" anchor="ctr" anchorCtr="0">
+            <a:normAutofit fontScale="92500" lnSpcReduction="20000"/>
+          </a:bodyPr>
+          <a:lstStyle/>
+          <a:p>
+            <a:pPr marL="0" lvl="0" indent="0" algn="r" rtl="0">
+              <a:lnSpc>
+                <a:spcPct val="100000"/>
+              </a:lnSpc>
+              <a:spcBef>
+                <a:spcPts val="0"/>
+              </a:spcBef>
+              <a:spcAft>
+                <a:spcPts val="0"/>
+              </a:spcAft>
+              <a:buSzPct val="100000"/>
+              <a:buNone/>
+            </a:pPr>
+            <a:fld id="{00000000-1234-1234-1234-123412341234}" type="slidenum">
+              <a:rPr lang="en"/>
+              <a:t>7</a:t>
+            </a:fld>
+            <a:endParaRPr/>
+          </a:p>
+        </p:txBody>
+      </p:sp>
+      <p:sp>
+        <p:nvSpPr>
+          <p:cNvPr id="148" name="Google Shape;148;p22">
+            <a:extLst>
+              <a:ext uri="{FF2B5EF4-FFF2-40B4-BE49-F238E27FC236}">
+                <a16:creationId xmlns:a16="http://schemas.microsoft.com/office/drawing/2014/main" id="{0D0F1105-A5F1-F4F6-A79F-EACBA8286BA2}"/>
+              </a:ext>
+            </a:extLst>
+          </p:cNvPr>
+          <p:cNvSpPr txBox="1">
+            <a:spLocks noGrp="1"/>
+          </p:cNvSpPr>
+          <p:nvPr>
+            <p:ph type="title"/>
+          </p:nvPr>
+        </p:nvSpPr>
+        <p:spPr>
+          <a:xfrm>
+            <a:off x="1781244" y="577144"/>
+            <a:ext cx="4692259" cy="589200"/>
+          </a:xfrm>
+          <a:prstGeom prst="rect">
+            <a:avLst/>
+          </a:prstGeom>
+          <a:noFill/>
+          <a:ln>
+            <a:noFill/>
+          </a:ln>
+        </p:spPr>
+        <p:txBody>
+          <a:bodyPr spcFirstLastPara="1" wrap="square" lIns="91425" tIns="91425" rIns="91425" bIns="91425" anchor="t" anchorCtr="0">
+            <a:noAutofit/>
+          </a:bodyPr>
+          <a:lstStyle/>
+          <a:p>
+            <a:r>
+              <a:rPr lang="en-US" sz="1800" dirty="0">
+                <a:solidFill>
+                  <a:schemeClr val="accent1"/>
+                </a:solidFill>
+                <a:latin typeface="+mn-lt"/>
+                <a:cs typeface="Assistant" pitchFamily="2" charset="-79"/>
+              </a:rPr>
+              <a:t>Project structure</a:t>
+            </a:r>
+            <a:endParaRPr sz="1390" dirty="0"/>
+          </a:p>
+          <a:p>
+            <a:pPr marL="0" lvl="0" indent="0" algn="l" rtl="0">
+              <a:spcBef>
+                <a:spcPts val="1200"/>
+              </a:spcBef>
+              <a:spcAft>
+                <a:spcPts val="0"/>
+              </a:spcAft>
+              <a:buSzPts val="990"/>
+              <a:buNone/>
+            </a:pPr>
+            <a:endParaRPr sz="2560" dirty="0">
+              <a:latin typeface="Arial"/>
+              <a:ea typeface="Arial"/>
+              <a:cs typeface="Arial"/>
+              <a:sym typeface="Arial"/>
+            </a:endParaRPr>
+          </a:p>
+        </p:txBody>
+      </p:sp>
+      <p:pic>
+        <p:nvPicPr>
+          <p:cNvPr id="2" name="Picture 1">
+            <a:extLst>
+              <a:ext uri="{FF2B5EF4-FFF2-40B4-BE49-F238E27FC236}">
+                <a16:creationId xmlns:a16="http://schemas.microsoft.com/office/drawing/2014/main" id="{9760968D-F60A-75AA-CF9D-6385AA925D13}"/>
+              </a:ext>
+            </a:extLst>
+          </p:cNvPr>
+          <p:cNvPicPr>
+            <a:picLocks noChangeAspect="1"/>
+          </p:cNvPicPr>
+          <p:nvPr/>
+        </p:nvPicPr>
+        <p:blipFill>
+          <a:blip r:embed="rId3"/>
+          <a:stretch>
+            <a:fillRect/>
+          </a:stretch>
+        </p:blipFill>
+        <p:spPr>
+          <a:xfrm>
+            <a:off x="321851" y="375862"/>
+            <a:ext cx="6523661" cy="4190493"/>
+          </a:xfrm>
+          <a:prstGeom prst="rect">
+            <a:avLst/>
+          </a:prstGeom>
+        </p:spPr>
+      </p:pic>
+    </p:spTree>
+    <p:extLst>
+      <p:ext uri="{BB962C8B-B14F-4D97-AF65-F5344CB8AC3E}">
+        <p14:creationId xmlns:p14="http://schemas.microsoft.com/office/powerpoint/2010/main" val="3606643257"/>
+      </p:ext>
+    </p:extLst>
+  </p:cSld>
+  <p:clrMapOvr>
+    <a:masterClrMapping/>
+  </p:clrMapOvr>
+</p:sld>
+</file>
+
+<file path=ppt/slides/slide8.xml><?xml version="1.0" encoding="utf-8"?>
+<p:sld xmlns:a="http://schemas.openxmlformats.org/drawingml/2006/main" xmlns:r="http://schemas.openxmlformats.org/officeDocument/2006/relationships" xmlns:p="http://schemas.openxmlformats.org/presentationml/2006/main">
+  <p:cSld>
+    <p:spTree>
+      <p:nvGrpSpPr>
+        <p:cNvPr id="1" name="Shape 142">
+          <a:extLst>
+            <a:ext uri="{FF2B5EF4-FFF2-40B4-BE49-F238E27FC236}">
+              <a16:creationId xmlns:a16="http://schemas.microsoft.com/office/drawing/2014/main" id="{F7C99E0B-9B91-042C-7E9A-D5C275087533}"/>
+            </a:ext>
+          </a:extLst>
+        </p:cNvPr>
+        <p:cNvGrpSpPr/>
+        <p:nvPr/>
+      </p:nvGrpSpPr>
+      <p:grpSpPr>
+        <a:xfrm>
+          <a:off x="0" y="0"/>
+          <a:ext cx="0" cy="0"/>
+          <a:chOff x="0" y="0"/>
+          <a:chExt cx="0" cy="0"/>
+        </a:xfrm>
+      </p:grpSpPr>
+      <p:sp>
+        <p:nvSpPr>
+          <p:cNvPr id="144" name="Google Shape;144;p22">
+            <a:extLst>
+              <a:ext uri="{FF2B5EF4-FFF2-40B4-BE49-F238E27FC236}">
+                <a16:creationId xmlns:a16="http://schemas.microsoft.com/office/drawing/2014/main" id="{4DBAF970-E503-12E2-414D-3C848C797B67}"/>
+              </a:ext>
+            </a:extLst>
+          </p:cNvPr>
+          <p:cNvSpPr txBox="1">
+            <a:spLocks noGrp="1"/>
+          </p:cNvSpPr>
+          <p:nvPr>
+            <p:ph type="sldNum" idx="12"/>
+          </p:nvPr>
+        </p:nvSpPr>
+        <p:spPr>
+          <a:xfrm>
+            <a:off x="8466613" y="4762672"/>
+            <a:ext cx="365700" cy="274200"/>
+          </a:xfrm>
+          <a:prstGeom prst="rect">
+            <a:avLst/>
+          </a:prstGeom>
+          <a:noFill/>
+          <a:ln>
+            <a:noFill/>
+          </a:ln>
+        </p:spPr>
+        <p:txBody>
+          <a:bodyPr spcFirstLastPara="1" wrap="square" lIns="91425" tIns="91425" rIns="91425" bIns="91425" anchor="ctr" anchorCtr="0">
+            <a:normAutofit fontScale="92500" lnSpcReduction="20000"/>
+          </a:bodyPr>
+          <a:lstStyle/>
+          <a:p>
+            <a:pPr marL="0" lvl="0" indent="0" algn="r" rtl="0">
+              <a:lnSpc>
+                <a:spcPct val="100000"/>
+              </a:lnSpc>
+              <a:spcBef>
+                <a:spcPts val="0"/>
+              </a:spcBef>
+              <a:spcAft>
+                <a:spcPts val="0"/>
+              </a:spcAft>
+              <a:buSzPct val="100000"/>
+              <a:buNone/>
+            </a:pPr>
+            <a:fld id="{00000000-1234-1234-1234-123412341234}" type="slidenum">
+              <a:rPr lang="en"/>
+              <a:t>8</a:t>
+            </a:fld>
+            <a:endParaRPr/>
+          </a:p>
+        </p:txBody>
+      </p:sp>
+      <p:pic>
+        <p:nvPicPr>
+          <p:cNvPr id="2" name="Picture 1">
+            <a:extLst>
+              <a:ext uri="{FF2B5EF4-FFF2-40B4-BE49-F238E27FC236}">
+                <a16:creationId xmlns:a16="http://schemas.microsoft.com/office/drawing/2014/main" id="{3187DABF-78B1-F378-CB5C-D853425B188F}"/>
+              </a:ext>
+            </a:extLst>
+          </p:cNvPr>
+          <p:cNvPicPr>
+            <a:picLocks noChangeAspect="1"/>
+          </p:cNvPicPr>
+          <p:nvPr/>
+        </p:nvPicPr>
+        <p:blipFill>
+          <a:blip r:embed="rId3"/>
+          <a:stretch>
+            <a:fillRect/>
+          </a:stretch>
+        </p:blipFill>
+        <p:spPr>
+          <a:xfrm>
+            <a:off x="367514" y="348963"/>
+            <a:ext cx="5386013" cy="4277587"/>
+          </a:xfrm>
+          <a:prstGeom prst="rect">
+            <a:avLst/>
+          </a:prstGeom>
+        </p:spPr>
+      </p:pic>
+    </p:spTree>
+    <p:extLst>
+      <p:ext uri="{BB962C8B-B14F-4D97-AF65-F5344CB8AC3E}">
+        <p14:creationId xmlns:p14="http://schemas.microsoft.com/office/powerpoint/2010/main" val="2903398693"/>
+      </p:ext>
+    </p:extLst>
+  </p:cSld>
+  <p:clrMapOvr>
+    <a:masterClrMapping/>
+  </p:clrMapOvr>
+</p:sld>
+</file>
+
+<file path=ppt/slides/slide9.xml><?xml version="1.0" encoding="utf-8"?>
+<p:sld xmlns:a="http://schemas.openxmlformats.org/drawingml/2006/main" xmlns:r="http://schemas.openxmlformats.org/officeDocument/2006/relationships" xmlns:p="http://schemas.openxmlformats.org/presentationml/2006/main">
+  <p:cSld>
+    <p:spTree>
+      <p:nvGrpSpPr>
+        <p:cNvPr id="1" name="Shape 142">
+          <a:extLst>
+            <a:ext uri="{FF2B5EF4-FFF2-40B4-BE49-F238E27FC236}">
               <a16:creationId xmlns:a16="http://schemas.microsoft.com/office/drawing/2014/main" id="{698AE390-DF3E-BD1E-03AD-B7793A840079}"/>
             </a:ext>
           </a:extLst>
@@ -6487,7 +9050,7 @@
             </a:pPr>
             <a:fld id="{00000000-1234-1234-1234-123412341234}" type="slidenum">
               <a:rPr lang="en"/>
-              <a:t>4</a:t>
+              <a:t>9</a:t>
             </a:fld>
             <a:endParaRPr/>
           </a:p>
@@ -6679,1044 +9242,6 @@
         <p14:creationId xmlns:p14="http://schemas.microsoft.com/office/powerpoint/2010/main" val="4163687382"/>
       </p:ext>
     </p:extLst>
-  </p:cSld>
-  <p:clrMapOvr>
-    <a:masterClrMapping/>
-  </p:clrMapOvr>
-</p:sld>
-</file>
-
-<file path=ppt/slides/slide5.xml><?xml version="1.0" encoding="utf-8"?>
-<p:sld xmlns:a="http://schemas.openxmlformats.org/drawingml/2006/main" xmlns:r="http://schemas.openxmlformats.org/officeDocument/2006/relationships" xmlns:p="http://schemas.openxmlformats.org/presentationml/2006/main">
-  <p:cSld>
-    <p:spTree>
-      <p:nvGrpSpPr>
-        <p:cNvPr id="1" name="Shape 142">
-          <a:extLst>
-            <a:ext uri="{FF2B5EF4-FFF2-40B4-BE49-F238E27FC236}">
-              <a16:creationId xmlns:a16="http://schemas.microsoft.com/office/drawing/2014/main" id="{A6C1ECF0-A37B-5513-EE3F-5213A70E7CCB}"/>
-            </a:ext>
-          </a:extLst>
-        </p:cNvPr>
-        <p:cNvGrpSpPr/>
-        <p:nvPr/>
-      </p:nvGrpSpPr>
-      <p:grpSpPr>
-        <a:xfrm>
-          <a:off x="0" y="0"/>
-          <a:ext cx="0" cy="0"/>
-          <a:chOff x="0" y="0"/>
-          <a:chExt cx="0" cy="0"/>
-        </a:xfrm>
-      </p:grpSpPr>
-      <p:sp>
-        <p:nvSpPr>
-          <p:cNvPr id="144" name="Google Shape;144;p22">
-            <a:extLst>
-              <a:ext uri="{FF2B5EF4-FFF2-40B4-BE49-F238E27FC236}">
-                <a16:creationId xmlns:a16="http://schemas.microsoft.com/office/drawing/2014/main" id="{C6CB3D83-617F-8F69-D801-C1EF96DF61B7}"/>
-              </a:ext>
-            </a:extLst>
-          </p:cNvPr>
-          <p:cNvSpPr txBox="1">
-            <a:spLocks noGrp="1"/>
-          </p:cNvSpPr>
-          <p:nvPr>
-            <p:ph type="sldNum" idx="12"/>
-          </p:nvPr>
-        </p:nvSpPr>
-        <p:spPr>
-          <a:xfrm>
-            <a:off x="8466613" y="4762672"/>
-            <a:ext cx="365700" cy="274200"/>
-          </a:xfrm>
-          <a:prstGeom prst="rect">
-            <a:avLst/>
-          </a:prstGeom>
-          <a:noFill/>
-          <a:ln>
-            <a:noFill/>
-          </a:ln>
-        </p:spPr>
-        <p:txBody>
-          <a:bodyPr spcFirstLastPara="1" wrap="square" lIns="91425" tIns="91425" rIns="91425" bIns="91425" anchor="ctr" anchorCtr="0">
-            <a:normAutofit fontScale="92500" lnSpcReduction="20000"/>
-          </a:bodyPr>
-          <a:lstStyle/>
-          <a:p>
-            <a:pPr marL="0" lvl="0" indent="0" algn="r" rtl="0">
-              <a:lnSpc>
-                <a:spcPct val="100000"/>
-              </a:lnSpc>
-              <a:spcBef>
-                <a:spcPts val="0"/>
-              </a:spcBef>
-              <a:spcAft>
-                <a:spcPts val="0"/>
-              </a:spcAft>
-              <a:buSzPct val="100000"/>
-              <a:buNone/>
-            </a:pPr>
-            <a:fld id="{00000000-1234-1234-1234-123412341234}" type="slidenum">
-              <a:rPr lang="en"/>
-              <a:t>5</a:t>
-            </a:fld>
-            <a:endParaRPr/>
-          </a:p>
-        </p:txBody>
-      </p:sp>
-      <p:sp>
-        <p:nvSpPr>
-          <p:cNvPr id="147" name="Google Shape;147;p22">
-            <a:extLst>
-              <a:ext uri="{FF2B5EF4-FFF2-40B4-BE49-F238E27FC236}">
-                <a16:creationId xmlns:a16="http://schemas.microsoft.com/office/drawing/2014/main" id="{077EBC09-7448-454B-9208-D7761319F832}"/>
-              </a:ext>
-            </a:extLst>
-          </p:cNvPr>
-          <p:cNvSpPr txBox="1"/>
-          <p:nvPr/>
-        </p:nvSpPr>
-        <p:spPr>
-          <a:xfrm>
-            <a:off x="5623175" y="1734175"/>
-            <a:ext cx="3003600" cy="1394700"/>
-          </a:xfrm>
-          <a:prstGeom prst="rect">
-            <a:avLst/>
-          </a:prstGeom>
-          <a:noFill/>
-          <a:ln>
-            <a:noFill/>
-          </a:ln>
-          <a:effectLst>
-            <a:reflection dist="38100" dir="5400000" fadeDir="5400012" sy="-100000" algn="bl" rotWithShape="0"/>
-          </a:effectLst>
-        </p:spPr>
-        <p:txBody>
-          <a:bodyPr spcFirstLastPara="1" wrap="square" lIns="91425" tIns="91425" rIns="91425" bIns="91425" anchor="t" anchorCtr="0">
-            <a:noAutofit/>
-          </a:bodyPr>
-          <a:lstStyle/>
-          <a:p>
-            <a:pPr marL="0" lvl="0" indent="0" algn="l" rtl="0">
-              <a:spcBef>
-                <a:spcPts val="0"/>
-              </a:spcBef>
-              <a:spcAft>
-                <a:spcPts val="0"/>
-              </a:spcAft>
-              <a:buNone/>
-            </a:pPr>
-            <a:endParaRPr sz="1800">
-              <a:solidFill>
-                <a:schemeClr val="dk1"/>
-              </a:solidFill>
-              <a:latin typeface="Assistant"/>
-              <a:ea typeface="Assistant"/>
-              <a:cs typeface="Assistant"/>
-              <a:sym typeface="Assistant"/>
-            </a:endParaRPr>
-          </a:p>
-        </p:txBody>
-      </p:sp>
-      <p:sp>
-        <p:nvSpPr>
-          <p:cNvPr id="148" name="Google Shape;148;p22">
-            <a:extLst>
-              <a:ext uri="{FF2B5EF4-FFF2-40B4-BE49-F238E27FC236}">
-                <a16:creationId xmlns:a16="http://schemas.microsoft.com/office/drawing/2014/main" id="{9E996814-FBD8-32A7-7AB9-E22AC38B7468}"/>
-              </a:ext>
-            </a:extLst>
-          </p:cNvPr>
-          <p:cNvSpPr txBox="1">
-            <a:spLocks noGrp="1"/>
-          </p:cNvSpPr>
-          <p:nvPr>
-            <p:ph type="title"/>
-          </p:nvPr>
-        </p:nvSpPr>
-        <p:spPr>
-          <a:xfrm>
-            <a:off x="2015595" y="552518"/>
-            <a:ext cx="4692259" cy="589200"/>
-          </a:xfrm>
-          <a:prstGeom prst="rect">
-            <a:avLst/>
-          </a:prstGeom>
-          <a:noFill/>
-          <a:ln>
-            <a:noFill/>
-          </a:ln>
-        </p:spPr>
-        <p:txBody>
-          <a:bodyPr spcFirstLastPara="1" wrap="square" lIns="91425" tIns="91425" rIns="91425" bIns="91425" anchor="t" anchorCtr="0">
-            <a:noAutofit/>
-          </a:bodyPr>
-          <a:lstStyle/>
-          <a:p>
-            <a:r>
-              <a:rPr lang="en-GB" sz="1800" b="1" dirty="0">
-                <a:solidFill>
-                  <a:schemeClr val="accent1"/>
-                </a:solidFill>
-                <a:effectLst/>
-                <a:latin typeface="Assistant" pitchFamily="2" charset="-79"/>
-                <a:cs typeface="Assistant" pitchFamily="2" charset="-79"/>
-              </a:rPr>
-              <a:t>Difficulties and roadblocks</a:t>
-            </a:r>
-            <a:endParaRPr lang="en-GB" sz="1800" dirty="0">
-              <a:solidFill>
-                <a:schemeClr val="accent1"/>
-              </a:solidFill>
-            </a:endParaRPr>
-          </a:p>
-          <a:p>
-            <a:pPr marL="0" lvl="0" indent="0" algn="l" rtl="0">
-              <a:spcBef>
-                <a:spcPts val="1200"/>
-              </a:spcBef>
-              <a:spcAft>
-                <a:spcPts val="0"/>
-              </a:spcAft>
-              <a:buSzPts val="990"/>
-              <a:buNone/>
-            </a:pPr>
-            <a:endParaRPr lang="en-GB" sz="2560" dirty="0">
-              <a:latin typeface="Arial"/>
-              <a:ea typeface="Arial"/>
-              <a:cs typeface="Arial"/>
-              <a:sym typeface="Arial"/>
-            </a:endParaRPr>
-          </a:p>
-        </p:txBody>
-      </p:sp>
-      <p:sp>
-        <p:nvSpPr>
-          <p:cNvPr id="149" name="Google Shape;149;p22">
-            <a:extLst>
-              <a:ext uri="{FF2B5EF4-FFF2-40B4-BE49-F238E27FC236}">
-                <a16:creationId xmlns:a16="http://schemas.microsoft.com/office/drawing/2014/main" id="{D00C1BDB-C392-F469-40E5-3C1F94F2772E}"/>
-              </a:ext>
-            </a:extLst>
-          </p:cNvPr>
-          <p:cNvSpPr txBox="1"/>
-          <p:nvPr/>
-        </p:nvSpPr>
-        <p:spPr>
-          <a:xfrm>
-            <a:off x="517372" y="1289635"/>
-            <a:ext cx="7689000" cy="2400627"/>
-          </a:xfrm>
-          <a:prstGeom prst="rect">
-            <a:avLst/>
-          </a:prstGeom>
-          <a:noFill/>
-          <a:ln>
-            <a:noFill/>
-          </a:ln>
-        </p:spPr>
-        <p:txBody>
-          <a:bodyPr spcFirstLastPara="1" wrap="square" lIns="91425" tIns="91425" rIns="91425" bIns="91425" anchor="t" anchorCtr="0">
-            <a:spAutoFit/>
-          </a:bodyPr>
-          <a:lstStyle/>
-          <a:p>
-            <a:pPr marL="285750" lvl="1" indent="-285750">
-              <a:buFont typeface="Arial" panose="020B0604020202020204" pitchFamily="34" charset="0"/>
-              <a:buChar char="•"/>
-            </a:pPr>
-            <a:r>
-              <a:rPr lang="en-GB" sz="1600" dirty="0"/>
-              <a:t>Dataset was mostly clean → needed to justify preprocessing steps carefully.</a:t>
-            </a:r>
-          </a:p>
-          <a:p>
-            <a:pPr marL="285750" lvl="1" indent="-285750">
-              <a:buFont typeface="Arial" panose="020B0604020202020204" pitchFamily="34" charset="0"/>
-              <a:buChar char="•"/>
-            </a:pPr>
-            <a:endParaRPr lang="en-GB" sz="1600" dirty="0"/>
-          </a:p>
-          <a:p>
-            <a:pPr marL="285750" indent="-285750">
-              <a:buFont typeface="Arial" panose="020B0604020202020204" pitchFamily="34" charset="0"/>
-              <a:buChar char="•"/>
-            </a:pPr>
-            <a:r>
-              <a:rPr lang="en-GB" sz="1600" dirty="0"/>
-              <a:t>Categorical features had potential order ambiguity → resolved using ordinal encoding for </a:t>
-            </a:r>
-            <a:r>
-              <a:rPr lang="en-GB" sz="1600" dirty="0" err="1"/>
-              <a:t>Education_Level</a:t>
-            </a:r>
-            <a:r>
-              <a:rPr lang="en-GB" sz="1600" dirty="0"/>
-              <a:t> and </a:t>
-            </a:r>
-            <a:r>
-              <a:rPr lang="en-GB" sz="1600" dirty="0" err="1"/>
-              <a:t>Income_Category</a:t>
-            </a:r>
-            <a:r>
-              <a:rPr lang="en-GB" sz="1600" dirty="0"/>
-              <a:t>.</a:t>
-            </a:r>
-          </a:p>
-          <a:p>
-            <a:pPr marL="285750" indent="-285750">
-              <a:buFont typeface="Arial" panose="020B0604020202020204" pitchFamily="34" charset="0"/>
-              <a:buChar char="•"/>
-            </a:pPr>
-            <a:endParaRPr lang="en-GB" sz="1600" dirty="0"/>
-          </a:p>
-          <a:p>
-            <a:pPr marL="285750" indent="-285750">
-              <a:buFont typeface="Arial" panose="020B0604020202020204" pitchFamily="34" charset="0"/>
-              <a:buChar char="•"/>
-            </a:pPr>
-            <a:r>
-              <a:rPr lang="en-GB" sz="1600" dirty="0"/>
-              <a:t>Class imbalance (~16% churn) → noted in limitations, suggested stratified sampling and evaluation metrics like ROC-AUC.</a:t>
-            </a:r>
-          </a:p>
-          <a:p>
-            <a:pPr marL="285750" indent="-285750">
-              <a:buFont typeface="Arial" panose="020B0604020202020204" pitchFamily="34" charset="0"/>
-              <a:buChar char="•"/>
-            </a:pPr>
-            <a:endParaRPr lang="en-GB" sz="1600" dirty="0"/>
-          </a:p>
-          <a:p>
-            <a:pPr marL="285750" indent="-285750">
-              <a:buFont typeface="Arial" panose="020B0604020202020204" pitchFamily="34" charset="0"/>
-              <a:buChar char="•"/>
-            </a:pPr>
-            <a:r>
-              <a:rPr lang="en-GB" sz="1600" dirty="0"/>
-              <a:t>Addressed each challenge with methodical, well-documented steps.</a:t>
-            </a:r>
-          </a:p>
-        </p:txBody>
-      </p:sp>
-      <p:pic>
-        <p:nvPicPr>
-          <p:cNvPr id="2" name="Google Shape;340;p31">
-            <a:extLst>
-              <a:ext uri="{FF2B5EF4-FFF2-40B4-BE49-F238E27FC236}">
-                <a16:creationId xmlns:a16="http://schemas.microsoft.com/office/drawing/2014/main" id="{4E61053A-00E9-8118-EE7E-081D4B13C91C}"/>
-              </a:ext>
-            </a:extLst>
-          </p:cNvPr>
-          <p:cNvPicPr preferRelativeResize="0"/>
-          <p:nvPr/>
-        </p:nvPicPr>
-        <p:blipFill>
-          <a:blip r:embed="rId3">
-            <a:alphaModFix/>
-          </a:blip>
-          <a:stretch>
-            <a:fillRect/>
-          </a:stretch>
-        </p:blipFill>
-        <p:spPr>
-          <a:xfrm>
-            <a:off x="7543320" y="3648782"/>
-            <a:ext cx="1083308" cy="972040"/>
-          </a:xfrm>
-          <a:prstGeom prst="rect">
-            <a:avLst/>
-          </a:prstGeom>
-          <a:noFill/>
-          <a:ln>
-            <a:noFill/>
-          </a:ln>
-        </p:spPr>
-      </p:pic>
-    </p:spTree>
-    <p:extLst>
-      <p:ext uri="{BB962C8B-B14F-4D97-AF65-F5344CB8AC3E}">
-        <p14:creationId xmlns:p14="http://schemas.microsoft.com/office/powerpoint/2010/main" val="2911134827"/>
-      </p:ext>
-    </p:extLst>
-  </p:cSld>
-  <p:clrMapOvr>
-    <a:masterClrMapping/>
-  </p:clrMapOvr>
-</p:sld>
-</file>
-
-<file path=ppt/slides/slide6.xml><?xml version="1.0" encoding="utf-8"?>
-<p:sld xmlns:a="http://schemas.openxmlformats.org/drawingml/2006/main" xmlns:r="http://schemas.openxmlformats.org/officeDocument/2006/relationships" xmlns:p="http://schemas.openxmlformats.org/presentationml/2006/main">
-  <p:cSld>
-    <p:spTree>
-      <p:nvGrpSpPr>
-        <p:cNvPr id="1" name="Shape 142">
-          <a:extLst>
-            <a:ext uri="{FF2B5EF4-FFF2-40B4-BE49-F238E27FC236}">
-              <a16:creationId xmlns:a16="http://schemas.microsoft.com/office/drawing/2014/main" id="{DA527363-3B3D-3DDA-32A4-70AB8AADF1D6}"/>
-            </a:ext>
-          </a:extLst>
-        </p:cNvPr>
-        <p:cNvGrpSpPr/>
-        <p:nvPr/>
-      </p:nvGrpSpPr>
-      <p:grpSpPr>
-        <a:xfrm>
-          <a:off x="0" y="0"/>
-          <a:ext cx="0" cy="0"/>
-          <a:chOff x="0" y="0"/>
-          <a:chExt cx="0" cy="0"/>
-        </a:xfrm>
-      </p:grpSpPr>
-      <p:sp>
-        <p:nvSpPr>
-          <p:cNvPr id="144" name="Google Shape;144;p22">
-            <a:extLst>
-              <a:ext uri="{FF2B5EF4-FFF2-40B4-BE49-F238E27FC236}">
-                <a16:creationId xmlns:a16="http://schemas.microsoft.com/office/drawing/2014/main" id="{D6345F0B-9F91-20B9-D6D1-C50CAFA4098C}"/>
-              </a:ext>
-            </a:extLst>
-          </p:cNvPr>
-          <p:cNvSpPr txBox="1">
-            <a:spLocks noGrp="1"/>
-          </p:cNvSpPr>
-          <p:nvPr>
-            <p:ph type="sldNum" idx="12"/>
-          </p:nvPr>
-        </p:nvSpPr>
-        <p:spPr>
-          <a:xfrm>
-            <a:off x="8466613" y="4762672"/>
-            <a:ext cx="365700" cy="274200"/>
-          </a:xfrm>
-          <a:prstGeom prst="rect">
-            <a:avLst/>
-          </a:prstGeom>
-          <a:noFill/>
-          <a:ln>
-            <a:noFill/>
-          </a:ln>
-        </p:spPr>
-        <p:txBody>
-          <a:bodyPr spcFirstLastPara="1" wrap="square" lIns="91425" tIns="91425" rIns="91425" bIns="91425" anchor="ctr" anchorCtr="0">
-            <a:normAutofit fontScale="92500" lnSpcReduction="20000"/>
-          </a:bodyPr>
-          <a:lstStyle/>
-          <a:p>
-            <a:pPr marL="0" lvl="0" indent="0" algn="r" rtl="0">
-              <a:lnSpc>
-                <a:spcPct val="100000"/>
-              </a:lnSpc>
-              <a:spcBef>
-                <a:spcPts val="0"/>
-              </a:spcBef>
-              <a:spcAft>
-                <a:spcPts val="0"/>
-              </a:spcAft>
-              <a:buSzPct val="100000"/>
-              <a:buNone/>
-            </a:pPr>
-            <a:fld id="{00000000-1234-1234-1234-123412341234}" type="slidenum">
-              <a:rPr lang="en"/>
-              <a:t>6</a:t>
-            </a:fld>
-            <a:endParaRPr/>
-          </a:p>
-        </p:txBody>
-      </p:sp>
-      <p:sp>
-        <p:nvSpPr>
-          <p:cNvPr id="146" name="Google Shape;146;p22">
-            <a:extLst>
-              <a:ext uri="{FF2B5EF4-FFF2-40B4-BE49-F238E27FC236}">
-                <a16:creationId xmlns:a16="http://schemas.microsoft.com/office/drawing/2014/main" id="{BC956100-D120-6E5A-F315-1A9E639F8DE4}"/>
-              </a:ext>
-            </a:extLst>
-          </p:cNvPr>
-          <p:cNvSpPr txBox="1"/>
-          <p:nvPr/>
-        </p:nvSpPr>
-        <p:spPr>
-          <a:xfrm>
-            <a:off x="1084875" y="3356675"/>
-            <a:ext cx="5822400" cy="738000"/>
-          </a:xfrm>
-          <a:prstGeom prst="rect">
-            <a:avLst/>
-          </a:prstGeom>
-          <a:noFill/>
-          <a:ln>
-            <a:noFill/>
-          </a:ln>
-        </p:spPr>
-        <p:txBody>
-          <a:bodyPr spcFirstLastPara="1" wrap="square" lIns="91425" tIns="91425" rIns="91425" bIns="91425" anchor="t" anchorCtr="0">
-            <a:spAutoFit/>
-          </a:bodyPr>
-          <a:lstStyle/>
-          <a:p>
-            <a:pPr marL="0" lvl="0" indent="0" algn="l" rtl="0">
-              <a:lnSpc>
-                <a:spcPct val="115000"/>
-              </a:lnSpc>
-              <a:spcBef>
-                <a:spcPts val="1400"/>
-              </a:spcBef>
-              <a:spcAft>
-                <a:spcPts val="0"/>
-              </a:spcAft>
-              <a:buNone/>
-            </a:pPr>
-            <a:endParaRPr sz="1300" b="1">
-              <a:solidFill>
-                <a:schemeClr val="dk1"/>
-              </a:solidFill>
-            </a:endParaRPr>
-          </a:p>
-          <a:p>
-            <a:pPr marL="0" lvl="0" indent="0" algn="l" rtl="0">
-              <a:lnSpc>
-                <a:spcPct val="115000"/>
-              </a:lnSpc>
-              <a:spcBef>
-                <a:spcPts val="1200"/>
-              </a:spcBef>
-              <a:spcAft>
-                <a:spcPts val="1200"/>
-              </a:spcAft>
-              <a:buNone/>
-            </a:pPr>
-            <a:endParaRPr sz="1100">
-              <a:solidFill>
-                <a:schemeClr val="dk1"/>
-              </a:solidFill>
-            </a:endParaRPr>
-          </a:p>
-        </p:txBody>
-      </p:sp>
-      <p:sp>
-        <p:nvSpPr>
-          <p:cNvPr id="147" name="Google Shape;147;p22">
-            <a:extLst>
-              <a:ext uri="{FF2B5EF4-FFF2-40B4-BE49-F238E27FC236}">
-                <a16:creationId xmlns:a16="http://schemas.microsoft.com/office/drawing/2014/main" id="{98B9F25F-8F78-70E2-7ACE-AA1DC388FFF2}"/>
-              </a:ext>
-            </a:extLst>
-          </p:cNvPr>
-          <p:cNvSpPr txBox="1"/>
-          <p:nvPr/>
-        </p:nvSpPr>
-        <p:spPr>
-          <a:xfrm>
-            <a:off x="5623175" y="1734175"/>
-            <a:ext cx="3003600" cy="1394700"/>
-          </a:xfrm>
-          <a:prstGeom prst="rect">
-            <a:avLst/>
-          </a:prstGeom>
-          <a:noFill/>
-          <a:ln>
-            <a:noFill/>
-          </a:ln>
-          <a:effectLst>
-            <a:reflection dist="38100" dir="5400000" fadeDir="5400012" sy="-100000" algn="bl" rotWithShape="0"/>
-          </a:effectLst>
-        </p:spPr>
-        <p:txBody>
-          <a:bodyPr spcFirstLastPara="1" wrap="square" lIns="91425" tIns="91425" rIns="91425" bIns="91425" anchor="t" anchorCtr="0">
-            <a:noAutofit/>
-          </a:bodyPr>
-          <a:lstStyle/>
-          <a:p>
-            <a:pPr marL="0" lvl="0" indent="0" algn="l" rtl="0">
-              <a:spcBef>
-                <a:spcPts val="0"/>
-              </a:spcBef>
-              <a:spcAft>
-                <a:spcPts val="0"/>
-              </a:spcAft>
-              <a:buNone/>
-            </a:pPr>
-            <a:endParaRPr sz="1800">
-              <a:solidFill>
-                <a:schemeClr val="dk1"/>
-              </a:solidFill>
-              <a:latin typeface="Assistant"/>
-              <a:ea typeface="Assistant"/>
-              <a:cs typeface="Assistant"/>
-              <a:sym typeface="Assistant"/>
-            </a:endParaRPr>
-          </a:p>
-        </p:txBody>
-      </p:sp>
-      <p:sp>
-        <p:nvSpPr>
-          <p:cNvPr id="148" name="Google Shape;148;p22">
-            <a:extLst>
-              <a:ext uri="{FF2B5EF4-FFF2-40B4-BE49-F238E27FC236}">
-                <a16:creationId xmlns:a16="http://schemas.microsoft.com/office/drawing/2014/main" id="{0E3A5CC5-1DD4-6521-3903-2BDA37CE523D}"/>
-              </a:ext>
-            </a:extLst>
-          </p:cNvPr>
-          <p:cNvSpPr txBox="1">
-            <a:spLocks noGrp="1"/>
-          </p:cNvSpPr>
-          <p:nvPr>
-            <p:ph type="title"/>
-          </p:nvPr>
-        </p:nvSpPr>
-        <p:spPr>
-          <a:xfrm>
-            <a:off x="2005633" y="548275"/>
-            <a:ext cx="4692259" cy="589200"/>
-          </a:xfrm>
-          <a:prstGeom prst="rect">
-            <a:avLst/>
-          </a:prstGeom>
-          <a:noFill/>
-          <a:ln>
-            <a:noFill/>
-          </a:ln>
-        </p:spPr>
-        <p:txBody>
-          <a:bodyPr spcFirstLastPara="1" wrap="square" lIns="91425" tIns="91425" rIns="91425" bIns="91425" anchor="t" anchorCtr="0">
-            <a:noAutofit/>
-          </a:bodyPr>
-          <a:lstStyle/>
-          <a:p>
-            <a:r>
-              <a:rPr lang="en-GB" sz="1800" b="1" dirty="0">
-                <a:solidFill>
-                  <a:schemeClr val="accent1"/>
-                </a:solidFill>
-                <a:effectLst/>
-                <a:latin typeface="Assistant" pitchFamily="2" charset="-79"/>
-                <a:cs typeface="Assistant" pitchFamily="2" charset="-79"/>
-              </a:rPr>
-              <a:t>Conclusions</a:t>
-            </a:r>
-            <a:endParaRPr lang="en-GB" sz="1390" dirty="0">
-              <a:solidFill>
-                <a:schemeClr val="accent1"/>
-              </a:solidFill>
-            </a:endParaRPr>
-          </a:p>
-          <a:p>
-            <a:pPr marL="0" lvl="0" indent="0" algn="l" rtl="0">
-              <a:spcBef>
-                <a:spcPts val="1200"/>
-              </a:spcBef>
-              <a:spcAft>
-                <a:spcPts val="0"/>
-              </a:spcAft>
-              <a:buSzPts val="990"/>
-              <a:buNone/>
-            </a:pPr>
-            <a:endParaRPr lang="en-GB" sz="2560" dirty="0">
-              <a:latin typeface="Arial"/>
-              <a:ea typeface="Arial"/>
-              <a:cs typeface="Arial"/>
-              <a:sym typeface="Arial"/>
-            </a:endParaRPr>
-          </a:p>
-        </p:txBody>
-      </p:sp>
-      <p:sp>
-        <p:nvSpPr>
-          <p:cNvPr id="149" name="Google Shape;149;p22">
-            <a:extLst>
-              <a:ext uri="{FF2B5EF4-FFF2-40B4-BE49-F238E27FC236}">
-                <a16:creationId xmlns:a16="http://schemas.microsoft.com/office/drawing/2014/main" id="{B590C0AE-B753-1BC3-66FA-3723E45E43D1}"/>
-              </a:ext>
-            </a:extLst>
-          </p:cNvPr>
-          <p:cNvSpPr txBox="1"/>
-          <p:nvPr/>
-        </p:nvSpPr>
-        <p:spPr>
-          <a:xfrm>
-            <a:off x="727500" y="1129975"/>
-            <a:ext cx="7689000" cy="2646848"/>
-          </a:xfrm>
-          <a:prstGeom prst="rect">
-            <a:avLst/>
-          </a:prstGeom>
-          <a:noFill/>
-          <a:ln>
-            <a:noFill/>
-          </a:ln>
-        </p:spPr>
-        <p:txBody>
-          <a:bodyPr spcFirstLastPara="1" wrap="square" lIns="91425" tIns="91425" rIns="91425" bIns="91425" anchor="t" anchorCtr="0">
-            <a:spAutoFit/>
-          </a:bodyPr>
-          <a:lstStyle/>
-          <a:p>
-            <a:pPr marL="285750" indent="-285750">
-              <a:buFont typeface="Arial" panose="020B0604020202020204" pitchFamily="34" charset="0"/>
-              <a:buChar char="•"/>
-            </a:pPr>
-            <a:r>
-              <a:rPr lang="en-GB" sz="1600" dirty="0"/>
-              <a:t> Include additional features: transaction trends over time, external </a:t>
-            </a:r>
-            <a:r>
-              <a:rPr lang="en-GB" sz="1600" dirty="0" err="1"/>
-              <a:t>behavioral</a:t>
-            </a:r>
-            <a:r>
-              <a:rPr lang="en-GB" sz="1600" dirty="0"/>
-              <a:t> data, communication history.</a:t>
-            </a:r>
-          </a:p>
-          <a:p>
-            <a:pPr marL="285750" indent="-285750">
-              <a:buFont typeface="Arial" panose="020B0604020202020204" pitchFamily="34" charset="0"/>
-              <a:buChar char="•"/>
-            </a:pPr>
-            <a:endParaRPr lang="en-GB" sz="1600" dirty="0"/>
-          </a:p>
-          <a:p>
-            <a:pPr marL="285750" indent="-285750">
-              <a:buFont typeface="Arial" panose="020B0604020202020204" pitchFamily="34" charset="0"/>
-              <a:buChar char="•"/>
-            </a:pPr>
-            <a:r>
-              <a:rPr lang="en-GB" sz="1600" dirty="0"/>
-              <a:t> Experiment with advanced predictive models (</a:t>
-            </a:r>
-            <a:r>
-              <a:rPr lang="en-GB" sz="1600" dirty="0" err="1"/>
-              <a:t>RandomForest</a:t>
-            </a:r>
-            <a:r>
-              <a:rPr lang="en-GB" sz="1600" dirty="0"/>
-              <a:t>, </a:t>
-            </a:r>
-            <a:r>
-              <a:rPr lang="en-GB" sz="1600" dirty="0" err="1"/>
-              <a:t>XGBoost</a:t>
-            </a:r>
-            <a:r>
-              <a:rPr lang="en-GB" sz="1600" dirty="0"/>
-              <a:t>) and handle class imbalance.</a:t>
-            </a:r>
-          </a:p>
-          <a:p>
-            <a:pPr marL="285750" indent="-285750">
-              <a:buFont typeface="Arial" panose="020B0604020202020204" pitchFamily="34" charset="0"/>
-              <a:buChar char="•"/>
-            </a:pPr>
-            <a:endParaRPr lang="en-GB" sz="1600" dirty="0"/>
-          </a:p>
-          <a:p>
-            <a:pPr marL="285750" indent="-285750">
-              <a:buFont typeface="Arial" panose="020B0604020202020204" pitchFamily="34" charset="0"/>
-              <a:buChar char="•"/>
-            </a:pPr>
-            <a:r>
-              <a:rPr lang="en-GB" sz="1600" dirty="0"/>
-              <a:t> Integrate model in banking dashboards for real-time churn risk monitoring.</a:t>
-            </a:r>
-          </a:p>
-          <a:p>
-            <a:pPr marL="285750" indent="-285750">
-              <a:buFont typeface="Arial" panose="020B0604020202020204" pitchFamily="34" charset="0"/>
-              <a:buChar char="•"/>
-            </a:pPr>
-            <a:endParaRPr lang="en-GB" sz="1600" dirty="0"/>
-          </a:p>
-          <a:p>
-            <a:pPr marL="285750" indent="-285750">
-              <a:buFont typeface="Arial" panose="020B0604020202020204" pitchFamily="34" charset="0"/>
-              <a:buChar char="•"/>
-            </a:pPr>
-            <a:r>
-              <a:rPr lang="en-GB" sz="1600" dirty="0"/>
-              <a:t> Apply fairness and privacy-aware techniques for ethical, responsible deployment.</a:t>
-            </a:r>
-          </a:p>
-        </p:txBody>
-      </p:sp>
-      <p:pic>
-        <p:nvPicPr>
-          <p:cNvPr id="2" name="Google Shape;338;p31">
-            <a:extLst>
-              <a:ext uri="{FF2B5EF4-FFF2-40B4-BE49-F238E27FC236}">
-                <a16:creationId xmlns:a16="http://schemas.microsoft.com/office/drawing/2014/main" id="{4F70190C-0FA6-7452-269B-064E960983CC}"/>
-              </a:ext>
-            </a:extLst>
-          </p:cNvPr>
-          <p:cNvPicPr preferRelativeResize="0"/>
-          <p:nvPr/>
-        </p:nvPicPr>
-        <p:blipFill>
-          <a:blip r:embed="rId3">
-            <a:alphaModFix/>
-          </a:blip>
-          <a:stretch>
-            <a:fillRect/>
-          </a:stretch>
-        </p:blipFill>
-        <p:spPr>
-          <a:xfrm>
-            <a:off x="7418424" y="3051950"/>
-            <a:ext cx="1580118" cy="1677547"/>
-          </a:xfrm>
-          <a:prstGeom prst="rect">
-            <a:avLst/>
-          </a:prstGeom>
-          <a:noFill/>
-          <a:ln>
-            <a:noFill/>
-          </a:ln>
-        </p:spPr>
-      </p:pic>
-    </p:spTree>
-    <p:extLst>
-      <p:ext uri="{BB962C8B-B14F-4D97-AF65-F5344CB8AC3E}">
-        <p14:creationId xmlns:p14="http://schemas.microsoft.com/office/powerpoint/2010/main" val="4177299070"/>
-      </p:ext>
-    </p:extLst>
-  </p:cSld>
-  <p:clrMapOvr>
-    <a:masterClrMapping/>
-  </p:clrMapOvr>
-</p:sld>
-</file>
-
-<file path=ppt/slides/slide7.xml><?xml version="1.0" encoding="utf-8"?>
-<p:sld xmlns:a="http://schemas.openxmlformats.org/drawingml/2006/main" xmlns:r="http://schemas.openxmlformats.org/officeDocument/2006/relationships" xmlns:p="http://schemas.openxmlformats.org/presentationml/2006/main">
-  <p:cSld>
-    <p:spTree>
-      <p:nvGrpSpPr>
-        <p:cNvPr id="1" name="Shape 658"/>
-        <p:cNvGrpSpPr/>
-        <p:nvPr/>
-      </p:nvGrpSpPr>
-      <p:grpSpPr>
-        <a:xfrm>
-          <a:off x="0" y="0"/>
-          <a:ext cx="0" cy="0"/>
-          <a:chOff x="0" y="0"/>
-          <a:chExt cx="0" cy="0"/>
-        </a:xfrm>
-      </p:grpSpPr>
-      <p:sp>
-        <p:nvSpPr>
-          <p:cNvPr id="659" name="Google Shape;659;p62"/>
-          <p:cNvSpPr txBox="1">
-            <a:spLocks noGrp="1"/>
-          </p:cNvSpPr>
-          <p:nvPr>
-            <p:ph type="sldNum" idx="12"/>
-          </p:nvPr>
-        </p:nvSpPr>
-        <p:spPr>
-          <a:xfrm>
-            <a:off x="8466613" y="4762672"/>
-            <a:ext cx="365700" cy="274200"/>
-          </a:xfrm>
-          <a:prstGeom prst="rect">
-            <a:avLst/>
-          </a:prstGeom>
-        </p:spPr>
-        <p:txBody>
-          <a:bodyPr spcFirstLastPara="1" wrap="square" lIns="91425" tIns="91425" rIns="91425" bIns="91425" anchor="ctr" anchorCtr="0">
-            <a:normAutofit fontScale="92500" lnSpcReduction="20000"/>
-          </a:bodyPr>
-          <a:lstStyle/>
-          <a:p>
-            <a:pPr marL="0" lvl="0" indent="0" algn="r" rtl="0">
-              <a:spcBef>
-                <a:spcPts val="0"/>
-              </a:spcBef>
-              <a:spcAft>
-                <a:spcPts val="0"/>
-              </a:spcAft>
-              <a:buNone/>
-            </a:pPr>
-            <a:fld id="{00000000-1234-1234-1234-123412341234}" type="slidenum">
-              <a:rPr lang="en"/>
-              <a:t>7</a:t>
-            </a:fld>
-            <a:endParaRPr/>
-          </a:p>
-        </p:txBody>
-      </p:sp>
-      <p:sp>
-        <p:nvSpPr>
-          <p:cNvPr id="660" name="Google Shape;660;p62"/>
-          <p:cNvSpPr txBox="1">
-            <a:spLocks noGrp="1"/>
-          </p:cNvSpPr>
-          <p:nvPr>
-            <p:ph type="body" idx="4294967295"/>
-          </p:nvPr>
-        </p:nvSpPr>
-        <p:spPr>
-          <a:xfrm>
-            <a:off x="2558864" y="2760450"/>
-            <a:ext cx="5767500" cy="1455900"/>
-          </a:xfrm>
-          <a:prstGeom prst="rect">
-            <a:avLst/>
-          </a:prstGeom>
-        </p:spPr>
-        <p:txBody>
-          <a:bodyPr spcFirstLastPara="1" wrap="square" lIns="91425" tIns="91425" rIns="91425" bIns="91425" anchor="t" anchorCtr="0">
-            <a:normAutofit/>
-          </a:bodyPr>
-          <a:lstStyle/>
-          <a:p>
-            <a:pPr marL="0" lvl="0" indent="0" algn="l" rtl="0">
-              <a:spcBef>
-                <a:spcPts val="0"/>
-              </a:spcBef>
-              <a:spcAft>
-                <a:spcPts val="0"/>
-              </a:spcAft>
-              <a:buNone/>
-            </a:pPr>
-            <a:r>
-              <a:rPr lang="en" sz="1400" b="1" dirty="0"/>
-              <a:t>Contact</a:t>
-            </a:r>
-            <a:endParaRPr sz="1400" b="1" dirty="0"/>
-          </a:p>
-          <a:p>
-            <a:pPr marL="0" indent="0">
-              <a:spcBef>
-                <a:spcPts val="1000"/>
-              </a:spcBef>
-              <a:buNone/>
-            </a:pPr>
-            <a:r>
-              <a:rPr lang="en-US" sz="1400" dirty="0"/>
-              <a:t>Dmytro </a:t>
-            </a:r>
-            <a:r>
-              <a:rPr lang="en-US" sz="1400" dirty="0" err="1"/>
-              <a:t>Ivashchenko</a:t>
-            </a:r>
-            <a:br>
-              <a:rPr lang="en" sz="1400" dirty="0"/>
-            </a:br>
-            <a:r>
-              <a:rPr lang="en-GB" sz="1400" dirty="0"/>
-              <a:t>Student of Data analytics course</a:t>
-            </a:r>
-            <a:endParaRPr lang="en" sz="1400" dirty="0"/>
-          </a:p>
-          <a:p>
-            <a:pPr marL="0" lvl="0" indent="0" algn="l" rtl="0">
-              <a:spcBef>
-                <a:spcPts val="1000"/>
-              </a:spcBef>
-              <a:spcAft>
-                <a:spcPts val="0"/>
-              </a:spcAft>
-              <a:buNone/>
-            </a:pPr>
-            <a:r>
-              <a:rPr lang="en" sz="1400" dirty="0">
-                <a:hlinkClick r:id="rId3"/>
-              </a:rPr>
-              <a:t>dnytsyk@gmail.com</a:t>
-            </a:r>
-            <a:endParaRPr lang="en" sz="1400" dirty="0"/>
-          </a:p>
-          <a:p>
-            <a:pPr marL="0" lvl="0" indent="0" algn="l" rtl="0">
-              <a:spcBef>
-                <a:spcPts val="1000"/>
-              </a:spcBef>
-              <a:spcAft>
-                <a:spcPts val="0"/>
-              </a:spcAft>
-              <a:buNone/>
-            </a:pPr>
-            <a:endParaRPr lang="en" sz="1400" dirty="0"/>
-          </a:p>
-        </p:txBody>
-      </p:sp>
-      <p:pic>
-        <p:nvPicPr>
-          <p:cNvPr id="661" name="Google Shape;661;p62"/>
-          <p:cNvPicPr preferRelativeResize="0"/>
-          <p:nvPr/>
-        </p:nvPicPr>
-        <p:blipFill rotWithShape="1">
-          <a:blip r:embed="rId4"/>
-          <a:srcRect l="10000" t="8928" r="18571" b="46429"/>
-          <a:stretch/>
-        </p:blipFill>
-        <p:spPr>
-          <a:xfrm>
-            <a:off x="428450" y="2588400"/>
-            <a:ext cx="1800000" cy="1800000"/>
-          </a:xfrm>
-          <a:prstGeom prst="ellipse">
-            <a:avLst/>
-          </a:prstGeom>
-          <a:noFill/>
-          <a:ln w="38100" cap="flat" cmpd="sng">
-            <a:solidFill>
-              <a:schemeClr val="accent4"/>
-            </a:solidFill>
-            <a:prstDash val="solid"/>
-            <a:round/>
-            <a:headEnd type="none" w="sm" len="sm"/>
-            <a:tailEnd type="none" w="sm" len="sm"/>
-          </a:ln>
-        </p:spPr>
-      </p:pic>
-      <p:sp>
-        <p:nvSpPr>
-          <p:cNvPr id="662" name="Google Shape;662;p62"/>
-          <p:cNvSpPr txBox="1">
-            <a:spLocks noGrp="1"/>
-          </p:cNvSpPr>
-          <p:nvPr>
-            <p:ph type="title"/>
-          </p:nvPr>
-        </p:nvSpPr>
-        <p:spPr>
-          <a:xfrm>
-            <a:off x="311700" y="342900"/>
-            <a:ext cx="8100000" cy="2094000"/>
-          </a:xfrm>
-          <a:prstGeom prst="rect">
-            <a:avLst/>
-          </a:prstGeom>
-        </p:spPr>
-        <p:txBody>
-          <a:bodyPr spcFirstLastPara="1" wrap="square" lIns="91425" tIns="91425" rIns="91425" bIns="91425" anchor="b" anchorCtr="0">
-            <a:normAutofit/>
-          </a:bodyPr>
-          <a:lstStyle/>
-          <a:p>
-            <a:pPr marL="0" lvl="0" indent="0" algn="ctr" rtl="0">
-              <a:spcBef>
-                <a:spcPts val="0"/>
-              </a:spcBef>
-              <a:spcAft>
-                <a:spcPts val="0"/>
-              </a:spcAft>
-              <a:buNone/>
-            </a:pPr>
-            <a:r>
-              <a:rPr lang="en" dirty="0"/>
-              <a:t>Thanks a lot!</a:t>
-            </a:r>
-            <a:endParaRPr dirty="0"/>
-          </a:p>
-        </p:txBody>
-      </p:sp>
-    </p:spTree>
   </p:cSld>
   <p:clrMapOvr>
     <a:masterClrMapping/>
